--- a/workflow/eride_global_dev.pptx
+++ b/workflow/eride_global_dev.pptx
@@ -6,10 +6,11 @@
   </p:sldMasterIdLst>
   <p:sldIdLst>
     <p:sldId id="261" r:id="rId2"/>
-    <p:sldId id="262" r:id="rId3"/>
-    <p:sldId id="257" r:id="rId4"/>
-    <p:sldId id="258" r:id="rId5"/>
-    <p:sldId id="259" r:id="rId6"/>
+    <p:sldId id="263" r:id="rId3"/>
+    <p:sldId id="262" r:id="rId4"/>
+    <p:sldId id="257" r:id="rId5"/>
+    <p:sldId id="258" r:id="rId6"/>
+    <p:sldId id="259" r:id="rId7"/>
   </p:sldIdLst>
   <p:sldSz cx="12192000" cy="6858000"/>
   <p:notesSz cx="6858000" cy="9144000"/>
@@ -840,7 +841,7 @@
           <a:p>
             <a:fld id="{B5DA846C-8D30-441A-B1E0-B376C61F31D1}" type="datetimeFigureOut">
               <a:rPr lang="en-NZ" smtClean="0"/>
-              <a:t>15/08/2024</a:t>
+              <a:t>16/08/2024</a:t>
             </a:fld>
             <a:endParaRPr lang="en-NZ"/>
           </a:p>
@@ -1040,7 +1041,7 @@
           <a:p>
             <a:fld id="{B5DA846C-8D30-441A-B1E0-B376C61F31D1}" type="datetimeFigureOut">
               <a:rPr lang="en-NZ" smtClean="0"/>
-              <a:t>15/08/2024</a:t>
+              <a:t>16/08/2024</a:t>
             </a:fld>
             <a:endParaRPr lang="en-NZ"/>
           </a:p>
@@ -1250,7 +1251,7 @@
           <a:p>
             <a:fld id="{B5DA846C-8D30-441A-B1E0-B376C61F31D1}" type="datetimeFigureOut">
               <a:rPr lang="en-NZ" smtClean="0"/>
-              <a:t>15/08/2024</a:t>
+              <a:t>16/08/2024</a:t>
             </a:fld>
             <a:endParaRPr lang="en-NZ"/>
           </a:p>
@@ -1450,7 +1451,7 @@
           <a:p>
             <a:fld id="{B5DA846C-8D30-441A-B1E0-B376C61F31D1}" type="datetimeFigureOut">
               <a:rPr lang="en-NZ" smtClean="0"/>
-              <a:t>15/08/2024</a:t>
+              <a:t>16/08/2024</a:t>
             </a:fld>
             <a:endParaRPr lang="en-NZ"/>
           </a:p>
@@ -1726,7 +1727,7 @@
           <a:p>
             <a:fld id="{B5DA846C-8D30-441A-B1E0-B376C61F31D1}" type="datetimeFigureOut">
               <a:rPr lang="en-NZ" smtClean="0"/>
-              <a:t>15/08/2024</a:t>
+              <a:t>16/08/2024</a:t>
             </a:fld>
             <a:endParaRPr lang="en-NZ"/>
           </a:p>
@@ -1994,7 +1995,7 @@
           <a:p>
             <a:fld id="{B5DA846C-8D30-441A-B1E0-B376C61F31D1}" type="datetimeFigureOut">
               <a:rPr lang="en-NZ" smtClean="0"/>
-              <a:t>15/08/2024</a:t>
+              <a:t>16/08/2024</a:t>
             </a:fld>
             <a:endParaRPr lang="en-NZ"/>
           </a:p>
@@ -2409,7 +2410,7 @@
           <a:p>
             <a:fld id="{B5DA846C-8D30-441A-B1E0-B376C61F31D1}" type="datetimeFigureOut">
               <a:rPr lang="en-NZ" smtClean="0"/>
-              <a:t>15/08/2024</a:t>
+              <a:t>16/08/2024</a:t>
             </a:fld>
             <a:endParaRPr lang="en-NZ"/>
           </a:p>
@@ -2551,7 +2552,7 @@
           <a:p>
             <a:fld id="{B5DA846C-8D30-441A-B1E0-B376C61F31D1}" type="datetimeFigureOut">
               <a:rPr lang="en-NZ" smtClean="0"/>
-              <a:t>15/08/2024</a:t>
+              <a:t>16/08/2024</a:t>
             </a:fld>
             <a:endParaRPr lang="en-NZ"/>
           </a:p>
@@ -2664,7 +2665,7 @@
           <a:p>
             <a:fld id="{B5DA846C-8D30-441A-B1E0-B376C61F31D1}" type="datetimeFigureOut">
               <a:rPr lang="en-NZ" smtClean="0"/>
-              <a:t>15/08/2024</a:t>
+              <a:t>16/08/2024</a:t>
             </a:fld>
             <a:endParaRPr lang="en-NZ"/>
           </a:p>
@@ -2977,7 +2978,7 @@
           <a:p>
             <a:fld id="{B5DA846C-8D30-441A-B1E0-B376C61F31D1}" type="datetimeFigureOut">
               <a:rPr lang="en-NZ" smtClean="0"/>
-              <a:t>15/08/2024</a:t>
+              <a:t>16/08/2024</a:t>
             </a:fld>
             <a:endParaRPr lang="en-NZ"/>
           </a:p>
@@ -3266,7 +3267,7 @@
           <a:p>
             <a:fld id="{B5DA846C-8D30-441A-B1E0-B376C61F31D1}" type="datetimeFigureOut">
               <a:rPr lang="en-NZ" smtClean="0"/>
-              <a:t>15/08/2024</a:t>
+              <a:t>16/08/2024</a:t>
             </a:fld>
             <a:endParaRPr lang="en-NZ"/>
           </a:p>
@@ -3509,7 +3510,7 @@
           <a:p>
             <a:fld id="{B5DA846C-8D30-441A-B1E0-B376C61F31D1}" type="datetimeFigureOut">
               <a:rPr lang="en-NZ" smtClean="0"/>
-              <a:t>15/08/2024</a:t>
+              <a:t>16/08/2024</a:t>
             </a:fld>
             <a:endParaRPr lang="en-NZ"/>
           </a:p>
@@ -4210,8 +4211,8 @@
         </p:blipFill>
         <p:spPr>
           <a:xfrm>
-            <a:off x="7208651" y="2680635"/>
-            <a:ext cx="914400" cy="914400"/>
+            <a:off x="7482577" y="779513"/>
+            <a:ext cx="698558" cy="698558"/>
           </a:xfrm>
         </p:spPr>
       </p:pic>
@@ -4471,7 +4472,7 @@
           <a:p>
             <a:pPr algn="ctr"/>
             <a:r>
-              <a:rPr lang="pt-BR" sz="1200" dirty="0">
+              <a:rPr lang="pt-BR" sz="1100" dirty="0">
                 <a:latin typeface="Arial" panose="020B0604020202020204" pitchFamily="34" charset="0"/>
                 <a:cs typeface="Arial" panose="020B0604020202020204" pitchFamily="34" charset="0"/>
               </a:rPr>
@@ -4481,7 +4482,7 @@
           <a:p>
             <a:pPr algn="ctr"/>
             <a:r>
-              <a:rPr lang="pt-BR" sz="1200" dirty="0">
+              <a:rPr lang="pt-BR" sz="1100" dirty="0">
                 <a:latin typeface="Arial" panose="020B0604020202020204" pitchFamily="34" charset="0"/>
                 <a:cs typeface="Arial" panose="020B0604020202020204" pitchFamily="34" charset="0"/>
               </a:rPr>
@@ -4491,20 +4492,20 @@
           <a:p>
             <a:pPr algn="ctr"/>
             <a:r>
-              <a:rPr lang="pt-BR" sz="1200" dirty="0">
+              <a:rPr lang="pt-BR" sz="1100" dirty="0">
                 <a:latin typeface="Arial" panose="020B0604020202020204" pitchFamily="34" charset="0"/>
                 <a:cs typeface="Arial" panose="020B0604020202020204" pitchFamily="34" charset="0"/>
               </a:rPr>
               <a:t>USP, UNESP </a:t>
             </a:r>
             <a:r>
-              <a:rPr lang="en-NZ" sz="1200" dirty="0">
+              <a:rPr lang="en-NZ" sz="1100" dirty="0">
                 <a:latin typeface="Arial" panose="020B0604020202020204" pitchFamily="34" charset="0"/>
                 <a:cs typeface="Arial" panose="020B0604020202020204" pitchFamily="34" charset="0"/>
               </a:rPr>
               <a:t>&amp; Leave</a:t>
             </a:r>
-            <a:endParaRPr lang="pt-BR" sz="1200" dirty="0">
+            <a:endParaRPr lang="pt-BR" sz="1100" dirty="0">
               <a:latin typeface="Arial" panose="020B0604020202020204" pitchFamily="34" charset="0"/>
               <a:cs typeface="Arial" panose="020B0604020202020204" pitchFamily="34" charset="0"/>
             </a:endParaRPr>
@@ -4607,9 +4608,7 @@
             <a:avLst/>
           </a:prstGeom>
           <a:solidFill>
-            <a:schemeClr val="accent2">
-              <a:lumMod val="75000"/>
-            </a:schemeClr>
+            <a:srgbClr val="00B050"/>
           </a:solidFill>
         </p:spPr>
         <p:style>
@@ -4725,7 +4724,9 @@
             <a:srgbClr val="00B050"/>
           </a:solidFill>
           <a:ln>
-            <a:noFill/>
+            <a:solidFill>
+              <a:schemeClr val="tx1"/>
+            </a:solidFill>
           </a:ln>
         </p:spPr>
         <p:style>
@@ -4946,7 +4947,9 @@
             <a:srgbClr val="00B050"/>
           </a:solidFill>
           <a:ln>
-            <a:noFill/>
+            <a:solidFill>
+              <a:schemeClr val="tx1"/>
+            </a:solidFill>
           </a:ln>
         </p:spPr>
         <p:style>
@@ -5195,7 +5198,7 @@
         </p:nvSpPr>
         <p:spPr>
           <a:xfrm>
-            <a:off x="10192670" y="4499135"/>
+            <a:off x="10186364" y="4499135"/>
             <a:ext cx="912560" cy="866595"/>
           </a:xfrm>
           <a:prstGeom prst="rect">
@@ -5261,6 +5264,103 @@
           </a:p>
         </p:txBody>
       </p:sp>
+      <p:pic>
+        <p:nvPicPr>
+          <p:cNvPr id="5" name="Graphic 4" descr="Newton's Cradle with solid fill">
+            <a:extLst>
+              <a:ext uri="{FF2B5EF4-FFF2-40B4-BE49-F238E27FC236}">
+                <a16:creationId xmlns:a16="http://schemas.microsoft.com/office/drawing/2014/main" id="{7D30804D-63FB-ED72-35C8-A74304F7EF51}"/>
+              </a:ext>
+            </a:extLst>
+          </p:cNvPr>
+          <p:cNvPicPr>
+            <a:picLocks noChangeAspect="1"/>
+          </p:cNvPicPr>
+          <p:nvPr/>
+        </p:nvPicPr>
+        <p:blipFill>
+          <a:blip r:embed="rId4">
+            <a:extLst>
+              <a:ext uri="{28A0092B-C50C-407E-A947-70E740481C1C}">
+                <a14:useLocalDpi xmlns:a14="http://schemas.microsoft.com/office/drawing/2010/main" val="0"/>
+              </a:ext>
+              <a:ext uri="{96DAC541-7B7A-43D3-8B79-37D633B846F1}">
+                <asvg:svgBlip xmlns:asvg="http://schemas.microsoft.com/office/drawing/2016/SVG/main" r:embed="rId5"/>
+              </a:ext>
+            </a:extLst>
+          </a:blip>
+          <a:stretch>
+            <a:fillRect/>
+          </a:stretch>
+        </p:blipFill>
+        <p:spPr>
+          <a:xfrm>
+            <a:off x="7185397" y="3803994"/>
+            <a:ext cx="594360" cy="594360"/>
+          </a:xfrm>
+          <a:prstGeom prst="rect">
+            <a:avLst/>
+          </a:prstGeom>
+        </p:spPr>
+      </p:pic>
+      <p:sp>
+        <p:nvSpPr>
+          <p:cNvPr id="10" name="Rectangle 9">
+            <a:extLst>
+              <a:ext uri="{FF2B5EF4-FFF2-40B4-BE49-F238E27FC236}">
+                <a16:creationId xmlns:a16="http://schemas.microsoft.com/office/drawing/2014/main" id="{FE05595C-E6E8-3992-F024-DD709CC01FBB}"/>
+              </a:ext>
+            </a:extLst>
+          </p:cNvPr>
+          <p:cNvSpPr/>
+          <p:nvPr/>
+        </p:nvSpPr>
+        <p:spPr>
+          <a:xfrm>
+            <a:off x="744132" y="3257594"/>
+            <a:ext cx="1236148" cy="908859"/>
+          </a:xfrm>
+          <a:prstGeom prst="rect">
+            <a:avLst/>
+          </a:prstGeom>
+          <a:solidFill>
+            <a:schemeClr val="accent2">
+              <a:lumMod val="75000"/>
+            </a:schemeClr>
+          </a:solidFill>
+          <a:ln>
+            <a:noFill/>
+          </a:ln>
+        </p:spPr>
+        <p:style>
+          <a:lnRef idx="2">
+            <a:schemeClr val="accent1">
+              <a:shade val="15000"/>
+            </a:schemeClr>
+          </a:lnRef>
+          <a:fillRef idx="1">
+            <a:schemeClr val="accent1"/>
+          </a:fillRef>
+          <a:effectRef idx="0">
+            <a:schemeClr val="accent1"/>
+          </a:effectRef>
+          <a:fontRef idx="minor">
+            <a:schemeClr val="lt1"/>
+          </a:fontRef>
+        </p:style>
+        <p:txBody>
+          <a:bodyPr rtlCol="0" anchor="ctr"/>
+          <a:lstStyle/>
+          <a:p>
+            <a:pPr algn="ctr"/>
+            <a:r>
+              <a:rPr lang="pt-BR" sz="1400" dirty="0"/>
+              <a:t>Degrade it to 100 m</a:t>
+            </a:r>
+            <a:endParaRPr lang="en-NZ" sz="1400" dirty="0"/>
+          </a:p>
+        </p:txBody>
+      </p:sp>
     </p:spTree>
     <p:extLst>
       <p:ext uri="{BB962C8B-B14F-4D97-AF65-F5344CB8AC3E}">
@@ -5293,6 +5393,100 @@
       </p:grpSpPr>
       <p:sp>
         <p:nvSpPr>
+          <p:cNvPr id="2" name="Title 1">
+            <a:extLst>
+              <a:ext uri="{FF2B5EF4-FFF2-40B4-BE49-F238E27FC236}">
+                <a16:creationId xmlns:a16="http://schemas.microsoft.com/office/drawing/2014/main" id="{059FB3C3-F851-7B41-4621-C5D889ECD602}"/>
+              </a:ext>
+            </a:extLst>
+          </p:cNvPr>
+          <p:cNvSpPr>
+            <a:spLocks noGrp="1"/>
+          </p:cNvSpPr>
+          <p:nvPr>
+            <p:ph type="title"/>
+          </p:nvPr>
+        </p:nvSpPr>
+        <p:spPr/>
+        <p:txBody>
+          <a:bodyPr/>
+          <a:lstStyle/>
+          <a:p>
+            <a:r>
+              <a:rPr lang="pt-BR" dirty="0">
+                <a:latin typeface="Arial" panose="020B0604020202020204" pitchFamily="34" charset="0"/>
+                <a:cs typeface="Arial" panose="020B0604020202020204" pitchFamily="34" charset="0"/>
+              </a:rPr>
+              <a:t>Is a patch-based model globally relevant?</a:t>
+            </a:r>
+            <a:endParaRPr lang="en-NZ" dirty="0">
+              <a:latin typeface="Arial" panose="020B0604020202020204" pitchFamily="34" charset="0"/>
+              <a:cs typeface="Arial" panose="020B0604020202020204" pitchFamily="34" charset="0"/>
+            </a:endParaRPr>
+          </a:p>
+        </p:txBody>
+      </p:sp>
+      <p:sp>
+        <p:nvSpPr>
+          <p:cNvPr id="3" name="Content Placeholder 2">
+            <a:extLst>
+              <a:ext uri="{FF2B5EF4-FFF2-40B4-BE49-F238E27FC236}">
+                <a16:creationId xmlns:a16="http://schemas.microsoft.com/office/drawing/2014/main" id="{D83AE20D-A460-CE31-6B4E-18E31E0B194C}"/>
+              </a:ext>
+            </a:extLst>
+          </p:cNvPr>
+          <p:cNvSpPr>
+            <a:spLocks noGrp="1"/>
+          </p:cNvSpPr>
+          <p:nvPr>
+            <p:ph idx="1"/>
+          </p:nvPr>
+        </p:nvSpPr>
+        <p:spPr/>
+        <p:txBody>
+          <a:bodyPr/>
+          <a:lstStyle/>
+          <a:p>
+            <a:r>
+              <a:rPr lang="pt-BR"/>
+              <a:t>Does a mechanistic model (based on island biogeography) compare to the global patterns of coarser, correlative models previously published?</a:t>
+            </a:r>
+            <a:endParaRPr lang="en-NZ" dirty="0"/>
+          </a:p>
+        </p:txBody>
+      </p:sp>
+    </p:spTree>
+    <p:extLst>
+      <p:ext uri="{BB962C8B-B14F-4D97-AF65-F5344CB8AC3E}">
+        <p14:creationId xmlns:p14="http://schemas.microsoft.com/office/powerpoint/2010/main" val="3242349104"/>
+      </p:ext>
+    </p:extLst>
+  </p:cSld>
+  <p:clrMapOvr>
+    <a:masterClrMapping/>
+  </p:clrMapOvr>
+</p:sld>
+</file>
+
+<file path=ppt/slides/slide3.xml><?xml version="1.0" encoding="utf-8"?>
+<p:sld xmlns:a="http://schemas.openxmlformats.org/drawingml/2006/main" xmlns:r="http://schemas.openxmlformats.org/officeDocument/2006/relationships" xmlns:p="http://schemas.openxmlformats.org/presentationml/2006/main">
+  <p:cSld>
+    <p:spTree>
+      <p:nvGrpSpPr>
+        <p:cNvPr id="1" name=""/>
+        <p:cNvGrpSpPr/>
+        <p:nvPr/>
+      </p:nvGrpSpPr>
+      <p:grpSpPr>
+        <a:xfrm>
+          <a:off x="0" y="0"/>
+          <a:ext cx="0" cy="0"/>
+          <a:chOff x="0" y="0"/>
+          <a:chExt cx="0" cy="0"/>
+        </a:xfrm>
+      </p:grpSpPr>
+      <p:sp>
+        <p:nvSpPr>
           <p:cNvPr id="9" name="Title 8">
             <a:extLst>
               <a:ext uri="{FF2B5EF4-FFF2-40B4-BE49-F238E27FC236}">
@@ -5333,47 +5527,6 @@
           </a:p>
         </p:txBody>
       </p:sp>
-      <p:pic>
-        <p:nvPicPr>
-          <p:cNvPr id="4" name="Picture 3">
-            <a:extLst>
-              <a:ext uri="{FF2B5EF4-FFF2-40B4-BE49-F238E27FC236}">
-                <a16:creationId xmlns:a16="http://schemas.microsoft.com/office/drawing/2014/main" id="{2592F237-23DE-5CBC-CD6B-BCCBCD925385}"/>
-              </a:ext>
-            </a:extLst>
-          </p:cNvPr>
-          <p:cNvPicPr>
-            <a:picLocks noChangeAspect="1"/>
-          </p:cNvPicPr>
-          <p:nvPr/>
-        </p:nvPicPr>
-        <p:blipFill>
-          <a:blip r:embed="rId2">
-            <a:extLst>
-              <a:ext uri="{28A0092B-C50C-407E-A947-70E740481C1C}">
-                <a14:useLocalDpi xmlns:a14="http://schemas.microsoft.com/office/drawing/2010/main" val="0"/>
-              </a:ext>
-            </a:extLst>
-          </a:blip>
-          <a:srcRect/>
-          <a:stretch>
-            <a:fillRect/>
-          </a:stretch>
-        </p:blipFill>
-        <p:spPr bwMode="auto">
-          <a:xfrm>
-            <a:off x="573009" y="1936467"/>
-            <a:ext cx="4519295" cy="287020"/>
-          </a:xfrm>
-          <a:prstGeom prst="rect">
-            <a:avLst/>
-          </a:prstGeom>
-          <a:noFill/>
-          <a:ln>
-            <a:noFill/>
-          </a:ln>
-        </p:spPr>
-      </p:pic>
       <p:sp>
         <p:nvSpPr>
           <p:cNvPr id="5" name="TextBox 4">
@@ -5467,7 +5620,7 @@
           <p:nvPr/>
         </p:nvPicPr>
         <p:blipFill>
-          <a:blip r:embed="rId3"/>
+          <a:blip r:embed="rId2"/>
           <a:stretch>
             <a:fillRect/>
           </a:stretch>
@@ -5497,7 +5650,7 @@
           <p:nvPr/>
         </p:nvPicPr>
         <p:blipFill rotWithShape="1">
-          <a:blip r:embed="rId4"/>
+          <a:blip r:embed="rId3"/>
           <a:srcRect r="58943"/>
           <a:stretch/>
         </p:blipFill>
@@ -5526,7 +5679,7 @@
           <p:nvPr/>
         </p:nvPicPr>
         <p:blipFill rotWithShape="1">
-          <a:blip r:embed="rId4"/>
+          <a:blip r:embed="rId3"/>
           <a:srcRect l="40414" r="19279"/>
           <a:stretch/>
         </p:blipFill>
@@ -5803,7 +5956,7 @@
           <p:nvPr/>
         </p:nvPicPr>
         <p:blipFill>
-          <a:blip r:embed="rId5"/>
+          <a:blip r:embed="rId4"/>
           <a:stretch>
             <a:fillRect/>
           </a:stretch>
@@ -5831,7 +5984,7 @@
 </p:sld>
 </file>
 
-<file path=ppt/slides/slide3.xml><?xml version="1.0" encoding="utf-8"?>
+<file path=ppt/slides/slide4.xml><?xml version="1.0" encoding="utf-8"?>
 <p:sld xmlns:a="http://schemas.openxmlformats.org/drawingml/2006/main" xmlns:r="http://schemas.openxmlformats.org/officeDocument/2006/relationships" xmlns:p="http://schemas.openxmlformats.org/presentationml/2006/main">
   <p:cSld>
     <p:spTree>
@@ -5961,7 +6114,7 @@
 </p:sld>
 </file>
 
-<file path=ppt/slides/slide4.xml><?xml version="1.0" encoding="utf-8"?>
+<file path=ppt/slides/slide5.xml><?xml version="1.0" encoding="utf-8"?>
 <p:sld xmlns:a="http://schemas.openxmlformats.org/drawingml/2006/main" xmlns:r="http://schemas.openxmlformats.org/officeDocument/2006/relationships" xmlns:p="http://schemas.openxmlformats.org/presentationml/2006/main">
   <p:cSld>
     <p:spTree>
@@ -6112,7 +6265,7 @@
 </p:sld>
 </file>
 
-<file path=ppt/slides/slide5.xml><?xml version="1.0" encoding="utf-8"?>
+<file path=ppt/slides/slide6.xml><?xml version="1.0" encoding="utf-8"?>
 <p:sld xmlns:a="http://schemas.openxmlformats.org/drawingml/2006/main" xmlns:r="http://schemas.openxmlformats.org/officeDocument/2006/relationships" xmlns:p="http://schemas.openxmlformats.org/presentationml/2006/main">
   <p:cSld>
     <p:spTree>

--- a/workflow/eride_global_dev.pptx
+++ b/workflow/eride_global_dev.pptx
@@ -4,13 +4,21 @@
   <p:sldMasterIdLst>
     <p:sldMasterId id="2147483648" r:id="rId1"/>
   </p:sldMasterIdLst>
+  <p:notesMasterIdLst>
+    <p:notesMasterId r:id="rId13"/>
+  </p:notesMasterIdLst>
   <p:sldIdLst>
     <p:sldId id="261" r:id="rId2"/>
-    <p:sldId id="263" r:id="rId3"/>
-    <p:sldId id="262" r:id="rId4"/>
-    <p:sldId id="257" r:id="rId5"/>
-    <p:sldId id="258" r:id="rId6"/>
-    <p:sldId id="259" r:id="rId7"/>
+    <p:sldId id="610" r:id="rId3"/>
+    <p:sldId id="264" r:id="rId4"/>
+    <p:sldId id="611" r:id="rId5"/>
+    <p:sldId id="612" r:id="rId6"/>
+    <p:sldId id="613" r:id="rId7"/>
+    <p:sldId id="263" r:id="rId8"/>
+    <p:sldId id="262" r:id="rId9"/>
+    <p:sldId id="257" r:id="rId10"/>
+    <p:sldId id="258" r:id="rId11"/>
+    <p:sldId id="259" r:id="rId12"/>
   </p:sldIdLst>
   <p:sldSz cx="12192000" cy="6858000"/>
   <p:notesSz cx="6858000" cy="9144000"/>
@@ -692,6 +700,588 @@
 </pc:chgInfo>
 </file>
 
+<file path=ppt/notesMasters/notesMaster1.xml><?xml version="1.0" encoding="utf-8"?>
+<p:notesMaster xmlns:a="http://schemas.openxmlformats.org/drawingml/2006/main" xmlns:r="http://schemas.openxmlformats.org/officeDocument/2006/relationships" xmlns:p="http://schemas.openxmlformats.org/presentationml/2006/main">
+  <p:cSld>
+    <p:bg>
+      <p:bgRef idx="1001">
+        <a:schemeClr val="bg1"/>
+      </p:bgRef>
+    </p:bg>
+    <p:spTree>
+      <p:nvGrpSpPr>
+        <p:cNvPr id="1" name=""/>
+        <p:cNvGrpSpPr/>
+        <p:nvPr/>
+      </p:nvGrpSpPr>
+      <p:grpSpPr>
+        <a:xfrm>
+          <a:off x="0" y="0"/>
+          <a:ext cx="0" cy="0"/>
+          <a:chOff x="0" y="0"/>
+          <a:chExt cx="0" cy="0"/>
+        </a:xfrm>
+      </p:grpSpPr>
+      <p:sp>
+        <p:nvSpPr>
+          <p:cNvPr id="2" name="Header Placeholder 1"/>
+          <p:cNvSpPr>
+            <a:spLocks noGrp="1"/>
+          </p:cNvSpPr>
+          <p:nvPr>
+            <p:ph type="hdr" sz="quarter"/>
+          </p:nvPr>
+        </p:nvSpPr>
+        <p:spPr>
+          <a:xfrm>
+            <a:off x="0" y="0"/>
+            <a:ext cx="2971800" cy="458788"/>
+          </a:xfrm>
+          <a:prstGeom prst="rect">
+            <a:avLst/>
+          </a:prstGeom>
+        </p:spPr>
+        <p:txBody>
+          <a:bodyPr vert="horz" lIns="91440" tIns="45720" rIns="91440" bIns="45720" rtlCol="0"/>
+          <a:lstStyle>
+            <a:lvl1pPr algn="l">
+              <a:defRPr sz="1200"/>
+            </a:lvl1pPr>
+          </a:lstStyle>
+          <a:p>
+            <a:endParaRPr lang="en-NZ"/>
+          </a:p>
+        </p:txBody>
+      </p:sp>
+      <p:sp>
+        <p:nvSpPr>
+          <p:cNvPr id="3" name="Date Placeholder 2"/>
+          <p:cNvSpPr>
+            <a:spLocks noGrp="1"/>
+          </p:cNvSpPr>
+          <p:nvPr>
+            <p:ph type="dt" idx="1"/>
+          </p:nvPr>
+        </p:nvSpPr>
+        <p:spPr>
+          <a:xfrm>
+            <a:off x="3884613" y="0"/>
+            <a:ext cx="2971800" cy="458788"/>
+          </a:xfrm>
+          <a:prstGeom prst="rect">
+            <a:avLst/>
+          </a:prstGeom>
+        </p:spPr>
+        <p:txBody>
+          <a:bodyPr vert="horz" lIns="91440" tIns="45720" rIns="91440" bIns="45720" rtlCol="0"/>
+          <a:lstStyle>
+            <a:lvl1pPr algn="r">
+              <a:defRPr sz="1200"/>
+            </a:lvl1pPr>
+          </a:lstStyle>
+          <a:p>
+            <a:fld id="{5C133E06-F89B-49A2-905A-CAD2BAE635AE}" type="datetimeFigureOut">
+              <a:rPr lang="en-NZ" smtClean="0"/>
+              <a:t>3/10/2024</a:t>
+            </a:fld>
+            <a:endParaRPr lang="en-NZ"/>
+          </a:p>
+        </p:txBody>
+      </p:sp>
+      <p:sp>
+        <p:nvSpPr>
+          <p:cNvPr id="4" name="Slide Image Placeholder 3"/>
+          <p:cNvSpPr>
+            <a:spLocks noGrp="1" noRot="1" noChangeAspect="1"/>
+          </p:cNvSpPr>
+          <p:nvPr>
+            <p:ph type="sldImg" idx="2"/>
+          </p:nvPr>
+        </p:nvSpPr>
+        <p:spPr>
+          <a:xfrm>
+            <a:off x="685800" y="1143000"/>
+            <a:ext cx="5486400" cy="3086100"/>
+          </a:xfrm>
+          <a:prstGeom prst="rect">
+            <a:avLst/>
+          </a:prstGeom>
+          <a:noFill/>
+          <a:ln w="12700">
+            <a:solidFill>
+              <a:prstClr val="black"/>
+            </a:solidFill>
+          </a:ln>
+        </p:spPr>
+        <p:txBody>
+          <a:bodyPr vert="horz" lIns="91440" tIns="45720" rIns="91440" bIns="45720" rtlCol="0" anchor="ctr"/>
+          <a:lstStyle/>
+          <a:p>
+            <a:endParaRPr lang="en-NZ"/>
+          </a:p>
+        </p:txBody>
+      </p:sp>
+      <p:sp>
+        <p:nvSpPr>
+          <p:cNvPr id="5" name="Notes Placeholder 4"/>
+          <p:cNvSpPr>
+            <a:spLocks noGrp="1"/>
+          </p:cNvSpPr>
+          <p:nvPr>
+            <p:ph type="body" sz="quarter" idx="3"/>
+          </p:nvPr>
+        </p:nvSpPr>
+        <p:spPr>
+          <a:xfrm>
+            <a:off x="685800" y="4400550"/>
+            <a:ext cx="5486400" cy="3600450"/>
+          </a:xfrm>
+          <a:prstGeom prst="rect">
+            <a:avLst/>
+          </a:prstGeom>
+        </p:spPr>
+        <p:txBody>
+          <a:bodyPr vert="horz" lIns="91440" tIns="45720" rIns="91440" bIns="45720" rtlCol="0"/>
+          <a:lstStyle/>
+          <a:p>
+            <a:pPr lvl="0"/>
+            <a:r>
+              <a:rPr lang="en-US"/>
+              <a:t>Click to edit Master text styles</a:t>
+            </a:r>
+          </a:p>
+          <a:p>
+            <a:pPr lvl="1"/>
+            <a:r>
+              <a:rPr lang="en-US"/>
+              <a:t>Second level</a:t>
+            </a:r>
+          </a:p>
+          <a:p>
+            <a:pPr lvl="2"/>
+            <a:r>
+              <a:rPr lang="en-US"/>
+              <a:t>Third level</a:t>
+            </a:r>
+          </a:p>
+          <a:p>
+            <a:pPr lvl="3"/>
+            <a:r>
+              <a:rPr lang="en-US"/>
+              <a:t>Fourth level</a:t>
+            </a:r>
+          </a:p>
+          <a:p>
+            <a:pPr lvl="4"/>
+            <a:r>
+              <a:rPr lang="en-US"/>
+              <a:t>Fifth level</a:t>
+            </a:r>
+            <a:endParaRPr lang="en-NZ"/>
+          </a:p>
+        </p:txBody>
+      </p:sp>
+      <p:sp>
+        <p:nvSpPr>
+          <p:cNvPr id="6" name="Footer Placeholder 5"/>
+          <p:cNvSpPr>
+            <a:spLocks noGrp="1"/>
+          </p:cNvSpPr>
+          <p:nvPr>
+            <p:ph type="ftr" sz="quarter" idx="4"/>
+          </p:nvPr>
+        </p:nvSpPr>
+        <p:spPr>
+          <a:xfrm>
+            <a:off x="0" y="8685213"/>
+            <a:ext cx="2971800" cy="458787"/>
+          </a:xfrm>
+          <a:prstGeom prst="rect">
+            <a:avLst/>
+          </a:prstGeom>
+        </p:spPr>
+        <p:txBody>
+          <a:bodyPr vert="horz" lIns="91440" tIns="45720" rIns="91440" bIns="45720" rtlCol="0" anchor="b"/>
+          <a:lstStyle>
+            <a:lvl1pPr algn="l">
+              <a:defRPr sz="1200"/>
+            </a:lvl1pPr>
+          </a:lstStyle>
+          <a:p>
+            <a:endParaRPr lang="en-NZ"/>
+          </a:p>
+        </p:txBody>
+      </p:sp>
+      <p:sp>
+        <p:nvSpPr>
+          <p:cNvPr id="7" name="Slide Number Placeholder 6"/>
+          <p:cNvSpPr>
+            <a:spLocks noGrp="1"/>
+          </p:cNvSpPr>
+          <p:nvPr>
+            <p:ph type="sldNum" sz="quarter" idx="5"/>
+          </p:nvPr>
+        </p:nvSpPr>
+        <p:spPr>
+          <a:xfrm>
+            <a:off x="3884613" y="8685213"/>
+            <a:ext cx="2971800" cy="458787"/>
+          </a:xfrm>
+          <a:prstGeom prst="rect">
+            <a:avLst/>
+          </a:prstGeom>
+        </p:spPr>
+        <p:txBody>
+          <a:bodyPr vert="horz" lIns="91440" tIns="45720" rIns="91440" bIns="45720" rtlCol="0" anchor="b"/>
+          <a:lstStyle>
+            <a:lvl1pPr algn="r">
+              <a:defRPr sz="1200"/>
+            </a:lvl1pPr>
+          </a:lstStyle>
+          <a:p>
+            <a:fld id="{77AE68A4-D346-4511-A7CB-895C11A6FF66}" type="slidenum">
+              <a:rPr lang="en-NZ" smtClean="0"/>
+              <a:t>‹#›</a:t>
+            </a:fld>
+            <a:endParaRPr lang="en-NZ"/>
+          </a:p>
+        </p:txBody>
+      </p:sp>
+    </p:spTree>
+    <p:extLst>
+      <p:ext uri="{BB962C8B-B14F-4D97-AF65-F5344CB8AC3E}">
+        <p14:creationId xmlns:p14="http://schemas.microsoft.com/office/powerpoint/2010/main" val="2452077594"/>
+      </p:ext>
+    </p:extLst>
+  </p:cSld>
+  <p:clrMap bg1="lt1" tx1="dk1" bg2="lt2" tx2="dk2" accent1="accent1" accent2="accent2" accent3="accent3" accent4="accent4" accent5="accent5" accent6="accent6" hlink="hlink" folHlink="folHlink"/>
+  <p:notesStyle>
+    <a:lvl1pPr marL="0" algn="l" defTabSz="914400" rtl="0" eaLnBrk="1" latinLnBrk="0" hangingPunct="1">
+      <a:defRPr sz="1200" kern="1200">
+        <a:solidFill>
+          <a:schemeClr val="tx1"/>
+        </a:solidFill>
+        <a:latin typeface="+mn-lt"/>
+        <a:ea typeface="+mn-ea"/>
+        <a:cs typeface="+mn-cs"/>
+      </a:defRPr>
+    </a:lvl1pPr>
+    <a:lvl2pPr marL="457200" algn="l" defTabSz="914400" rtl="0" eaLnBrk="1" latinLnBrk="0" hangingPunct="1">
+      <a:defRPr sz="1200" kern="1200">
+        <a:solidFill>
+          <a:schemeClr val="tx1"/>
+        </a:solidFill>
+        <a:latin typeface="+mn-lt"/>
+        <a:ea typeface="+mn-ea"/>
+        <a:cs typeface="+mn-cs"/>
+      </a:defRPr>
+    </a:lvl2pPr>
+    <a:lvl3pPr marL="914400" algn="l" defTabSz="914400" rtl="0" eaLnBrk="1" latinLnBrk="0" hangingPunct="1">
+      <a:defRPr sz="1200" kern="1200">
+        <a:solidFill>
+          <a:schemeClr val="tx1"/>
+        </a:solidFill>
+        <a:latin typeface="+mn-lt"/>
+        <a:ea typeface="+mn-ea"/>
+        <a:cs typeface="+mn-cs"/>
+      </a:defRPr>
+    </a:lvl3pPr>
+    <a:lvl4pPr marL="1371600" algn="l" defTabSz="914400" rtl="0" eaLnBrk="1" latinLnBrk="0" hangingPunct="1">
+      <a:defRPr sz="1200" kern="1200">
+        <a:solidFill>
+          <a:schemeClr val="tx1"/>
+        </a:solidFill>
+        <a:latin typeface="+mn-lt"/>
+        <a:ea typeface="+mn-ea"/>
+        <a:cs typeface="+mn-cs"/>
+      </a:defRPr>
+    </a:lvl4pPr>
+    <a:lvl5pPr marL="1828800" algn="l" defTabSz="914400" rtl="0" eaLnBrk="1" latinLnBrk="0" hangingPunct="1">
+      <a:defRPr sz="1200" kern="1200">
+        <a:solidFill>
+          <a:schemeClr val="tx1"/>
+        </a:solidFill>
+        <a:latin typeface="+mn-lt"/>
+        <a:ea typeface="+mn-ea"/>
+        <a:cs typeface="+mn-cs"/>
+      </a:defRPr>
+    </a:lvl5pPr>
+    <a:lvl6pPr marL="2286000" algn="l" defTabSz="914400" rtl="0" eaLnBrk="1" latinLnBrk="0" hangingPunct="1">
+      <a:defRPr sz="1200" kern="1200">
+        <a:solidFill>
+          <a:schemeClr val="tx1"/>
+        </a:solidFill>
+        <a:latin typeface="+mn-lt"/>
+        <a:ea typeface="+mn-ea"/>
+        <a:cs typeface="+mn-cs"/>
+      </a:defRPr>
+    </a:lvl6pPr>
+    <a:lvl7pPr marL="2743200" algn="l" defTabSz="914400" rtl="0" eaLnBrk="1" latinLnBrk="0" hangingPunct="1">
+      <a:defRPr sz="1200" kern="1200">
+        <a:solidFill>
+          <a:schemeClr val="tx1"/>
+        </a:solidFill>
+        <a:latin typeface="+mn-lt"/>
+        <a:ea typeface="+mn-ea"/>
+        <a:cs typeface="+mn-cs"/>
+      </a:defRPr>
+    </a:lvl7pPr>
+    <a:lvl8pPr marL="3200400" algn="l" defTabSz="914400" rtl="0" eaLnBrk="1" latinLnBrk="0" hangingPunct="1">
+      <a:defRPr sz="1200" kern="1200">
+        <a:solidFill>
+          <a:schemeClr val="tx1"/>
+        </a:solidFill>
+        <a:latin typeface="+mn-lt"/>
+        <a:ea typeface="+mn-ea"/>
+        <a:cs typeface="+mn-cs"/>
+      </a:defRPr>
+    </a:lvl8pPr>
+    <a:lvl9pPr marL="3657600" algn="l" defTabSz="914400" rtl="0" eaLnBrk="1" latinLnBrk="0" hangingPunct="1">
+      <a:defRPr sz="1200" kern="1200">
+        <a:solidFill>
+          <a:schemeClr val="tx1"/>
+        </a:solidFill>
+        <a:latin typeface="+mn-lt"/>
+        <a:ea typeface="+mn-ea"/>
+        <a:cs typeface="+mn-cs"/>
+      </a:defRPr>
+    </a:lvl9pPr>
+  </p:notesStyle>
+</p:notesMaster>
+</file>
+
+<file path=ppt/notesSlides/notesSlide1.xml><?xml version="1.0" encoding="utf-8"?>
+<p:notes xmlns:a="http://schemas.openxmlformats.org/drawingml/2006/main" xmlns:r="http://schemas.openxmlformats.org/officeDocument/2006/relationships" xmlns:p="http://schemas.openxmlformats.org/presentationml/2006/main">
+  <p:cSld>
+    <p:spTree>
+      <p:nvGrpSpPr>
+        <p:cNvPr id="1" name=""/>
+        <p:cNvGrpSpPr/>
+        <p:nvPr/>
+      </p:nvGrpSpPr>
+      <p:grpSpPr>
+        <a:xfrm>
+          <a:off x="0" y="0"/>
+          <a:ext cx="0" cy="0"/>
+          <a:chOff x="0" y="0"/>
+          <a:chExt cx="0" cy="0"/>
+        </a:xfrm>
+      </p:grpSpPr>
+      <p:sp>
+        <p:nvSpPr>
+          <p:cNvPr id="2" name="Slide Image Placeholder 1"/>
+          <p:cNvSpPr>
+            <a:spLocks noGrp="1" noRot="1" noChangeAspect="1"/>
+          </p:cNvSpPr>
+          <p:nvPr>
+            <p:ph type="sldImg"/>
+          </p:nvPr>
+        </p:nvSpPr>
+        <p:spPr/>
+      </p:sp>
+      <p:sp>
+        <p:nvSpPr>
+          <p:cNvPr id="3" name="Notes Placeholder 2"/>
+          <p:cNvSpPr>
+            <a:spLocks noGrp="1"/>
+          </p:cNvSpPr>
+          <p:nvPr>
+            <p:ph type="body" idx="1"/>
+          </p:nvPr>
+        </p:nvSpPr>
+        <p:spPr/>
+        <p:txBody>
+          <a:bodyPr/>
+          <a:lstStyle/>
+          <a:p>
+            <a:endParaRPr lang="en-NZ" dirty="0"/>
+          </a:p>
+          <a:p>
+            <a:endParaRPr lang="en-NZ" dirty="0"/>
+          </a:p>
+          <a:p>
+            <a:endParaRPr lang="en-NZ" dirty="0"/>
+          </a:p>
+          <a:p>
+            <a:r>
+              <a:rPr lang="en-NZ" dirty="0"/>
+              <a:t>An </a:t>
+            </a:r>
+            <a:r>
+              <a:rPr lang="en-NZ" dirty="0" err="1"/>
+              <a:t>eRIDE</a:t>
+            </a:r>
+            <a:r>
+              <a:rPr lang="en-NZ" dirty="0"/>
+              <a:t> index (</a:t>
+            </a:r>
+            <a:r>
+              <a:rPr lang="en-NZ" dirty="0" err="1"/>
+              <a:t>sumof</a:t>
+            </a:r>
+            <a:r>
+              <a:rPr lang="en-NZ" dirty="0"/>
+              <a:t> the product of number of edge pixels from each patch and their corresponding patch bio- diversities) were calculated within a 20 X 20 moving window for each pixel of these data. The</a:t>
+            </a:r>
+          </a:p>
+          <a:p>
+            <a:r>
+              <a:rPr lang="en-NZ" dirty="0"/>
+              <a:t>A division index (number of unique patches), an edge density index (number of edge pixels) and an </a:t>
+            </a:r>
+            <a:r>
+              <a:rPr lang="en-NZ" dirty="0" err="1"/>
+              <a:t>eRIDE</a:t>
+            </a:r>
+            <a:r>
+              <a:rPr lang="en-NZ" dirty="0"/>
+              <a:t> index (</a:t>
+            </a:r>
+            <a:r>
+              <a:rPr lang="en-NZ" dirty="0" err="1"/>
+              <a:t>sumof</a:t>
+            </a:r>
+            <a:r>
+              <a:rPr lang="en-NZ" dirty="0"/>
+              <a:t> the product of number of edge pixels from each patch and their corresponding patch bio- diversities) were calculated within a 20 ? 20 moving window for each pixel of these data. The estimated population at risk (PAR) for each pixel was defined as the product of the pixel </a:t>
+            </a:r>
+            <a:r>
+              <a:rPr lang="en-NZ" dirty="0" err="1"/>
+              <a:t>eRIDE</a:t>
+            </a:r>
+            <a:r>
+              <a:rPr lang="en-NZ" dirty="0"/>
+              <a:t> index and the population density at that location.</a:t>
+            </a:r>
+          </a:p>
+          <a:p>
+            <a:endParaRPr lang="en-NZ" dirty="0"/>
+          </a:p>
+        </p:txBody>
+      </p:sp>
+      <p:sp>
+        <p:nvSpPr>
+          <p:cNvPr id="4" name="Slide Number Placeholder 3"/>
+          <p:cNvSpPr>
+            <a:spLocks noGrp="1"/>
+          </p:cNvSpPr>
+          <p:nvPr>
+            <p:ph type="sldNum" sz="quarter" idx="5"/>
+          </p:nvPr>
+        </p:nvSpPr>
+        <p:spPr/>
+        <p:txBody>
+          <a:bodyPr/>
+          <a:lstStyle/>
+          <a:p>
+            <a:fld id="{F077E815-E180-4CAB-B440-06CC3159A269}" type="slidenum">
+              <a:rPr lang="en-NZ" smtClean="0"/>
+              <a:t>2</a:t>
+            </a:fld>
+            <a:endParaRPr lang="en-NZ"/>
+          </a:p>
+        </p:txBody>
+      </p:sp>
+    </p:spTree>
+    <p:extLst>
+      <p:ext uri="{BB962C8B-B14F-4D97-AF65-F5344CB8AC3E}">
+        <p14:creationId xmlns:p14="http://schemas.microsoft.com/office/powerpoint/2010/main" val="797291771"/>
+      </p:ext>
+    </p:extLst>
+  </p:cSld>
+  <p:clrMapOvr>
+    <a:masterClrMapping/>
+  </p:clrMapOvr>
+</p:notes>
+</file>
+
+<file path=ppt/notesSlides/notesSlide2.xml><?xml version="1.0" encoding="utf-8"?>
+<p:notes xmlns:a="http://schemas.openxmlformats.org/drawingml/2006/main" xmlns:r="http://schemas.openxmlformats.org/officeDocument/2006/relationships" xmlns:p="http://schemas.openxmlformats.org/presentationml/2006/main">
+  <p:cSld>
+    <p:spTree>
+      <p:nvGrpSpPr>
+        <p:cNvPr id="1" name=""/>
+        <p:cNvGrpSpPr/>
+        <p:nvPr/>
+      </p:nvGrpSpPr>
+      <p:grpSpPr>
+        <a:xfrm>
+          <a:off x="0" y="0"/>
+          <a:ext cx="0" cy="0"/>
+          <a:chOff x="0" y="0"/>
+          <a:chExt cx="0" cy="0"/>
+        </a:xfrm>
+      </p:grpSpPr>
+      <p:sp>
+        <p:nvSpPr>
+          <p:cNvPr id="2" name="Slide Image Placeholder 1"/>
+          <p:cNvSpPr>
+            <a:spLocks noGrp="1" noRot="1" noChangeAspect="1"/>
+          </p:cNvSpPr>
+          <p:nvPr>
+            <p:ph type="sldImg"/>
+          </p:nvPr>
+        </p:nvSpPr>
+        <p:spPr/>
+      </p:sp>
+      <p:sp>
+        <p:nvSpPr>
+          <p:cNvPr id="3" name="Notes Placeholder 2"/>
+          <p:cNvSpPr>
+            <a:spLocks noGrp="1"/>
+          </p:cNvSpPr>
+          <p:nvPr>
+            <p:ph type="body" idx="1"/>
+          </p:nvPr>
+        </p:nvSpPr>
+        <p:spPr/>
+        <p:txBody>
+          <a:bodyPr/>
+          <a:lstStyle/>
+          <a:p>
+            <a:r>
+              <a:rPr lang="en-NZ" dirty="0"/>
+              <a:t>https://transportgeography.org/contents/methods/spatial-interactions-gravity-model/spatial-interactions-basic-models/</a:t>
+            </a:r>
+          </a:p>
+        </p:txBody>
+      </p:sp>
+      <p:sp>
+        <p:nvSpPr>
+          <p:cNvPr id="4" name="Slide Number Placeholder 3"/>
+          <p:cNvSpPr>
+            <a:spLocks noGrp="1"/>
+          </p:cNvSpPr>
+          <p:nvPr>
+            <p:ph type="sldNum" sz="quarter" idx="5"/>
+          </p:nvPr>
+        </p:nvSpPr>
+        <p:spPr/>
+        <p:txBody>
+          <a:bodyPr/>
+          <a:lstStyle/>
+          <a:p>
+            <a:fld id="{77AE68A4-D346-4511-A7CB-895C11A6FF66}" type="slidenum">
+              <a:rPr lang="en-NZ" smtClean="0"/>
+              <a:t>5</a:t>
+            </a:fld>
+            <a:endParaRPr lang="en-NZ"/>
+          </a:p>
+        </p:txBody>
+      </p:sp>
+    </p:spTree>
+    <p:extLst>
+      <p:ext uri="{BB962C8B-B14F-4D97-AF65-F5344CB8AC3E}">
+        <p14:creationId xmlns:p14="http://schemas.microsoft.com/office/powerpoint/2010/main" val="3875347549"/>
+      </p:ext>
+    </p:extLst>
+  </p:cSld>
+  <p:clrMapOvr>
+    <a:masterClrMapping/>
+  </p:clrMapOvr>
+</p:notes>
+</file>
+
 <file path=ppt/slideLayouts/slideLayout1.xml><?xml version="1.0" encoding="utf-8"?>
 <p:sldLayout xmlns:a="http://schemas.openxmlformats.org/drawingml/2006/main" xmlns:r="http://schemas.openxmlformats.org/officeDocument/2006/relationships" xmlns:p="http://schemas.openxmlformats.org/presentationml/2006/main" type="title" preserve="1">
   <p:cSld name="Title Slide">
@@ -841,7 +1431,7 @@
           <a:p>
             <a:fld id="{B5DA846C-8D30-441A-B1E0-B376C61F31D1}" type="datetimeFigureOut">
               <a:rPr lang="en-NZ" smtClean="0"/>
-              <a:t>16/08/2024</a:t>
+              <a:t>3/10/2024</a:t>
             </a:fld>
             <a:endParaRPr lang="en-NZ"/>
           </a:p>
@@ -1041,7 +1631,7 @@
           <a:p>
             <a:fld id="{B5DA846C-8D30-441A-B1E0-B376C61F31D1}" type="datetimeFigureOut">
               <a:rPr lang="en-NZ" smtClean="0"/>
-              <a:t>16/08/2024</a:t>
+              <a:t>3/10/2024</a:t>
             </a:fld>
             <a:endParaRPr lang="en-NZ"/>
           </a:p>
@@ -1251,7 +1841,7 @@
           <a:p>
             <a:fld id="{B5DA846C-8D30-441A-B1E0-B376C61F31D1}" type="datetimeFigureOut">
               <a:rPr lang="en-NZ" smtClean="0"/>
-              <a:t>16/08/2024</a:t>
+              <a:t>3/10/2024</a:t>
             </a:fld>
             <a:endParaRPr lang="en-NZ"/>
           </a:p>
@@ -1451,7 +2041,7 @@
           <a:p>
             <a:fld id="{B5DA846C-8D30-441A-B1E0-B376C61F31D1}" type="datetimeFigureOut">
               <a:rPr lang="en-NZ" smtClean="0"/>
-              <a:t>16/08/2024</a:t>
+              <a:t>3/10/2024</a:t>
             </a:fld>
             <a:endParaRPr lang="en-NZ"/>
           </a:p>
@@ -1727,7 +2317,7 @@
           <a:p>
             <a:fld id="{B5DA846C-8D30-441A-B1E0-B376C61F31D1}" type="datetimeFigureOut">
               <a:rPr lang="en-NZ" smtClean="0"/>
-              <a:t>16/08/2024</a:t>
+              <a:t>3/10/2024</a:t>
             </a:fld>
             <a:endParaRPr lang="en-NZ"/>
           </a:p>
@@ -1995,7 +2585,7 @@
           <a:p>
             <a:fld id="{B5DA846C-8D30-441A-B1E0-B376C61F31D1}" type="datetimeFigureOut">
               <a:rPr lang="en-NZ" smtClean="0"/>
-              <a:t>16/08/2024</a:t>
+              <a:t>3/10/2024</a:t>
             </a:fld>
             <a:endParaRPr lang="en-NZ"/>
           </a:p>
@@ -2410,7 +3000,7 @@
           <a:p>
             <a:fld id="{B5DA846C-8D30-441A-B1E0-B376C61F31D1}" type="datetimeFigureOut">
               <a:rPr lang="en-NZ" smtClean="0"/>
-              <a:t>16/08/2024</a:t>
+              <a:t>3/10/2024</a:t>
             </a:fld>
             <a:endParaRPr lang="en-NZ"/>
           </a:p>
@@ -2552,7 +3142,7 @@
           <a:p>
             <a:fld id="{B5DA846C-8D30-441A-B1E0-B376C61F31D1}" type="datetimeFigureOut">
               <a:rPr lang="en-NZ" smtClean="0"/>
-              <a:t>16/08/2024</a:t>
+              <a:t>3/10/2024</a:t>
             </a:fld>
             <a:endParaRPr lang="en-NZ"/>
           </a:p>
@@ -2665,7 +3255,7 @@
           <a:p>
             <a:fld id="{B5DA846C-8D30-441A-B1E0-B376C61F31D1}" type="datetimeFigureOut">
               <a:rPr lang="en-NZ" smtClean="0"/>
-              <a:t>16/08/2024</a:t>
+              <a:t>3/10/2024</a:t>
             </a:fld>
             <a:endParaRPr lang="en-NZ"/>
           </a:p>
@@ -2978,7 +3568,7 @@
           <a:p>
             <a:fld id="{B5DA846C-8D30-441A-B1E0-B376C61F31D1}" type="datetimeFigureOut">
               <a:rPr lang="en-NZ" smtClean="0"/>
-              <a:t>16/08/2024</a:t>
+              <a:t>3/10/2024</a:t>
             </a:fld>
             <a:endParaRPr lang="en-NZ"/>
           </a:p>
@@ -3267,7 +3857,7 @@
           <a:p>
             <a:fld id="{B5DA846C-8D30-441A-B1E0-B376C61F31D1}" type="datetimeFigureOut">
               <a:rPr lang="en-NZ" smtClean="0"/>
-              <a:t>16/08/2024</a:t>
+              <a:t>3/10/2024</a:t>
             </a:fld>
             <a:endParaRPr lang="en-NZ"/>
           </a:p>
@@ -3510,7 +4100,7 @@
           <a:p>
             <a:fld id="{B5DA846C-8D30-441A-B1E0-B376C61F31D1}" type="datetimeFigureOut">
               <a:rPr lang="en-NZ" smtClean="0"/>
-              <a:t>16/08/2024</a:t>
+              <a:t>3/10/2024</a:t>
             </a:fld>
             <a:endParaRPr lang="en-NZ"/>
           </a:p>
@@ -5374,6 +5964,271 @@
 </p:sld>
 </file>
 
+<file path=ppt/slides/slide10.xml><?xml version="1.0" encoding="utf-8"?>
+<p:sld xmlns:a="http://schemas.openxmlformats.org/drawingml/2006/main" xmlns:r="http://schemas.openxmlformats.org/officeDocument/2006/relationships" xmlns:p="http://schemas.openxmlformats.org/presentationml/2006/main">
+  <p:cSld>
+    <p:spTree>
+      <p:nvGrpSpPr>
+        <p:cNvPr id="1" name=""/>
+        <p:cNvGrpSpPr/>
+        <p:nvPr/>
+      </p:nvGrpSpPr>
+      <p:grpSpPr>
+        <a:xfrm>
+          <a:off x="0" y="0"/>
+          <a:ext cx="0" cy="0"/>
+          <a:chOff x="0" y="0"/>
+          <a:chExt cx="0" cy="0"/>
+        </a:xfrm>
+      </p:grpSpPr>
+      <p:sp>
+        <p:nvSpPr>
+          <p:cNvPr id="2" name="Title 1">
+            <a:extLst>
+              <a:ext uri="{FF2B5EF4-FFF2-40B4-BE49-F238E27FC236}">
+                <a16:creationId xmlns:a16="http://schemas.microsoft.com/office/drawing/2014/main" id="{087E6D07-6F83-C886-78D3-D105E1D26241}"/>
+              </a:ext>
+            </a:extLst>
+          </p:cNvPr>
+          <p:cNvSpPr>
+            <a:spLocks noGrp="1"/>
+          </p:cNvSpPr>
+          <p:nvPr>
+            <p:ph type="title"/>
+          </p:nvPr>
+        </p:nvSpPr>
+        <p:spPr/>
+        <p:txBody>
+          <a:bodyPr/>
+          <a:lstStyle/>
+          <a:p>
+            <a:r>
+              <a:rPr lang="pt-BR" dirty="0"/>
+              <a:t>Working!</a:t>
+            </a:r>
+            <a:endParaRPr lang="en-NZ" dirty="0"/>
+          </a:p>
+        </p:txBody>
+      </p:sp>
+      <p:pic>
+        <p:nvPicPr>
+          <p:cNvPr id="5" name="Picture 4">
+            <a:extLst>
+              <a:ext uri="{FF2B5EF4-FFF2-40B4-BE49-F238E27FC236}">
+                <a16:creationId xmlns:a16="http://schemas.microsoft.com/office/drawing/2014/main" id="{DC890604-FFF9-57EC-68BB-52C58F545E92}"/>
+              </a:ext>
+            </a:extLst>
+          </p:cNvPr>
+          <p:cNvPicPr>
+            <a:picLocks noChangeAspect="1"/>
+          </p:cNvPicPr>
+          <p:nvPr/>
+        </p:nvPicPr>
+        <p:blipFill>
+          <a:blip r:embed="rId2"/>
+          <a:stretch>
+            <a:fillRect/>
+          </a:stretch>
+        </p:blipFill>
+        <p:spPr>
+          <a:xfrm>
+            <a:off x="4885301" y="63062"/>
+            <a:ext cx="6468499" cy="6858000"/>
+          </a:xfrm>
+          <a:prstGeom prst="rect">
+            <a:avLst/>
+          </a:prstGeom>
+        </p:spPr>
+      </p:pic>
+      <p:sp>
+        <p:nvSpPr>
+          <p:cNvPr id="9" name="Content Placeholder 8">
+            <a:extLst>
+              <a:ext uri="{FF2B5EF4-FFF2-40B4-BE49-F238E27FC236}">
+                <a16:creationId xmlns:a16="http://schemas.microsoft.com/office/drawing/2014/main" id="{2C101137-9BAE-D05B-AC80-8733E88141B1}"/>
+              </a:ext>
+            </a:extLst>
+          </p:cNvPr>
+          <p:cNvSpPr>
+            <a:spLocks noGrp="1"/>
+          </p:cNvSpPr>
+          <p:nvPr>
+            <p:ph idx="1"/>
+          </p:nvPr>
+        </p:nvSpPr>
+        <p:spPr/>
+        <p:txBody>
+          <a:bodyPr/>
+          <a:lstStyle/>
+          <a:p>
+            <a:pPr marL="0" indent="0">
+              <a:buNone/>
+            </a:pPr>
+            <a:r>
+              <a:rPr lang="pt-BR" dirty="0"/>
+              <a:t>But...</a:t>
+            </a:r>
+            <a:endParaRPr lang="en-NZ" dirty="0"/>
+          </a:p>
+        </p:txBody>
+      </p:sp>
+      <p:pic>
+        <p:nvPicPr>
+          <p:cNvPr id="10" name="Picture 9">
+            <a:extLst>
+              <a:ext uri="{FF2B5EF4-FFF2-40B4-BE49-F238E27FC236}">
+                <a16:creationId xmlns:a16="http://schemas.microsoft.com/office/drawing/2014/main" id="{CAE45BA8-DF40-A744-D967-08E610593D3F}"/>
+              </a:ext>
+            </a:extLst>
+          </p:cNvPr>
+          <p:cNvPicPr>
+            <a:picLocks noChangeAspect="1"/>
+          </p:cNvPicPr>
+          <p:nvPr/>
+        </p:nvPicPr>
+        <p:blipFill>
+          <a:blip r:embed="rId3"/>
+          <a:stretch>
+            <a:fillRect/>
+          </a:stretch>
+        </p:blipFill>
+        <p:spPr>
+          <a:xfrm>
+            <a:off x="3216799" y="355655"/>
+            <a:ext cx="1371610" cy="1402502"/>
+          </a:xfrm>
+          <a:prstGeom prst="rect">
+            <a:avLst/>
+          </a:prstGeom>
+        </p:spPr>
+      </p:pic>
+    </p:spTree>
+    <p:extLst>
+      <p:ext uri="{BB962C8B-B14F-4D97-AF65-F5344CB8AC3E}">
+        <p14:creationId xmlns:p14="http://schemas.microsoft.com/office/powerpoint/2010/main" val="3687347528"/>
+      </p:ext>
+    </p:extLst>
+  </p:cSld>
+  <p:clrMapOvr>
+    <a:masterClrMapping/>
+  </p:clrMapOvr>
+</p:sld>
+</file>
+
+<file path=ppt/slides/slide11.xml><?xml version="1.0" encoding="utf-8"?>
+<p:sld xmlns:a="http://schemas.openxmlformats.org/drawingml/2006/main" xmlns:r="http://schemas.openxmlformats.org/officeDocument/2006/relationships" xmlns:p="http://schemas.openxmlformats.org/presentationml/2006/main">
+  <p:cSld>
+    <p:spTree>
+      <p:nvGrpSpPr>
+        <p:cNvPr id="1" name=""/>
+        <p:cNvGrpSpPr/>
+        <p:nvPr/>
+      </p:nvGrpSpPr>
+      <p:grpSpPr>
+        <a:xfrm>
+          <a:off x="0" y="0"/>
+          <a:ext cx="0" cy="0"/>
+          <a:chOff x="0" y="0"/>
+          <a:chExt cx="0" cy="0"/>
+        </a:xfrm>
+      </p:grpSpPr>
+      <p:sp>
+        <p:nvSpPr>
+          <p:cNvPr id="2" name="Title 1">
+            <a:extLst>
+              <a:ext uri="{FF2B5EF4-FFF2-40B4-BE49-F238E27FC236}">
+                <a16:creationId xmlns:a16="http://schemas.microsoft.com/office/drawing/2014/main" id="{6DC201B8-935E-44C7-0DB4-820315DD100C}"/>
+              </a:ext>
+            </a:extLst>
+          </p:cNvPr>
+          <p:cNvSpPr>
+            <a:spLocks noGrp="1"/>
+          </p:cNvSpPr>
+          <p:nvPr>
+            <p:ph type="title"/>
+          </p:nvPr>
+        </p:nvSpPr>
+        <p:spPr/>
+        <p:txBody>
+          <a:bodyPr/>
+          <a:lstStyle/>
+          <a:p>
+            <a:r>
+              <a:rPr lang="pt-BR"/>
+              <a:t>To be continued..</a:t>
+            </a:r>
+            <a:endParaRPr lang="en-NZ"/>
+          </a:p>
+        </p:txBody>
+      </p:sp>
+      <p:sp>
+        <p:nvSpPr>
+          <p:cNvPr id="3" name="Content Placeholder 2">
+            <a:extLst>
+              <a:ext uri="{FF2B5EF4-FFF2-40B4-BE49-F238E27FC236}">
+                <a16:creationId xmlns:a16="http://schemas.microsoft.com/office/drawing/2014/main" id="{BAAD8C18-51CE-928B-C114-D4735B790C49}"/>
+              </a:ext>
+            </a:extLst>
+          </p:cNvPr>
+          <p:cNvSpPr>
+            <a:spLocks noGrp="1"/>
+          </p:cNvSpPr>
+          <p:nvPr>
+            <p:ph idx="1"/>
+          </p:nvPr>
+        </p:nvSpPr>
+        <p:spPr/>
+        <p:txBody>
+          <a:bodyPr/>
+          <a:lstStyle/>
+          <a:p>
+            <a:endParaRPr lang="en-NZ"/>
+          </a:p>
+        </p:txBody>
+      </p:sp>
+      <p:pic>
+        <p:nvPicPr>
+          <p:cNvPr id="4" name="Picture 3">
+            <a:extLst>
+              <a:ext uri="{FF2B5EF4-FFF2-40B4-BE49-F238E27FC236}">
+                <a16:creationId xmlns:a16="http://schemas.microsoft.com/office/drawing/2014/main" id="{2053E420-2CA0-BA39-7AA4-550078ADB51E}"/>
+              </a:ext>
+            </a:extLst>
+          </p:cNvPr>
+          <p:cNvPicPr>
+            <a:picLocks noChangeAspect="1"/>
+          </p:cNvPicPr>
+          <p:nvPr/>
+        </p:nvPicPr>
+        <p:blipFill>
+          <a:blip r:embed="rId2"/>
+          <a:stretch>
+            <a:fillRect/>
+          </a:stretch>
+        </p:blipFill>
+        <p:spPr>
+          <a:xfrm>
+            <a:off x="838200" y="1609984"/>
+            <a:ext cx="11025352" cy="4782619"/>
+          </a:xfrm>
+          <a:prstGeom prst="rect">
+            <a:avLst/>
+          </a:prstGeom>
+        </p:spPr>
+      </p:pic>
+    </p:spTree>
+    <p:extLst>
+      <p:ext uri="{BB962C8B-B14F-4D97-AF65-F5344CB8AC3E}">
+        <p14:creationId xmlns:p14="http://schemas.microsoft.com/office/powerpoint/2010/main" val="3801366840"/>
+      </p:ext>
+    </p:extLst>
+  </p:cSld>
+  <p:clrMapOvr>
+    <a:masterClrMapping/>
+  </p:clrMapOvr>
+</p:sld>
+</file>
+
 <file path=ppt/slides/slide2.xml><?xml version="1.0" encoding="utf-8"?>
 <p:sld xmlns:a="http://schemas.openxmlformats.org/drawingml/2006/main" xmlns:r="http://schemas.openxmlformats.org/officeDocument/2006/relationships" xmlns:p="http://schemas.openxmlformats.org/presentationml/2006/main">
   <p:cSld>
@@ -5391,6 +6246,3075 @@
           <a:chExt cx="0" cy="0"/>
         </a:xfrm>
       </p:grpSpPr>
+      <p:pic>
+        <p:nvPicPr>
+          <p:cNvPr id="30" name="Picture 29">
+            <a:extLst>
+              <a:ext uri="{FF2B5EF4-FFF2-40B4-BE49-F238E27FC236}">
+                <a16:creationId xmlns:a16="http://schemas.microsoft.com/office/drawing/2014/main" id="{B11BB866-4779-4F40-8DA2-02EA8D87DFD5}"/>
+              </a:ext>
+            </a:extLst>
+          </p:cNvPr>
+          <p:cNvPicPr>
+            <a:picLocks noChangeAspect="1"/>
+          </p:cNvPicPr>
+          <p:nvPr/>
+        </p:nvPicPr>
+        <p:blipFill rotWithShape="1">
+          <a:blip r:embed="rId3"/>
+          <a:srcRect r="5769"/>
+          <a:stretch/>
+        </p:blipFill>
+        <p:spPr>
+          <a:xfrm>
+            <a:off x="2192045" y="1844124"/>
+            <a:ext cx="1648803" cy="1938448"/>
+          </a:xfrm>
+          <a:prstGeom prst="rect">
+            <a:avLst/>
+          </a:prstGeom>
+        </p:spPr>
+      </p:pic>
+      <p:sp>
+        <p:nvSpPr>
+          <p:cNvPr id="36" name="TextBox 35">
+            <a:extLst>
+              <a:ext uri="{FF2B5EF4-FFF2-40B4-BE49-F238E27FC236}">
+                <a16:creationId xmlns:a16="http://schemas.microsoft.com/office/drawing/2014/main" id="{7E2E8290-C586-43B6-8D5F-43FB31326E4D}"/>
+              </a:ext>
+            </a:extLst>
+          </p:cNvPr>
+          <p:cNvSpPr txBox="1"/>
+          <p:nvPr/>
+        </p:nvSpPr>
+        <p:spPr>
+          <a:xfrm>
+            <a:off x="2326610" y="1688892"/>
+            <a:ext cx="1620607" cy="369332"/>
+          </a:xfrm>
+          <a:prstGeom prst="rect">
+            <a:avLst/>
+          </a:prstGeom>
+          <a:noFill/>
+        </p:spPr>
+        <p:txBody>
+          <a:bodyPr wrap="square">
+            <a:spAutoFit/>
+          </a:bodyPr>
+          <a:lstStyle/>
+          <a:p>
+            <a:r>
+              <a:rPr lang="pt-BR" b="1" dirty="0">
+                <a:solidFill>
+                  <a:srgbClr val="9A18A8"/>
+                </a:solidFill>
+              </a:rPr>
+              <a:t>Edge amount</a:t>
+            </a:r>
+            <a:endParaRPr lang="en-NZ" dirty="0"/>
+          </a:p>
+        </p:txBody>
+      </p:sp>
+      <p:sp>
+        <p:nvSpPr>
+          <p:cNvPr id="5" name="Title 21">
+            <a:extLst>
+              <a:ext uri="{FF2B5EF4-FFF2-40B4-BE49-F238E27FC236}">
+                <a16:creationId xmlns:a16="http://schemas.microsoft.com/office/drawing/2014/main" id="{F861F484-C95C-4B1D-A237-3FCEAF57BA52}"/>
+              </a:ext>
+            </a:extLst>
+          </p:cNvPr>
+          <p:cNvSpPr txBox="1">
+            <a:spLocks/>
+          </p:cNvSpPr>
+          <p:nvPr/>
+        </p:nvSpPr>
+        <p:spPr>
+          <a:xfrm>
+            <a:off x="1552535" y="361825"/>
+            <a:ext cx="11858665" cy="1325563"/>
+          </a:xfrm>
+          <a:prstGeom prst="rect">
+            <a:avLst/>
+          </a:prstGeom>
+        </p:spPr>
+        <p:txBody>
+          <a:bodyPr vert="horz" lIns="91440" tIns="45720" rIns="91440" bIns="45720" rtlCol="0" anchor="ctr">
+            <a:normAutofit/>
+          </a:bodyPr>
+          <a:lstStyle>
+            <a:lvl1pPr algn="l" defTabSz="914400" rtl="0" eaLnBrk="1" latinLnBrk="0" hangingPunct="1">
+              <a:lnSpc>
+                <a:spcPct val="90000"/>
+              </a:lnSpc>
+              <a:spcBef>
+                <a:spcPct val="0"/>
+              </a:spcBef>
+              <a:buNone/>
+              <a:defRPr sz="4400" kern="1200">
+                <a:solidFill>
+                  <a:schemeClr val="tx1"/>
+                </a:solidFill>
+                <a:latin typeface="+mj-lt"/>
+                <a:ea typeface="+mj-ea"/>
+                <a:cs typeface="+mj-cs"/>
+              </a:defRPr>
+            </a:lvl1pPr>
+          </a:lstStyle>
+          <a:p>
+            <a:r>
+              <a:rPr lang="en-US" dirty="0"/>
+              <a:t>Context: Edges</a:t>
+            </a:r>
+            <a:endParaRPr lang="en-NZ" dirty="0"/>
+          </a:p>
+        </p:txBody>
+      </p:sp>
+      <p:sp>
+        <p:nvSpPr>
+          <p:cNvPr id="6" name="Rectangle 5" descr="Puzzle">
+            <a:extLst>
+              <a:ext uri="{FF2B5EF4-FFF2-40B4-BE49-F238E27FC236}">
+                <a16:creationId xmlns:a16="http://schemas.microsoft.com/office/drawing/2014/main" id="{4C3C7ECC-4BA9-4891-820C-253B236A995D}"/>
+              </a:ext>
+            </a:extLst>
+          </p:cNvPr>
+          <p:cNvSpPr/>
+          <p:nvPr/>
+        </p:nvSpPr>
+        <p:spPr>
+          <a:xfrm>
+            <a:off x="596900" y="462671"/>
+            <a:ext cx="1066720" cy="1066720"/>
+          </a:xfrm>
+          <a:prstGeom prst="rect">
+            <a:avLst/>
+          </a:prstGeom>
+          <a:blipFill rotWithShape="1">
+            <a:blip r:embed="rId4">
+              <a:extLst>
+                <a:ext uri="{28A0092B-C50C-407E-A947-70E740481C1C}">
+                  <a14:useLocalDpi xmlns:a14="http://schemas.microsoft.com/office/drawing/2010/main" val="0"/>
+                </a:ext>
+                <a:ext uri="{96DAC541-7B7A-43D3-8B79-37D633B846F1}">
+                  <asvg:svgBlip xmlns:asvg="http://schemas.microsoft.com/office/drawing/2016/SVG/main" r:embed="rId5"/>
+                </a:ext>
+              </a:extLst>
+            </a:blip>
+            <a:srcRect/>
+            <a:stretch>
+              <a:fillRect/>
+            </a:stretch>
+          </a:blipFill>
+          <a:ln>
+            <a:noFill/>
+          </a:ln>
+        </p:spPr>
+        <p:style>
+          <a:lnRef idx="2">
+            <a:scrgbClr r="0" g="0" b="0"/>
+          </a:lnRef>
+          <a:fillRef idx="1">
+            <a:scrgbClr r="0" g="0" b="0"/>
+          </a:fillRef>
+          <a:effectRef idx="0">
+            <a:schemeClr val="accent3">
+              <a:hueOff val="0"/>
+              <a:satOff val="0"/>
+              <a:lumOff val="0"/>
+              <a:alphaOff val="0"/>
+            </a:schemeClr>
+          </a:effectRef>
+          <a:fontRef idx="minor">
+            <a:schemeClr val="lt1"/>
+          </a:fontRef>
+        </p:style>
+        <p:txBody>
+          <a:bodyPr/>
+          <a:lstStyle/>
+          <a:p>
+            <a:endParaRPr lang="en-NZ"/>
+          </a:p>
+        </p:txBody>
+      </p:sp>
+      <p:grpSp>
+        <p:nvGrpSpPr>
+          <p:cNvPr id="22" name="Group 21">
+            <a:extLst>
+              <a:ext uri="{FF2B5EF4-FFF2-40B4-BE49-F238E27FC236}">
+                <a16:creationId xmlns:a16="http://schemas.microsoft.com/office/drawing/2014/main" id="{E2AEA15E-E072-41CF-9CDC-698BA23FBF20}"/>
+              </a:ext>
+            </a:extLst>
+          </p:cNvPr>
+          <p:cNvGrpSpPr/>
+          <p:nvPr/>
+        </p:nvGrpSpPr>
+        <p:grpSpPr>
+          <a:xfrm>
+            <a:off x="932550" y="3690092"/>
+            <a:ext cx="10797163" cy="2369582"/>
+            <a:chOff x="932550" y="3962928"/>
+            <a:chExt cx="10797163" cy="2369582"/>
+          </a:xfrm>
+        </p:grpSpPr>
+        <p:pic>
+          <p:nvPicPr>
+            <p:cNvPr id="33" name="Picture 32">
+              <a:extLst>
+                <a:ext uri="{FF2B5EF4-FFF2-40B4-BE49-F238E27FC236}">
+                  <a16:creationId xmlns:a16="http://schemas.microsoft.com/office/drawing/2014/main" id="{B529B312-D252-432B-9A7B-5E58D976004D}"/>
+                </a:ext>
+              </a:extLst>
+            </p:cNvPr>
+            <p:cNvPicPr>
+              <a:picLocks noChangeAspect="1"/>
+            </p:cNvPicPr>
+            <p:nvPr/>
+          </p:nvPicPr>
+          <p:blipFill>
+            <a:blip r:embed="rId6"/>
+            <a:stretch>
+              <a:fillRect/>
+            </a:stretch>
+          </p:blipFill>
+          <p:spPr>
+            <a:xfrm>
+              <a:off x="8981079" y="5422871"/>
+              <a:ext cx="1630451" cy="361430"/>
+            </a:xfrm>
+            <a:prstGeom prst="rect">
+              <a:avLst/>
+            </a:prstGeom>
+          </p:spPr>
+        </p:pic>
+        <p:sp>
+          <p:nvSpPr>
+            <p:cNvPr id="9" name="TextBox 8">
+              <a:extLst>
+                <a:ext uri="{FF2B5EF4-FFF2-40B4-BE49-F238E27FC236}">
+                  <a16:creationId xmlns:a16="http://schemas.microsoft.com/office/drawing/2014/main" id="{A1E6A06B-F199-4C3A-B87F-69DDB2E9977F}"/>
+                </a:ext>
+              </a:extLst>
+            </p:cNvPr>
+            <p:cNvSpPr txBox="1"/>
+            <p:nvPr/>
+          </p:nvSpPr>
+          <p:spPr>
+            <a:xfrm>
+              <a:off x="932550" y="4266966"/>
+              <a:ext cx="1306962" cy="738664"/>
+            </a:xfrm>
+            <a:prstGeom prst="rect">
+              <a:avLst/>
+            </a:prstGeom>
+            <a:noFill/>
+          </p:spPr>
+          <p:txBody>
+            <a:bodyPr wrap="square" rtlCol="0">
+              <a:spAutoFit/>
+            </a:bodyPr>
+            <a:lstStyle/>
+            <a:p>
+              <a:r>
+                <a:rPr lang="pt-BR" sz="1400" dirty="0"/>
+                <a:t>Biodidiversity</a:t>
+              </a:r>
+            </a:p>
+            <a:p>
+              <a:r>
+                <a:rPr lang="pt-BR" sz="1400" dirty="0"/>
+                <a:t> in a forest patch</a:t>
+              </a:r>
+              <a:endParaRPr lang="en-NZ" sz="1400" dirty="0"/>
+            </a:p>
+          </p:txBody>
+        </p:sp>
+        <p:sp>
+          <p:nvSpPr>
+            <p:cNvPr id="13" name="TextBox 12">
+              <a:extLst>
+                <a:ext uri="{FF2B5EF4-FFF2-40B4-BE49-F238E27FC236}">
+                  <a16:creationId xmlns:a16="http://schemas.microsoft.com/office/drawing/2014/main" id="{1F19CDC7-F10A-47F1-A6C4-337E5351A980}"/>
+                </a:ext>
+              </a:extLst>
+            </p:cNvPr>
+            <p:cNvSpPr txBox="1"/>
+            <p:nvPr/>
+          </p:nvSpPr>
+          <p:spPr>
+            <a:xfrm>
+              <a:off x="8842342" y="3962928"/>
+              <a:ext cx="2887371" cy="1384995"/>
+            </a:xfrm>
+            <a:prstGeom prst="rect">
+              <a:avLst/>
+            </a:prstGeom>
+            <a:noFill/>
+          </p:spPr>
+          <p:txBody>
+            <a:bodyPr wrap="square">
+              <a:spAutoFit/>
+            </a:bodyPr>
+            <a:lstStyle/>
+            <a:p>
+              <a:r>
+                <a:rPr lang="en-NZ" sz="1400" dirty="0"/>
+                <a:t>The </a:t>
+              </a:r>
+              <a:r>
+                <a:rPr lang="en-NZ" sz="1400" b="1" dirty="0"/>
+                <a:t>pandemic risk </a:t>
+              </a:r>
+              <a:r>
+                <a:rPr lang="en-NZ" sz="1400" dirty="0"/>
+                <a:t>following initial </a:t>
+              </a:r>
+              <a:r>
+                <a:rPr lang="en-NZ" sz="1400" dirty="0" err="1"/>
+                <a:t>spillover</a:t>
+              </a:r>
+              <a:r>
+                <a:rPr lang="en-NZ" sz="1400" dirty="0"/>
+                <a:t> depends on subsequent human to human transmission and thus will be driven by pop </a:t>
+              </a:r>
+              <a:r>
+                <a:rPr lang="en-NZ" sz="1400" b="1" dirty="0"/>
+                <a:t>density</a:t>
+              </a:r>
+              <a:r>
+                <a:rPr lang="en-NZ" sz="1400" dirty="0"/>
+                <a:t> and </a:t>
+              </a:r>
+              <a:r>
+                <a:rPr lang="en-NZ" sz="1400" b="1" dirty="0"/>
+                <a:t>connectivity (Dijkstra’s algorithm)</a:t>
+              </a:r>
+              <a:r>
+                <a:rPr lang="en-NZ" sz="1400" dirty="0"/>
+                <a:t>. </a:t>
+              </a:r>
+            </a:p>
+          </p:txBody>
+        </p:sp>
+        <p:pic>
+          <p:nvPicPr>
+            <p:cNvPr id="14" name="Graphic 13" descr="Bridge scene with solid fill">
+              <a:extLst>
+                <a:ext uri="{FF2B5EF4-FFF2-40B4-BE49-F238E27FC236}">
+                  <a16:creationId xmlns:a16="http://schemas.microsoft.com/office/drawing/2014/main" id="{39FDAA89-2E3B-425C-B8CD-8DAF4AFA92E6}"/>
+                </a:ext>
+              </a:extLst>
+            </p:cNvPr>
+            <p:cNvPicPr>
+              <a:picLocks noChangeAspect="1"/>
+            </p:cNvPicPr>
+            <p:nvPr/>
+          </p:nvPicPr>
+          <p:blipFill>
+            <a:blip r:embed="rId7">
+              <a:extLst>
+                <a:ext uri="{28A0092B-C50C-407E-A947-70E740481C1C}">
+                  <a14:useLocalDpi xmlns:a14="http://schemas.microsoft.com/office/drawing/2010/main" val="0"/>
+                </a:ext>
+                <a:ext uri="{96DAC541-7B7A-43D3-8B79-37D633B846F1}">
+                  <asvg:svgBlip xmlns:asvg="http://schemas.microsoft.com/office/drawing/2016/SVG/main" r:embed="rId8"/>
+                </a:ext>
+              </a:extLst>
+            </a:blip>
+            <a:stretch>
+              <a:fillRect/>
+            </a:stretch>
+          </p:blipFill>
+          <p:spPr>
+            <a:xfrm>
+              <a:off x="5563728" y="4070649"/>
+              <a:ext cx="989800" cy="989800"/>
+            </a:xfrm>
+            <a:prstGeom prst="rect">
+              <a:avLst/>
+            </a:prstGeom>
+          </p:spPr>
+        </p:pic>
+        <p:pic>
+          <p:nvPicPr>
+            <p:cNvPr id="20" name="Picture 19">
+              <a:extLst>
+                <a:ext uri="{FF2B5EF4-FFF2-40B4-BE49-F238E27FC236}">
+                  <a16:creationId xmlns:a16="http://schemas.microsoft.com/office/drawing/2014/main" id="{AB79878F-B8D1-440D-8C99-E840FA23C980}"/>
+                </a:ext>
+              </a:extLst>
+            </p:cNvPr>
+            <p:cNvPicPr>
+              <a:picLocks noChangeAspect="1"/>
+            </p:cNvPicPr>
+            <p:nvPr/>
+          </p:nvPicPr>
+          <p:blipFill>
+            <a:blip r:embed="rId9"/>
+            <a:stretch>
+              <a:fillRect/>
+            </a:stretch>
+          </p:blipFill>
+          <p:spPr>
+            <a:xfrm>
+              <a:off x="3696220" y="5304934"/>
+              <a:ext cx="932295" cy="906517"/>
+            </a:xfrm>
+            <a:prstGeom prst="rect">
+              <a:avLst/>
+            </a:prstGeom>
+          </p:spPr>
+        </p:pic>
+        <p:sp>
+          <p:nvSpPr>
+            <p:cNvPr id="23" name="TextBox 22">
+              <a:extLst>
+                <a:ext uri="{FF2B5EF4-FFF2-40B4-BE49-F238E27FC236}">
+                  <a16:creationId xmlns:a16="http://schemas.microsoft.com/office/drawing/2014/main" id="{1B5ED69C-6C81-466F-ACEE-22121E149C1A}"/>
+                </a:ext>
+              </a:extLst>
+            </p:cNvPr>
+            <p:cNvSpPr txBox="1"/>
+            <p:nvPr/>
+          </p:nvSpPr>
+          <p:spPr>
+            <a:xfrm>
+              <a:off x="3176910" y="4070649"/>
+              <a:ext cx="2141366" cy="1169551"/>
+            </a:xfrm>
+            <a:prstGeom prst="rect">
+              <a:avLst/>
+            </a:prstGeom>
+            <a:noFill/>
+          </p:spPr>
+          <p:txBody>
+            <a:bodyPr wrap="square">
+              <a:spAutoFit/>
+            </a:bodyPr>
+            <a:lstStyle/>
+            <a:p>
+              <a:r>
+                <a:rPr lang="en-NZ" sz="1400" dirty="0"/>
+                <a:t>Estimated risk for novel infectious disease emergence</a:t>
+              </a:r>
+              <a:r>
+                <a:rPr lang="en-NZ" sz="1400" b="1" dirty="0"/>
+                <a:t>: </a:t>
+              </a:r>
+              <a:r>
+                <a:rPr lang="en-NZ" sz="1400" dirty="0"/>
+                <a:t>scales </a:t>
+              </a:r>
+              <a:r>
+                <a:rPr lang="en-NZ" sz="1400" b="1" dirty="0"/>
+                <a:t>linearly</a:t>
+              </a:r>
+              <a:r>
+                <a:rPr lang="en-NZ" sz="1400" dirty="0"/>
+                <a:t> with patch biodiversity and patch </a:t>
+              </a:r>
+              <a:r>
+                <a:rPr lang="en-NZ" sz="1400" b="1" dirty="0"/>
+                <a:t>perimeter </a:t>
+              </a:r>
+            </a:p>
+          </p:txBody>
+        </p:sp>
+        <p:sp>
+          <p:nvSpPr>
+            <p:cNvPr id="25" name="TextBox 24">
+              <a:extLst>
+                <a:ext uri="{FF2B5EF4-FFF2-40B4-BE49-F238E27FC236}">
+                  <a16:creationId xmlns:a16="http://schemas.microsoft.com/office/drawing/2014/main" id="{9694C619-BC4E-4222-BA15-9950D1816290}"/>
+                </a:ext>
+              </a:extLst>
+            </p:cNvPr>
+            <p:cNvSpPr txBox="1"/>
+            <p:nvPr/>
+          </p:nvSpPr>
+          <p:spPr>
+            <a:xfrm>
+              <a:off x="6501126" y="4047637"/>
+              <a:ext cx="1496887" cy="1169551"/>
+            </a:xfrm>
+            <a:prstGeom prst="rect">
+              <a:avLst/>
+            </a:prstGeom>
+            <a:noFill/>
+          </p:spPr>
+          <p:txBody>
+            <a:bodyPr wrap="square">
+              <a:spAutoFit/>
+            </a:bodyPr>
+            <a:lstStyle/>
+            <a:p>
+              <a:r>
+                <a:rPr lang="en-NZ" sz="1400" dirty="0"/>
+                <a:t>population at risk (PAR) for each pixel: product of the pixel </a:t>
+              </a:r>
+              <a:r>
+                <a:rPr lang="en-NZ" sz="1400" dirty="0" err="1"/>
+                <a:t>eRIDE</a:t>
+              </a:r>
+              <a:r>
+                <a:rPr lang="en-NZ" sz="1400" dirty="0"/>
+                <a:t> and pop density</a:t>
+              </a:r>
+            </a:p>
+          </p:txBody>
+        </p:sp>
+        <p:pic>
+          <p:nvPicPr>
+            <p:cNvPr id="26" name="Graphic 25" descr="Bridge scene with solid fill">
+              <a:extLst>
+                <a:ext uri="{FF2B5EF4-FFF2-40B4-BE49-F238E27FC236}">
+                  <a16:creationId xmlns:a16="http://schemas.microsoft.com/office/drawing/2014/main" id="{1BEB78AD-9533-4379-A78C-666719835435}"/>
+                </a:ext>
+              </a:extLst>
+            </p:cNvPr>
+            <p:cNvPicPr>
+              <a:picLocks noChangeAspect="1"/>
+            </p:cNvPicPr>
+            <p:nvPr/>
+          </p:nvPicPr>
+          <p:blipFill>
+            <a:blip r:embed="rId7">
+              <a:extLst>
+                <a:ext uri="{28A0092B-C50C-407E-A947-70E740481C1C}">
+                  <a14:useLocalDpi xmlns:a14="http://schemas.microsoft.com/office/drawing/2010/main" val="0"/>
+                </a:ext>
+                <a:ext uri="{96DAC541-7B7A-43D3-8B79-37D633B846F1}">
+                  <asvg:svgBlip xmlns:asvg="http://schemas.microsoft.com/office/drawing/2016/SVG/main" r:embed="rId8"/>
+                </a:ext>
+              </a:extLst>
+            </a:blip>
+            <a:stretch>
+              <a:fillRect/>
+            </a:stretch>
+          </p:blipFill>
+          <p:spPr>
+            <a:xfrm>
+              <a:off x="7855730" y="4110730"/>
+              <a:ext cx="961664" cy="961664"/>
+            </a:xfrm>
+            <a:prstGeom prst="rect">
+              <a:avLst/>
+            </a:prstGeom>
+          </p:spPr>
+        </p:pic>
+        <p:pic>
+          <p:nvPicPr>
+            <p:cNvPr id="31" name="Picture 30">
+              <a:extLst>
+                <a:ext uri="{FF2B5EF4-FFF2-40B4-BE49-F238E27FC236}">
+                  <a16:creationId xmlns:a16="http://schemas.microsoft.com/office/drawing/2014/main" id="{25564CA3-3175-4D50-8A86-93C2BF67EF88}"/>
+                </a:ext>
+              </a:extLst>
+            </p:cNvPr>
+            <p:cNvPicPr>
+              <a:picLocks noChangeAspect="1"/>
+            </p:cNvPicPr>
+            <p:nvPr/>
+          </p:nvPicPr>
+          <p:blipFill>
+            <a:blip r:embed="rId10"/>
+            <a:stretch>
+              <a:fillRect/>
+            </a:stretch>
+          </p:blipFill>
+          <p:spPr>
+            <a:xfrm>
+              <a:off x="8921340" y="5946764"/>
+              <a:ext cx="1684296" cy="385746"/>
+            </a:xfrm>
+            <a:prstGeom prst="rect">
+              <a:avLst/>
+            </a:prstGeom>
+          </p:spPr>
+        </p:pic>
+        <p:sp>
+          <p:nvSpPr>
+            <p:cNvPr id="21" name="TextBox 20">
+              <a:extLst>
+                <a:ext uri="{FF2B5EF4-FFF2-40B4-BE49-F238E27FC236}">
+                  <a16:creationId xmlns:a16="http://schemas.microsoft.com/office/drawing/2014/main" id="{CCB90F20-DC12-42A1-8F51-B3F216D1A388}"/>
+                </a:ext>
+              </a:extLst>
+            </p:cNvPr>
+            <p:cNvSpPr txBox="1"/>
+            <p:nvPr/>
+          </p:nvSpPr>
+          <p:spPr>
+            <a:xfrm>
+              <a:off x="9137379" y="5260235"/>
+              <a:ext cx="715260" cy="261610"/>
+            </a:xfrm>
+            <a:prstGeom prst="rect">
+              <a:avLst/>
+            </a:prstGeom>
+            <a:noFill/>
+          </p:spPr>
+          <p:txBody>
+            <a:bodyPr wrap="none" rtlCol="0">
+              <a:spAutoFit/>
+            </a:bodyPr>
+            <a:lstStyle/>
+            <a:p>
+              <a:r>
+                <a:rPr lang="pt-BR" sz="1100" dirty="0"/>
+                <a:t>Received</a:t>
+              </a:r>
+              <a:endParaRPr lang="en-NZ" sz="1100" dirty="0"/>
+            </a:p>
+          </p:txBody>
+        </p:sp>
+        <p:sp>
+          <p:nvSpPr>
+            <p:cNvPr id="32" name="TextBox 31">
+              <a:extLst>
+                <a:ext uri="{FF2B5EF4-FFF2-40B4-BE49-F238E27FC236}">
+                  <a16:creationId xmlns:a16="http://schemas.microsoft.com/office/drawing/2014/main" id="{51BF62E6-DBC2-42ED-AA3E-1963C36BC07F}"/>
+                </a:ext>
+              </a:extLst>
+            </p:cNvPr>
+            <p:cNvSpPr txBox="1"/>
+            <p:nvPr/>
+          </p:nvSpPr>
+          <p:spPr>
+            <a:xfrm>
+              <a:off x="9137379" y="5734728"/>
+              <a:ext cx="805029" cy="261610"/>
+            </a:xfrm>
+            <a:prstGeom prst="rect">
+              <a:avLst/>
+            </a:prstGeom>
+            <a:noFill/>
+          </p:spPr>
+          <p:txBody>
+            <a:bodyPr wrap="none" rtlCol="0">
+              <a:spAutoFit/>
+            </a:bodyPr>
+            <a:lstStyle/>
+            <a:p>
+              <a:r>
+                <a:rPr lang="pt-BR" sz="1100" dirty="0"/>
+                <a:t>Generated</a:t>
+              </a:r>
+              <a:endParaRPr lang="en-NZ" sz="1100" dirty="0"/>
+            </a:p>
+          </p:txBody>
+        </p:sp>
+        <p:pic>
+          <p:nvPicPr>
+            <p:cNvPr id="34" name="Picture 33">
+              <a:extLst>
+                <a:ext uri="{FF2B5EF4-FFF2-40B4-BE49-F238E27FC236}">
+                  <a16:creationId xmlns:a16="http://schemas.microsoft.com/office/drawing/2014/main" id="{8916E83B-8BDC-498D-B596-5E9689AD9015}"/>
+                </a:ext>
+              </a:extLst>
+            </p:cNvPr>
+            <p:cNvPicPr>
+              <a:picLocks noChangeAspect="1"/>
+            </p:cNvPicPr>
+            <p:nvPr/>
+          </p:nvPicPr>
+          <p:blipFill>
+            <a:blip r:embed="rId11"/>
+            <a:stretch>
+              <a:fillRect/>
+            </a:stretch>
+          </p:blipFill>
+          <p:spPr>
+            <a:xfrm>
+              <a:off x="966874" y="4980432"/>
+              <a:ext cx="1223151" cy="493552"/>
+            </a:xfrm>
+            <a:prstGeom prst="rect">
+              <a:avLst/>
+            </a:prstGeom>
+          </p:spPr>
+        </p:pic>
+        <p:sp>
+          <p:nvSpPr>
+            <p:cNvPr id="35" name="TextBox 34">
+              <a:extLst>
+                <a:ext uri="{FF2B5EF4-FFF2-40B4-BE49-F238E27FC236}">
+                  <a16:creationId xmlns:a16="http://schemas.microsoft.com/office/drawing/2014/main" id="{66E58813-3F36-4E3C-B863-FF78835E2028}"/>
+                </a:ext>
+              </a:extLst>
+            </p:cNvPr>
+            <p:cNvSpPr txBox="1"/>
+            <p:nvPr/>
+          </p:nvSpPr>
+          <p:spPr>
+            <a:xfrm>
+              <a:off x="6166077" y="5335485"/>
+              <a:ext cx="1956816" cy="276999"/>
+            </a:xfrm>
+            <a:prstGeom prst="rect">
+              <a:avLst/>
+            </a:prstGeom>
+            <a:solidFill>
+              <a:schemeClr val="bg1"/>
+            </a:solidFill>
+          </p:spPr>
+          <p:txBody>
+            <a:bodyPr wrap="square">
+              <a:spAutoFit/>
+            </a:bodyPr>
+            <a:lstStyle/>
+            <a:p>
+              <a:r>
+                <a:rPr lang="en-NZ" sz="1200" dirty="0"/>
+                <a:t>PAR = </a:t>
+              </a:r>
+              <a:r>
+                <a:rPr lang="en-NZ" sz="1200" dirty="0" err="1"/>
+                <a:t>eRIDE</a:t>
+              </a:r>
+              <a:r>
+                <a:rPr lang="en-NZ" sz="1200" dirty="0"/>
+                <a:t> x Pop density</a:t>
+              </a:r>
+            </a:p>
+          </p:txBody>
+        </p:sp>
+      </p:grpSp>
+      <p:sp>
+        <p:nvSpPr>
+          <p:cNvPr id="27" name="TextBox 26">
+            <a:extLst>
+              <a:ext uri="{FF2B5EF4-FFF2-40B4-BE49-F238E27FC236}">
+                <a16:creationId xmlns:a16="http://schemas.microsoft.com/office/drawing/2014/main" id="{56DEFC11-D90A-4453-8AAC-01DBB0EACB56}"/>
+              </a:ext>
+            </a:extLst>
+          </p:cNvPr>
+          <p:cNvSpPr txBox="1"/>
+          <p:nvPr/>
+        </p:nvSpPr>
+        <p:spPr>
+          <a:xfrm>
+            <a:off x="3176910" y="5021534"/>
+            <a:ext cx="800731" cy="307777"/>
+          </a:xfrm>
+          <a:prstGeom prst="rect">
+            <a:avLst/>
+          </a:prstGeom>
+          <a:noFill/>
+        </p:spPr>
+        <p:txBody>
+          <a:bodyPr wrap="square">
+            <a:spAutoFit/>
+          </a:bodyPr>
+          <a:lstStyle/>
+          <a:p>
+            <a:r>
+              <a:rPr lang="en-NZ" sz="1400" dirty="0" err="1"/>
+              <a:t>eRIDE</a:t>
+            </a:r>
+            <a:r>
+              <a:rPr lang="en-NZ" sz="1400" dirty="0"/>
+              <a:t> ~</a:t>
+            </a:r>
+          </a:p>
+        </p:txBody>
+      </p:sp>
+      <p:pic>
+        <p:nvPicPr>
+          <p:cNvPr id="28" name="Picture 27">
+            <a:extLst>
+              <a:ext uri="{FF2B5EF4-FFF2-40B4-BE49-F238E27FC236}">
+                <a16:creationId xmlns:a16="http://schemas.microsoft.com/office/drawing/2014/main" id="{7B8FA9B3-CFE6-4051-9DA2-6ECCC05C6772}"/>
+              </a:ext>
+            </a:extLst>
+          </p:cNvPr>
+          <p:cNvPicPr>
+            <a:picLocks noChangeAspect="1"/>
+          </p:cNvPicPr>
+          <p:nvPr/>
+        </p:nvPicPr>
+        <p:blipFill rotWithShape="1">
+          <a:blip r:embed="rId12"/>
+          <a:srcRect t="5952"/>
+          <a:stretch/>
+        </p:blipFill>
+        <p:spPr>
+          <a:xfrm>
+            <a:off x="537372" y="2003185"/>
+            <a:ext cx="1749735" cy="1654052"/>
+          </a:xfrm>
+          <a:prstGeom prst="rect">
+            <a:avLst/>
+          </a:prstGeom>
+        </p:spPr>
+      </p:pic>
+      <p:sp>
+        <p:nvSpPr>
+          <p:cNvPr id="29" name="TextBox 28">
+            <a:extLst>
+              <a:ext uri="{FF2B5EF4-FFF2-40B4-BE49-F238E27FC236}">
+                <a16:creationId xmlns:a16="http://schemas.microsoft.com/office/drawing/2014/main" id="{13BB2F7D-4E56-4A14-BB53-912DA23E5D46}"/>
+              </a:ext>
+            </a:extLst>
+          </p:cNvPr>
+          <p:cNvSpPr txBox="1"/>
+          <p:nvPr/>
+        </p:nvSpPr>
+        <p:spPr>
+          <a:xfrm>
+            <a:off x="966874" y="1694742"/>
+            <a:ext cx="1039279" cy="369332"/>
+          </a:xfrm>
+          <a:prstGeom prst="rect">
+            <a:avLst/>
+          </a:prstGeom>
+          <a:noFill/>
+        </p:spPr>
+        <p:txBody>
+          <a:bodyPr wrap="square">
+            <a:spAutoFit/>
+          </a:bodyPr>
+          <a:lstStyle/>
+          <a:p>
+            <a:r>
+              <a:rPr lang="pt-BR" b="1" dirty="0">
+                <a:solidFill>
+                  <a:srgbClr val="9A18A8"/>
+                </a:solidFill>
+              </a:rPr>
+              <a:t>Hazard</a:t>
+            </a:r>
+            <a:endParaRPr lang="en-NZ" dirty="0"/>
+          </a:p>
+        </p:txBody>
+      </p:sp>
+      <p:pic>
+        <p:nvPicPr>
+          <p:cNvPr id="37" name="Picture 36">
+            <a:extLst>
+              <a:ext uri="{FF2B5EF4-FFF2-40B4-BE49-F238E27FC236}">
+                <a16:creationId xmlns:a16="http://schemas.microsoft.com/office/drawing/2014/main" id="{E57E85FF-5F9B-445E-A76A-BD0E9EC3ADC7}"/>
+              </a:ext>
+            </a:extLst>
+          </p:cNvPr>
+          <p:cNvPicPr>
+            <a:picLocks noChangeAspect="1"/>
+          </p:cNvPicPr>
+          <p:nvPr/>
+        </p:nvPicPr>
+        <p:blipFill rotWithShape="1">
+          <a:blip r:embed="rId13"/>
+          <a:srcRect l="3470" t="7096" b="7266"/>
+          <a:stretch/>
+        </p:blipFill>
+        <p:spPr>
+          <a:xfrm>
+            <a:off x="3852215" y="2010218"/>
+            <a:ext cx="1689020" cy="1593589"/>
+          </a:xfrm>
+          <a:prstGeom prst="rect">
+            <a:avLst/>
+          </a:prstGeom>
+        </p:spPr>
+      </p:pic>
+      <p:sp>
+        <p:nvSpPr>
+          <p:cNvPr id="39" name="TextBox 38">
+            <a:extLst>
+              <a:ext uri="{FF2B5EF4-FFF2-40B4-BE49-F238E27FC236}">
+                <a16:creationId xmlns:a16="http://schemas.microsoft.com/office/drawing/2014/main" id="{4E173B43-F70A-4D0D-986D-997D961000F5}"/>
+              </a:ext>
+            </a:extLst>
+          </p:cNvPr>
+          <p:cNvSpPr txBox="1"/>
+          <p:nvPr/>
+        </p:nvSpPr>
+        <p:spPr>
+          <a:xfrm>
+            <a:off x="3943121" y="1739158"/>
+            <a:ext cx="1620607" cy="369332"/>
+          </a:xfrm>
+          <a:prstGeom prst="rect">
+            <a:avLst/>
+          </a:prstGeom>
+          <a:noFill/>
+        </p:spPr>
+        <p:txBody>
+          <a:bodyPr wrap="square">
+            <a:spAutoFit/>
+          </a:bodyPr>
+          <a:lstStyle/>
+          <a:p>
+            <a:r>
+              <a:rPr lang="pt-BR" b="1" dirty="0">
+                <a:solidFill>
+                  <a:srgbClr val="9A18A8"/>
+                </a:solidFill>
+              </a:rPr>
+              <a:t>eRIDE</a:t>
+            </a:r>
+            <a:endParaRPr lang="en-NZ" b="1" dirty="0">
+              <a:solidFill>
+                <a:srgbClr val="9A18A8"/>
+              </a:solidFill>
+            </a:endParaRPr>
+          </a:p>
+        </p:txBody>
+      </p:sp>
+      <p:sp>
+        <p:nvSpPr>
+          <p:cNvPr id="7" name="Rectangle: Rounded Corners 6">
+            <a:extLst>
+              <a:ext uri="{FF2B5EF4-FFF2-40B4-BE49-F238E27FC236}">
+                <a16:creationId xmlns:a16="http://schemas.microsoft.com/office/drawing/2014/main" id="{EB66C8BD-8A00-43CA-B132-C0B72319A3D4}"/>
+              </a:ext>
+            </a:extLst>
+          </p:cNvPr>
+          <p:cNvSpPr/>
+          <p:nvPr/>
+        </p:nvSpPr>
+        <p:spPr>
+          <a:xfrm>
+            <a:off x="537372" y="1603717"/>
+            <a:ext cx="5026356" cy="4564966"/>
+          </a:xfrm>
+          <a:prstGeom prst="roundRect">
+            <a:avLst/>
+          </a:prstGeom>
+          <a:noFill/>
+          <a:ln>
+            <a:solidFill>
+              <a:srgbClr val="9A18A8"/>
+            </a:solidFill>
+          </a:ln>
+        </p:spPr>
+        <p:style>
+          <a:lnRef idx="2">
+            <a:schemeClr val="accent1">
+              <a:shade val="50000"/>
+            </a:schemeClr>
+          </a:lnRef>
+          <a:fillRef idx="1">
+            <a:schemeClr val="accent1"/>
+          </a:fillRef>
+          <a:effectRef idx="0">
+            <a:schemeClr val="accent1"/>
+          </a:effectRef>
+          <a:fontRef idx="minor">
+            <a:schemeClr val="lt1"/>
+          </a:fontRef>
+        </p:style>
+        <p:txBody>
+          <a:bodyPr rtlCol="0" anchor="ctr"/>
+          <a:lstStyle/>
+          <a:p>
+            <a:pPr algn="ctr"/>
+            <a:endParaRPr lang="en-NZ"/>
+          </a:p>
+        </p:txBody>
+      </p:sp>
+    </p:spTree>
+    <p:extLst>
+      <p:ext uri="{BB962C8B-B14F-4D97-AF65-F5344CB8AC3E}">
+        <p14:creationId xmlns:p14="http://schemas.microsoft.com/office/powerpoint/2010/main" val="1372864335"/>
+      </p:ext>
+    </p:extLst>
+  </p:cSld>
+  <p:clrMapOvr>
+    <a:masterClrMapping/>
+  </p:clrMapOvr>
+</p:sld>
+</file>
+
+<file path=ppt/slides/slide3.xml><?xml version="1.0" encoding="utf-8"?>
+<p:sld xmlns:a="http://schemas.openxmlformats.org/drawingml/2006/main" xmlns:r="http://schemas.openxmlformats.org/officeDocument/2006/relationships" xmlns:p="http://schemas.openxmlformats.org/presentationml/2006/main">
+  <p:cSld>
+    <p:spTree>
+      <p:nvGrpSpPr>
+        <p:cNvPr id="1" name=""/>
+        <p:cNvGrpSpPr/>
+        <p:nvPr/>
+      </p:nvGrpSpPr>
+      <p:grpSpPr>
+        <a:xfrm>
+          <a:off x="0" y="0"/>
+          <a:ext cx="0" cy="0"/>
+          <a:chOff x="0" y="0"/>
+          <a:chExt cx="0" cy="0"/>
+        </a:xfrm>
+      </p:grpSpPr>
+      <p:grpSp>
+        <p:nvGrpSpPr>
+          <p:cNvPr id="35" name="Group 34">
+            <a:extLst>
+              <a:ext uri="{FF2B5EF4-FFF2-40B4-BE49-F238E27FC236}">
+                <a16:creationId xmlns:a16="http://schemas.microsoft.com/office/drawing/2014/main" id="{8D7706ED-1E13-5B4F-CB5D-AA541F9CBB07}"/>
+              </a:ext>
+            </a:extLst>
+          </p:cNvPr>
+          <p:cNvGrpSpPr/>
+          <p:nvPr/>
+        </p:nvGrpSpPr>
+        <p:grpSpPr>
+          <a:xfrm>
+            <a:off x="504706" y="1182852"/>
+            <a:ext cx="2752660" cy="3715256"/>
+            <a:chOff x="581458" y="743361"/>
+            <a:chExt cx="2752660" cy="3715256"/>
+          </a:xfrm>
+        </p:grpSpPr>
+        <p:sp>
+          <p:nvSpPr>
+            <p:cNvPr id="4" name="Rectangle 3">
+              <a:extLst>
+                <a:ext uri="{FF2B5EF4-FFF2-40B4-BE49-F238E27FC236}">
+                  <a16:creationId xmlns:a16="http://schemas.microsoft.com/office/drawing/2014/main" id="{E07DE56E-EEC3-D270-D10E-77C97CF8EB59}"/>
+                </a:ext>
+              </a:extLst>
+            </p:cNvPr>
+            <p:cNvSpPr/>
+            <p:nvPr/>
+          </p:nvSpPr>
+          <p:spPr>
+            <a:xfrm>
+              <a:off x="1117453" y="1870022"/>
+              <a:ext cx="1236148" cy="908859"/>
+            </a:xfrm>
+            <a:prstGeom prst="rect">
+              <a:avLst/>
+            </a:prstGeom>
+            <a:solidFill>
+              <a:schemeClr val="accent6">
+                <a:lumMod val="75000"/>
+              </a:schemeClr>
+            </a:solidFill>
+            <a:ln>
+              <a:noFill/>
+            </a:ln>
+          </p:spPr>
+          <p:style>
+            <a:lnRef idx="2">
+              <a:schemeClr val="accent1">
+                <a:shade val="15000"/>
+              </a:schemeClr>
+            </a:lnRef>
+            <a:fillRef idx="1">
+              <a:schemeClr val="accent1"/>
+            </a:fillRef>
+            <a:effectRef idx="0">
+              <a:schemeClr val="accent1"/>
+            </a:effectRef>
+            <a:fontRef idx="minor">
+              <a:schemeClr val="lt1"/>
+            </a:fontRef>
+          </p:style>
+          <p:txBody>
+            <a:bodyPr rtlCol="0" anchor="ctr"/>
+            <a:lstStyle/>
+            <a:p>
+              <a:pPr algn="ctr"/>
+              <a:r>
+                <a:rPr lang="pt-BR" sz="1400" dirty="0"/>
+                <a:t>Init GRASS</a:t>
+              </a:r>
+              <a:endParaRPr lang="en-NZ" sz="1400" dirty="0"/>
+            </a:p>
+          </p:txBody>
+        </p:sp>
+        <p:pic>
+          <p:nvPicPr>
+            <p:cNvPr id="16" name="Picture 15">
+              <a:extLst>
+                <a:ext uri="{FF2B5EF4-FFF2-40B4-BE49-F238E27FC236}">
+                  <a16:creationId xmlns:a16="http://schemas.microsoft.com/office/drawing/2014/main" id="{8F86A971-756C-AF47-24CF-C4AD4F3BFCCA}"/>
+                </a:ext>
+              </a:extLst>
+            </p:cNvPr>
+            <p:cNvPicPr>
+              <a:picLocks noChangeAspect="1"/>
+            </p:cNvPicPr>
+            <p:nvPr/>
+          </p:nvPicPr>
+          <p:blipFill>
+            <a:blip r:embed="rId2"/>
+            <a:stretch>
+              <a:fillRect/>
+            </a:stretch>
+          </p:blipFill>
+          <p:spPr>
+            <a:xfrm>
+              <a:off x="832679" y="3070032"/>
+              <a:ext cx="1732033" cy="1063725"/>
+            </a:xfrm>
+            <a:prstGeom prst="rect">
+              <a:avLst/>
+            </a:prstGeom>
+          </p:spPr>
+        </p:pic>
+        <p:sp>
+          <p:nvSpPr>
+            <p:cNvPr id="18" name="TextBox 17">
+              <a:extLst>
+                <a:ext uri="{FF2B5EF4-FFF2-40B4-BE49-F238E27FC236}">
+                  <a16:creationId xmlns:a16="http://schemas.microsoft.com/office/drawing/2014/main" id="{D760B8F3-D4EF-1F2C-3A21-43A36CE8AD40}"/>
+                </a:ext>
+              </a:extLst>
+            </p:cNvPr>
+            <p:cNvSpPr txBox="1"/>
+            <p:nvPr/>
+          </p:nvSpPr>
+          <p:spPr>
+            <a:xfrm>
+              <a:off x="581458" y="4197007"/>
+              <a:ext cx="2752660" cy="261610"/>
+            </a:xfrm>
+            <a:prstGeom prst="rect">
+              <a:avLst/>
+            </a:prstGeom>
+            <a:noFill/>
+          </p:spPr>
+          <p:txBody>
+            <a:bodyPr wrap="square">
+              <a:spAutoFit/>
+            </a:bodyPr>
+            <a:lstStyle/>
+            <a:p>
+              <a:r>
+                <a:rPr lang="pt-BR" sz="1100" b="0" i="0" dirty="0">
+                  <a:solidFill>
+                    <a:srgbClr val="000000"/>
+                  </a:solidFill>
+                  <a:effectLst/>
+                  <a:highlight>
+                    <a:srgbClr val="FFFFFF"/>
+                  </a:highlight>
+                  <a:latin typeface="Lato" panose="020F0502020204030203" pitchFamily="34" charset="0"/>
+                </a:rPr>
+                <a:t>EPSG:3857 - WGS 84 / Pseudo-Mercator</a:t>
+              </a:r>
+              <a:endParaRPr lang="en-NZ" sz="1100" dirty="0"/>
+            </a:p>
+          </p:txBody>
+        </p:sp>
+        <p:sp>
+          <p:nvSpPr>
+            <p:cNvPr id="31" name="TextBox 30">
+              <a:extLst>
+                <a:ext uri="{FF2B5EF4-FFF2-40B4-BE49-F238E27FC236}">
+                  <a16:creationId xmlns:a16="http://schemas.microsoft.com/office/drawing/2014/main" id="{3EEFF085-0D05-0647-2C1D-1543D7645C87}"/>
+                </a:ext>
+              </a:extLst>
+            </p:cNvPr>
+            <p:cNvSpPr txBox="1"/>
+            <p:nvPr/>
+          </p:nvSpPr>
+          <p:spPr>
+            <a:xfrm>
+              <a:off x="1233665" y="2833924"/>
+              <a:ext cx="1703990" cy="261610"/>
+            </a:xfrm>
+            <a:prstGeom prst="rect">
+              <a:avLst/>
+            </a:prstGeom>
+            <a:noFill/>
+          </p:spPr>
+          <p:txBody>
+            <a:bodyPr wrap="square">
+              <a:spAutoFit/>
+            </a:bodyPr>
+            <a:lstStyle/>
+            <a:p>
+              <a:r>
+                <a:rPr lang="en-NZ" sz="1100" b="0" i="0" dirty="0">
+                  <a:solidFill>
+                    <a:srgbClr val="000000"/>
+                  </a:solidFill>
+                  <a:effectLst/>
+                  <a:highlight>
+                    <a:srgbClr val="FFFFFF"/>
+                  </a:highlight>
+                  <a:latin typeface="Lato" panose="020F0502020204030203" pitchFamily="34" charset="0"/>
+                </a:rPr>
+                <a:t>land use </a:t>
+              </a:r>
+              <a:r>
+                <a:rPr lang="en-NZ" sz="1100" b="0" i="0" dirty="0" err="1">
+                  <a:solidFill>
+                    <a:srgbClr val="000000"/>
+                  </a:solidFill>
+                  <a:effectLst/>
+                  <a:highlight>
+                    <a:srgbClr val="FFFFFF"/>
+                  </a:highlight>
+                  <a:latin typeface="Lato" panose="020F0502020204030203" pitchFamily="34" charset="0"/>
+                </a:rPr>
+                <a:t>rast</a:t>
+              </a:r>
+              <a:endParaRPr lang="en-NZ" sz="1100" dirty="0"/>
+            </a:p>
+          </p:txBody>
+        </p:sp>
+        <p:pic>
+          <p:nvPicPr>
+            <p:cNvPr id="33" name="Picture 32">
+              <a:extLst>
+                <a:ext uri="{FF2B5EF4-FFF2-40B4-BE49-F238E27FC236}">
+                  <a16:creationId xmlns:a16="http://schemas.microsoft.com/office/drawing/2014/main" id="{5840C527-2EB5-B086-1A00-0BF07ADEF705}"/>
+                </a:ext>
+              </a:extLst>
+            </p:cNvPr>
+            <p:cNvPicPr>
+              <a:picLocks noChangeAspect="1"/>
+            </p:cNvPicPr>
+            <p:nvPr/>
+          </p:nvPicPr>
+          <p:blipFill>
+            <a:blip r:embed="rId3"/>
+            <a:stretch>
+              <a:fillRect/>
+            </a:stretch>
+          </p:blipFill>
+          <p:spPr>
+            <a:xfrm>
+              <a:off x="1011627" y="743361"/>
+              <a:ext cx="723900" cy="866775"/>
+            </a:xfrm>
+            <a:prstGeom prst="rect">
+              <a:avLst/>
+            </a:prstGeom>
+          </p:spPr>
+        </p:pic>
+        <p:pic>
+          <p:nvPicPr>
+            <p:cNvPr id="34" name="Picture 33">
+              <a:extLst>
+                <a:ext uri="{FF2B5EF4-FFF2-40B4-BE49-F238E27FC236}">
+                  <a16:creationId xmlns:a16="http://schemas.microsoft.com/office/drawing/2014/main" id="{1A4A355A-D747-650E-DFF5-42A0A408C404}"/>
+                </a:ext>
+              </a:extLst>
+            </p:cNvPr>
+            <p:cNvPicPr>
+              <a:picLocks noChangeAspect="1"/>
+            </p:cNvPicPr>
+            <p:nvPr/>
+          </p:nvPicPr>
+          <p:blipFill>
+            <a:blip r:embed="rId4"/>
+            <a:stretch>
+              <a:fillRect/>
+            </a:stretch>
+          </p:blipFill>
+          <p:spPr>
+            <a:xfrm>
+              <a:off x="1801581" y="876226"/>
+              <a:ext cx="774072" cy="601044"/>
+            </a:xfrm>
+            <a:prstGeom prst="rect">
+              <a:avLst/>
+            </a:prstGeom>
+          </p:spPr>
+        </p:pic>
+      </p:grpSp>
+      <p:grpSp>
+        <p:nvGrpSpPr>
+          <p:cNvPr id="46" name="Group 45">
+            <a:extLst>
+              <a:ext uri="{FF2B5EF4-FFF2-40B4-BE49-F238E27FC236}">
+                <a16:creationId xmlns:a16="http://schemas.microsoft.com/office/drawing/2014/main" id="{41373859-6C83-7CEF-D238-418CAF8B614E}"/>
+              </a:ext>
+            </a:extLst>
+          </p:cNvPr>
+          <p:cNvGrpSpPr/>
+          <p:nvPr/>
+        </p:nvGrpSpPr>
+        <p:grpSpPr>
+          <a:xfrm>
+            <a:off x="3559652" y="1162532"/>
+            <a:ext cx="6178718" cy="3988587"/>
+            <a:chOff x="3771900" y="2595092"/>
+            <a:chExt cx="6178718" cy="3988587"/>
+          </a:xfrm>
+        </p:grpSpPr>
+        <p:sp>
+          <p:nvSpPr>
+            <p:cNvPr id="12" name="Rectangle 11">
+              <a:extLst>
+                <a:ext uri="{FF2B5EF4-FFF2-40B4-BE49-F238E27FC236}">
+                  <a16:creationId xmlns:a16="http://schemas.microsoft.com/office/drawing/2014/main" id="{F58BC527-02B3-75FD-AC17-F822F01B9AAD}"/>
+                </a:ext>
+              </a:extLst>
+            </p:cNvPr>
+            <p:cNvSpPr/>
+            <p:nvPr/>
+          </p:nvSpPr>
+          <p:spPr>
+            <a:xfrm>
+              <a:off x="3771900" y="2595092"/>
+              <a:ext cx="5935980" cy="3988587"/>
+            </a:xfrm>
+            <a:prstGeom prst="rect">
+              <a:avLst/>
+            </a:prstGeom>
+            <a:noFill/>
+            <a:ln w="38100"/>
+          </p:spPr>
+          <p:style>
+            <a:lnRef idx="1">
+              <a:schemeClr val="accent3"/>
+            </a:lnRef>
+            <a:fillRef idx="2">
+              <a:schemeClr val="accent3"/>
+            </a:fillRef>
+            <a:effectRef idx="1">
+              <a:schemeClr val="accent3"/>
+            </a:effectRef>
+            <a:fontRef idx="minor">
+              <a:schemeClr val="dk1"/>
+            </a:fontRef>
+          </p:style>
+          <p:txBody>
+            <a:bodyPr rtlCol="0" anchor="ctr"/>
+            <a:lstStyle/>
+            <a:p>
+              <a:pPr algn="ctr"/>
+              <a:endParaRPr lang="en-NZ"/>
+            </a:p>
+          </p:txBody>
+        </p:sp>
+        <p:sp>
+          <p:nvSpPr>
+            <p:cNvPr id="25" name="TextBox 24">
+              <a:extLst>
+                <a:ext uri="{FF2B5EF4-FFF2-40B4-BE49-F238E27FC236}">
+                  <a16:creationId xmlns:a16="http://schemas.microsoft.com/office/drawing/2014/main" id="{065B92E4-107E-3608-4DC5-33EE79622BB9}"/>
+                </a:ext>
+              </a:extLst>
+            </p:cNvPr>
+            <p:cNvSpPr txBox="1"/>
+            <p:nvPr/>
+          </p:nvSpPr>
+          <p:spPr>
+            <a:xfrm>
+              <a:off x="6558071" y="3550452"/>
+              <a:ext cx="3187526" cy="338554"/>
+            </a:xfrm>
+            <a:prstGeom prst="rect">
+              <a:avLst/>
+            </a:prstGeom>
+            <a:noFill/>
+          </p:spPr>
+          <p:txBody>
+            <a:bodyPr wrap="square">
+              <a:spAutoFit/>
+            </a:bodyPr>
+            <a:lstStyle/>
+            <a:p>
+              <a:r>
+                <a:rPr lang="en-NZ" sz="800" dirty="0" err="1">
+                  <a:latin typeface="Courier New" panose="02070309020205020404" pitchFamily="49" charset="0"/>
+                  <a:cs typeface="Courier New" panose="02070309020205020404" pitchFamily="49" charset="0"/>
+                </a:rPr>
+                <a:t>execGRASS</a:t>
+              </a:r>
+              <a:r>
+                <a:rPr lang="en-NZ" sz="800" dirty="0">
+                  <a:latin typeface="Courier New" panose="02070309020205020404" pitchFamily="49" charset="0"/>
+                  <a:cs typeface="Courier New" panose="02070309020205020404" pitchFamily="49" charset="0"/>
+                </a:rPr>
+                <a:t>("</a:t>
+              </a:r>
+              <a:r>
+                <a:rPr lang="en-NZ" sz="800" dirty="0" err="1">
+                  <a:latin typeface="Courier New" panose="02070309020205020404" pitchFamily="49" charset="0"/>
+                  <a:cs typeface="Courier New" panose="02070309020205020404" pitchFamily="49" charset="0"/>
+                </a:rPr>
+                <a:t>g.proj</a:t>
+              </a:r>
+              <a:r>
+                <a:rPr lang="en-NZ" sz="800" dirty="0">
+                  <a:latin typeface="Courier New" panose="02070309020205020404" pitchFamily="49" charset="0"/>
+                  <a:cs typeface="Courier New" panose="02070309020205020404" pitchFamily="49" charset="0"/>
+                </a:rPr>
+                <a:t>", flags = "c", parameters = list(raster = "</a:t>
+              </a:r>
+              <a:r>
+                <a:rPr lang="en-NZ" sz="800" dirty="0" err="1">
+                  <a:latin typeface="Courier New" panose="02070309020205020404" pitchFamily="49" charset="0"/>
+                  <a:cs typeface="Courier New" panose="02070309020205020404" pitchFamily="49" charset="0"/>
+                </a:rPr>
+                <a:t>rast</a:t>
+              </a:r>
+              <a:r>
+                <a:rPr lang="en-NZ" sz="800" dirty="0">
+                  <a:latin typeface="Courier New" panose="02070309020205020404" pitchFamily="49" charset="0"/>
+                  <a:cs typeface="Courier New" panose="02070309020205020404" pitchFamily="49" charset="0"/>
+                </a:rPr>
+                <a:t>"))</a:t>
+              </a:r>
+            </a:p>
+          </p:txBody>
+        </p:sp>
+        <p:grpSp>
+          <p:nvGrpSpPr>
+            <p:cNvPr id="45" name="Group 44">
+              <a:extLst>
+                <a:ext uri="{FF2B5EF4-FFF2-40B4-BE49-F238E27FC236}">
+                  <a16:creationId xmlns:a16="http://schemas.microsoft.com/office/drawing/2014/main" id="{7E7A0D0E-9604-952D-C17C-0B964F88C9AB}"/>
+                </a:ext>
+              </a:extLst>
+            </p:cNvPr>
+            <p:cNvGrpSpPr/>
+            <p:nvPr/>
+          </p:nvGrpSpPr>
+          <p:grpSpPr>
+            <a:xfrm>
+              <a:off x="3911849" y="2676248"/>
+              <a:ext cx="5796031" cy="3614762"/>
+              <a:chOff x="3911849" y="2676248"/>
+              <a:chExt cx="5796031" cy="3614762"/>
+            </a:xfrm>
+          </p:grpSpPr>
+          <p:sp>
+            <p:nvSpPr>
+              <p:cNvPr id="5" name="Rectangle 4">
+                <a:extLst>
+                  <a:ext uri="{FF2B5EF4-FFF2-40B4-BE49-F238E27FC236}">
+                    <a16:creationId xmlns:a16="http://schemas.microsoft.com/office/drawing/2014/main" id="{6E0FAA16-8A22-9F0E-8A18-191DEB589CC2}"/>
+                  </a:ext>
+                </a:extLst>
+              </p:cNvPr>
+              <p:cNvSpPr/>
+              <p:nvPr/>
+            </p:nvSpPr>
+            <p:spPr>
+              <a:xfrm>
+                <a:off x="7405498" y="2676248"/>
+                <a:ext cx="1236148" cy="908859"/>
+              </a:xfrm>
+              <a:prstGeom prst="rect">
+                <a:avLst/>
+              </a:prstGeom>
+              <a:solidFill>
+                <a:schemeClr val="accent5">
+                  <a:lumMod val="60000"/>
+                  <a:lumOff val="40000"/>
+                </a:schemeClr>
+              </a:solidFill>
+              <a:ln>
+                <a:noFill/>
+              </a:ln>
+            </p:spPr>
+            <p:style>
+              <a:lnRef idx="2">
+                <a:schemeClr val="accent1">
+                  <a:shade val="15000"/>
+                </a:schemeClr>
+              </a:lnRef>
+              <a:fillRef idx="1">
+                <a:schemeClr val="accent1"/>
+              </a:fillRef>
+              <a:effectRef idx="0">
+                <a:schemeClr val="accent1"/>
+              </a:effectRef>
+              <a:fontRef idx="minor">
+                <a:schemeClr val="lt1"/>
+              </a:fontRef>
+            </p:style>
+            <p:txBody>
+              <a:bodyPr rtlCol="0" anchor="ctr"/>
+              <a:lstStyle/>
+              <a:p>
+                <a:pPr algn="ctr"/>
+                <a:r>
+                  <a:rPr lang="pt-BR" sz="1400" dirty="0"/>
+                  <a:t>Region projection</a:t>
+                </a:r>
+              </a:p>
+            </p:txBody>
+          </p:sp>
+          <p:sp>
+            <p:nvSpPr>
+              <p:cNvPr id="6" name="Rectangle 5">
+                <a:extLst>
+                  <a:ext uri="{FF2B5EF4-FFF2-40B4-BE49-F238E27FC236}">
+                    <a16:creationId xmlns:a16="http://schemas.microsoft.com/office/drawing/2014/main" id="{29966AB3-FC6C-8C3A-AC8D-0494F2F5B352}"/>
+                  </a:ext>
+                </a:extLst>
+              </p:cNvPr>
+              <p:cNvSpPr/>
+              <p:nvPr/>
+            </p:nvSpPr>
+            <p:spPr>
+              <a:xfrm>
+                <a:off x="7405498" y="5124690"/>
+                <a:ext cx="1236148" cy="908859"/>
+              </a:xfrm>
+              <a:prstGeom prst="rect">
+                <a:avLst/>
+              </a:prstGeom>
+              <a:solidFill>
+                <a:schemeClr val="accent5">
+                  <a:lumMod val="60000"/>
+                  <a:lumOff val="40000"/>
+                </a:schemeClr>
+              </a:solidFill>
+              <a:ln>
+                <a:noFill/>
+              </a:ln>
+            </p:spPr>
+            <p:style>
+              <a:lnRef idx="2">
+                <a:schemeClr val="accent1">
+                  <a:shade val="15000"/>
+                </a:schemeClr>
+              </a:lnRef>
+              <a:fillRef idx="1">
+                <a:schemeClr val="accent1"/>
+              </a:fillRef>
+              <a:effectRef idx="0">
+                <a:schemeClr val="accent1"/>
+              </a:effectRef>
+              <a:fontRef idx="minor">
+                <a:schemeClr val="lt1"/>
+              </a:fontRef>
+            </p:style>
+            <p:txBody>
+              <a:bodyPr rtlCol="0" anchor="ctr"/>
+              <a:lstStyle/>
+              <a:p>
+                <a:pPr algn="ctr"/>
+                <a:r>
+                  <a:rPr lang="pt-BR" sz="1400" dirty="0"/>
+                  <a:t>Region extent</a:t>
+                </a:r>
+              </a:p>
+            </p:txBody>
+          </p:sp>
+          <p:sp>
+            <p:nvSpPr>
+              <p:cNvPr id="7" name="Rectangle 6">
+                <a:extLst>
+                  <a:ext uri="{FF2B5EF4-FFF2-40B4-BE49-F238E27FC236}">
+                    <a16:creationId xmlns:a16="http://schemas.microsoft.com/office/drawing/2014/main" id="{2BC0E340-CF98-2107-1536-9AA271F951E8}"/>
+                  </a:ext>
+                </a:extLst>
+              </p:cNvPr>
+              <p:cNvSpPr/>
+              <p:nvPr/>
+            </p:nvSpPr>
+            <p:spPr>
+              <a:xfrm>
+                <a:off x="7398953" y="3857663"/>
+                <a:ext cx="1236148" cy="908859"/>
+              </a:xfrm>
+              <a:prstGeom prst="rect">
+                <a:avLst/>
+              </a:prstGeom>
+              <a:solidFill>
+                <a:schemeClr val="accent5">
+                  <a:lumMod val="60000"/>
+                  <a:lumOff val="40000"/>
+                </a:schemeClr>
+              </a:solidFill>
+              <a:ln>
+                <a:noFill/>
+              </a:ln>
+            </p:spPr>
+            <p:style>
+              <a:lnRef idx="2">
+                <a:schemeClr val="accent1">
+                  <a:shade val="15000"/>
+                </a:schemeClr>
+              </a:lnRef>
+              <a:fillRef idx="1">
+                <a:schemeClr val="accent1"/>
+              </a:fillRef>
+              <a:effectRef idx="0">
+                <a:schemeClr val="accent1"/>
+              </a:effectRef>
+              <a:fontRef idx="minor">
+                <a:schemeClr val="lt1"/>
+              </a:fontRef>
+            </p:style>
+            <p:txBody>
+              <a:bodyPr rtlCol="0" anchor="ctr"/>
+              <a:lstStyle/>
+              <a:p>
+                <a:pPr algn="ctr"/>
+                <a:r>
+                  <a:rPr lang="pt-BR" sz="1400" dirty="0"/>
+                  <a:t>Region</a:t>
+                </a:r>
+              </a:p>
+              <a:p>
+                <a:pPr algn="ctr"/>
+                <a:r>
+                  <a:rPr lang="pt-BR" sz="1400" dirty="0"/>
+                  <a:t>resolution</a:t>
+                </a:r>
+              </a:p>
+            </p:txBody>
+          </p:sp>
+          <p:sp>
+            <p:nvSpPr>
+              <p:cNvPr id="8" name="Rectangle 7">
+                <a:extLst>
+                  <a:ext uri="{FF2B5EF4-FFF2-40B4-BE49-F238E27FC236}">
+                    <a16:creationId xmlns:a16="http://schemas.microsoft.com/office/drawing/2014/main" id="{8349145C-32C5-ACAA-EB57-70F8462855C0}"/>
+                  </a:ext>
+                </a:extLst>
+              </p:cNvPr>
+              <p:cNvSpPr/>
+              <p:nvPr/>
+            </p:nvSpPr>
+            <p:spPr>
+              <a:xfrm>
+                <a:off x="4726731" y="3621654"/>
+                <a:ext cx="1236148" cy="908859"/>
+              </a:xfrm>
+              <a:prstGeom prst="rect">
+                <a:avLst/>
+              </a:prstGeom>
+              <a:solidFill>
+                <a:schemeClr val="accent6">
+                  <a:lumMod val="75000"/>
+                </a:schemeClr>
+              </a:solidFill>
+              <a:ln>
+                <a:noFill/>
+              </a:ln>
+            </p:spPr>
+            <p:style>
+              <a:lnRef idx="2">
+                <a:schemeClr val="accent1">
+                  <a:shade val="15000"/>
+                </a:schemeClr>
+              </a:lnRef>
+              <a:fillRef idx="1">
+                <a:schemeClr val="accent1"/>
+              </a:fillRef>
+              <a:effectRef idx="0">
+                <a:schemeClr val="accent1"/>
+              </a:effectRef>
+              <a:fontRef idx="minor">
+                <a:schemeClr val="lt1"/>
+              </a:fontRef>
+            </p:style>
+            <p:txBody>
+              <a:bodyPr rtlCol="0" anchor="ctr"/>
+              <a:lstStyle/>
+              <a:p>
+                <a:pPr algn="ctr"/>
+                <a:r>
+                  <a:rPr lang="pt-BR" sz="1400" dirty="0"/>
+                  <a:t>v.import</a:t>
+                </a:r>
+                <a:endParaRPr lang="en-NZ" sz="1400" dirty="0"/>
+              </a:p>
+            </p:txBody>
+          </p:sp>
+          <p:pic>
+            <p:nvPicPr>
+              <p:cNvPr id="10" name="Picture 9">
+                <a:extLst>
+                  <a:ext uri="{FF2B5EF4-FFF2-40B4-BE49-F238E27FC236}">
+                    <a16:creationId xmlns:a16="http://schemas.microsoft.com/office/drawing/2014/main" id="{F821CD2D-5C94-61A3-64B4-955A84C9FE68}"/>
+                  </a:ext>
+                </a:extLst>
+              </p:cNvPr>
+              <p:cNvPicPr>
+                <a:picLocks noChangeAspect="1"/>
+              </p:cNvPicPr>
+              <p:nvPr/>
+            </p:nvPicPr>
+            <p:blipFill>
+              <a:blip r:embed="rId5"/>
+              <a:stretch>
+                <a:fillRect/>
+              </a:stretch>
+            </p:blipFill>
+            <p:spPr>
+              <a:xfrm>
+                <a:off x="3911849" y="4888442"/>
+                <a:ext cx="3112091" cy="1402568"/>
+              </a:xfrm>
+              <a:prstGeom prst="rect">
+                <a:avLst/>
+              </a:prstGeom>
+            </p:spPr>
+          </p:pic>
+          <p:sp>
+            <p:nvSpPr>
+              <p:cNvPr id="14" name="TextBox 13">
+                <a:extLst>
+                  <a:ext uri="{FF2B5EF4-FFF2-40B4-BE49-F238E27FC236}">
+                    <a16:creationId xmlns:a16="http://schemas.microsoft.com/office/drawing/2014/main" id="{78645F33-2153-120B-68C2-E3D97B8DEAC6}"/>
+                  </a:ext>
+                </a:extLst>
+              </p:cNvPr>
+              <p:cNvSpPr txBox="1"/>
+              <p:nvPr/>
+            </p:nvSpPr>
+            <p:spPr>
+              <a:xfrm>
+                <a:off x="4726731" y="4907404"/>
+                <a:ext cx="1703990" cy="261610"/>
+              </a:xfrm>
+              <a:prstGeom prst="rect">
+                <a:avLst/>
+              </a:prstGeom>
+              <a:noFill/>
+            </p:spPr>
+            <p:txBody>
+              <a:bodyPr wrap="square">
+                <a:spAutoFit/>
+              </a:bodyPr>
+              <a:lstStyle/>
+              <a:p>
+                <a:r>
+                  <a:rPr lang="en-NZ" sz="1100" b="0" i="0" dirty="0">
+                    <a:solidFill>
+                      <a:srgbClr val="000000"/>
+                    </a:solidFill>
+                    <a:effectLst/>
+                    <a:highlight>
+                      <a:srgbClr val="FFFFFF"/>
+                    </a:highlight>
+                    <a:latin typeface="Lato" panose="020F0502020204030203" pitchFamily="34" charset="0"/>
+                  </a:rPr>
+                  <a:t>EPSG:4326 - WGS 84</a:t>
+                </a:r>
+                <a:endParaRPr lang="en-NZ" sz="1100" dirty="0"/>
+              </a:p>
+            </p:txBody>
+          </p:sp>
+          <p:sp>
+            <p:nvSpPr>
+              <p:cNvPr id="27" name="TextBox 26">
+                <a:extLst>
+                  <a:ext uri="{FF2B5EF4-FFF2-40B4-BE49-F238E27FC236}">
+                    <a16:creationId xmlns:a16="http://schemas.microsoft.com/office/drawing/2014/main" id="{45021953-823B-FE71-955C-2840F77D8C8B}"/>
+                  </a:ext>
+                </a:extLst>
+              </p:cNvPr>
+              <p:cNvSpPr txBox="1"/>
+              <p:nvPr/>
+            </p:nvSpPr>
+            <p:spPr>
+              <a:xfrm>
+                <a:off x="6595789" y="4729128"/>
+                <a:ext cx="3112091" cy="338554"/>
+              </a:xfrm>
+              <a:prstGeom prst="rect">
+                <a:avLst/>
+              </a:prstGeom>
+              <a:noFill/>
+            </p:spPr>
+            <p:txBody>
+              <a:bodyPr wrap="square">
+                <a:spAutoFit/>
+              </a:bodyPr>
+              <a:lstStyle/>
+              <a:p>
+                <a:r>
+                  <a:rPr lang="en-NZ" sz="800" dirty="0" err="1">
+                    <a:latin typeface="Courier New" panose="02070309020205020404" pitchFamily="49" charset="0"/>
+                    <a:cs typeface="Courier New" panose="02070309020205020404" pitchFamily="49" charset="0"/>
+                  </a:rPr>
+                  <a:t>execGRASS</a:t>
+                </a:r>
+                <a:r>
+                  <a:rPr lang="en-NZ" sz="800" dirty="0">
+                    <a:latin typeface="Courier New" panose="02070309020205020404" pitchFamily="49" charset="0"/>
+                    <a:cs typeface="Courier New" panose="02070309020205020404" pitchFamily="49" charset="0"/>
+                  </a:rPr>
+                  <a:t>("</a:t>
+                </a:r>
+                <a:r>
+                  <a:rPr lang="en-NZ" sz="800" dirty="0" err="1">
+                    <a:latin typeface="Courier New" panose="02070309020205020404" pitchFamily="49" charset="0"/>
+                    <a:cs typeface="Courier New" panose="02070309020205020404" pitchFamily="49" charset="0"/>
+                  </a:rPr>
+                  <a:t>g.region</a:t>
+                </a:r>
+                <a:r>
+                  <a:rPr lang="en-NZ" sz="800" dirty="0">
+                    <a:latin typeface="Courier New" panose="02070309020205020404" pitchFamily="49" charset="0"/>
+                    <a:cs typeface="Courier New" panose="02070309020205020404" pitchFamily="49" charset="0"/>
+                  </a:rPr>
+                  <a:t>", parameters = list(raster = “</a:t>
+                </a:r>
+                <a:r>
+                  <a:rPr lang="en-NZ" sz="800" dirty="0" err="1">
+                    <a:latin typeface="Courier New" panose="02070309020205020404" pitchFamily="49" charset="0"/>
+                    <a:cs typeface="Courier New" panose="02070309020205020404" pitchFamily="49" charset="0"/>
+                  </a:rPr>
+                  <a:t>rast</a:t>
+                </a:r>
+                <a:r>
+                  <a:rPr lang="en-NZ" sz="800" dirty="0">
+                    <a:latin typeface="Courier New" panose="02070309020205020404" pitchFamily="49" charset="0"/>
+                    <a:cs typeface="Courier New" panose="02070309020205020404" pitchFamily="49" charset="0"/>
+                  </a:rPr>
+                  <a:t>"),  res=</a:t>
+                </a:r>
+                <a:r>
+                  <a:rPr lang="en-NZ" sz="800" dirty="0" err="1">
+                    <a:latin typeface="Courier New" panose="02070309020205020404" pitchFamily="49" charset="0"/>
+                    <a:cs typeface="Courier New" panose="02070309020205020404" pitchFamily="49" charset="0"/>
+                  </a:rPr>
+                  <a:t>wres</a:t>
+                </a:r>
+                <a:r>
+                  <a:rPr lang="en-NZ" sz="800" dirty="0">
+                    <a:latin typeface="Courier New" panose="02070309020205020404" pitchFamily="49" charset="0"/>
+                    <a:cs typeface="Courier New" panose="02070309020205020404" pitchFamily="49" charset="0"/>
+                  </a:rPr>
+                  <a:t>)</a:t>
+                </a:r>
+              </a:p>
+            </p:txBody>
+          </p:sp>
+          <p:sp>
+            <p:nvSpPr>
+              <p:cNvPr id="29" name="TextBox 28">
+                <a:extLst>
+                  <a:ext uri="{FF2B5EF4-FFF2-40B4-BE49-F238E27FC236}">
+                    <a16:creationId xmlns:a16="http://schemas.microsoft.com/office/drawing/2014/main" id="{A7051B35-4B1D-3C99-6CB8-2EB46266E7DC}"/>
+                  </a:ext>
+                </a:extLst>
+              </p:cNvPr>
+              <p:cNvSpPr txBox="1"/>
+              <p:nvPr/>
+            </p:nvSpPr>
+            <p:spPr>
+              <a:xfrm>
+                <a:off x="7611714" y="4489791"/>
+                <a:ext cx="1236149" cy="222970"/>
+              </a:xfrm>
+              <a:prstGeom prst="rect">
+                <a:avLst/>
+              </a:prstGeom>
+              <a:noFill/>
+            </p:spPr>
+            <p:txBody>
+              <a:bodyPr wrap="square">
+                <a:spAutoFit/>
+              </a:bodyPr>
+              <a:lstStyle/>
+              <a:p>
+                <a:r>
+                  <a:rPr lang="en-NZ" sz="800" dirty="0" err="1">
+                    <a:latin typeface="Courier New" panose="02070309020205020404" pitchFamily="49" charset="0"/>
+                    <a:cs typeface="Courier New" panose="02070309020205020404" pitchFamily="49" charset="0"/>
+                  </a:rPr>
+                  <a:t>wres</a:t>
+                </a:r>
+                <a:r>
+                  <a:rPr lang="en-NZ" sz="800" dirty="0">
+                    <a:latin typeface="Courier New" panose="02070309020205020404" pitchFamily="49" charset="0"/>
+                    <a:cs typeface="Courier New" panose="02070309020205020404" pitchFamily="49" charset="0"/>
+                  </a:rPr>
+                  <a:t> &lt;- '100' </a:t>
+                </a:r>
+              </a:p>
+            </p:txBody>
+          </p:sp>
+          <p:sp>
+            <p:nvSpPr>
+              <p:cNvPr id="32" name="TextBox 31">
+                <a:extLst>
+                  <a:ext uri="{FF2B5EF4-FFF2-40B4-BE49-F238E27FC236}">
+                    <a16:creationId xmlns:a16="http://schemas.microsoft.com/office/drawing/2014/main" id="{3503F80F-E8E9-689A-C981-DDF2E5FE8B4C}"/>
+                  </a:ext>
+                </a:extLst>
+              </p:cNvPr>
+              <p:cNvSpPr txBox="1"/>
+              <p:nvPr/>
+            </p:nvSpPr>
+            <p:spPr>
+              <a:xfrm>
+                <a:off x="4793048" y="4621730"/>
+                <a:ext cx="1703990" cy="261610"/>
+              </a:xfrm>
+              <a:prstGeom prst="rect">
+                <a:avLst/>
+              </a:prstGeom>
+              <a:noFill/>
+            </p:spPr>
+            <p:txBody>
+              <a:bodyPr wrap="square">
+                <a:spAutoFit/>
+              </a:bodyPr>
+              <a:lstStyle/>
+              <a:p>
+                <a:r>
+                  <a:rPr lang="en-NZ" sz="1100" b="0" i="0" dirty="0">
+                    <a:solidFill>
+                      <a:srgbClr val="000000"/>
+                    </a:solidFill>
+                    <a:effectLst/>
+                    <a:highlight>
+                      <a:srgbClr val="FFFFFF"/>
+                    </a:highlight>
+                    <a:latin typeface="Lato" panose="020F0502020204030203" pitchFamily="34" charset="0"/>
+                  </a:rPr>
+                  <a:t>human population</a:t>
+                </a:r>
+                <a:endParaRPr lang="en-NZ" sz="1100" dirty="0"/>
+              </a:p>
+            </p:txBody>
+          </p:sp>
+        </p:grpSp>
+        <p:sp>
+          <p:nvSpPr>
+            <p:cNvPr id="23" name="TextBox 22">
+              <a:extLst>
+                <a:ext uri="{FF2B5EF4-FFF2-40B4-BE49-F238E27FC236}">
+                  <a16:creationId xmlns:a16="http://schemas.microsoft.com/office/drawing/2014/main" id="{0FCB3DBC-915E-9B48-5690-0F97EA698C29}"/>
+                </a:ext>
+              </a:extLst>
+            </p:cNvPr>
+            <p:cNvSpPr txBox="1"/>
+            <p:nvPr/>
+          </p:nvSpPr>
+          <p:spPr>
+            <a:xfrm>
+              <a:off x="7023940" y="6064689"/>
+              <a:ext cx="2926678" cy="369332"/>
+            </a:xfrm>
+            <a:prstGeom prst="rect">
+              <a:avLst/>
+            </a:prstGeom>
+            <a:noFill/>
+          </p:spPr>
+          <p:txBody>
+            <a:bodyPr wrap="square">
+              <a:spAutoFit/>
+            </a:bodyPr>
+            <a:lstStyle/>
+            <a:p>
+              <a:r>
+                <a:rPr lang="en-NZ" sz="900" dirty="0" err="1">
+                  <a:latin typeface="Courier New" panose="02070309020205020404" pitchFamily="49" charset="0"/>
+                  <a:cs typeface="Courier New" panose="02070309020205020404" pitchFamily="49" charset="0"/>
+                </a:rPr>
+                <a:t>execGRASS</a:t>
+              </a:r>
+              <a:r>
+                <a:rPr lang="en-NZ" sz="900" dirty="0">
+                  <a:latin typeface="Courier New" panose="02070309020205020404" pitchFamily="49" charset="0"/>
+                  <a:cs typeface="Courier New" panose="02070309020205020404" pitchFamily="49" charset="0"/>
+                </a:rPr>
+                <a:t>("</a:t>
+              </a:r>
+              <a:r>
+                <a:rPr lang="en-NZ" sz="900" dirty="0" err="1">
+                  <a:latin typeface="Courier New" panose="02070309020205020404" pitchFamily="49" charset="0"/>
+                  <a:cs typeface="Courier New" panose="02070309020205020404" pitchFamily="49" charset="0"/>
+                </a:rPr>
+                <a:t>g.region</a:t>
+              </a:r>
+              <a:r>
+                <a:rPr lang="en-NZ" sz="900" dirty="0">
+                  <a:latin typeface="Courier New" panose="02070309020205020404" pitchFamily="49" charset="0"/>
+                  <a:cs typeface="Courier New" panose="02070309020205020404" pitchFamily="49" charset="0"/>
+                </a:rPr>
+                <a:t>", parameters = list(raster = "pop")</a:t>
+              </a:r>
+            </a:p>
+          </p:txBody>
+        </p:sp>
+      </p:grpSp>
+      <p:sp>
+        <p:nvSpPr>
+          <p:cNvPr id="47" name="Rectangle 46">
+            <a:extLst>
+              <a:ext uri="{FF2B5EF4-FFF2-40B4-BE49-F238E27FC236}">
+                <a16:creationId xmlns:a16="http://schemas.microsoft.com/office/drawing/2014/main" id="{510DBF8B-DDA6-14DD-8CEA-8C64991DD0E7}"/>
+              </a:ext>
+            </a:extLst>
+          </p:cNvPr>
+          <p:cNvSpPr/>
+          <p:nvPr/>
+        </p:nvSpPr>
+        <p:spPr>
+          <a:xfrm>
+            <a:off x="174731" y="1147705"/>
+            <a:ext cx="3266974" cy="3988587"/>
+          </a:xfrm>
+          <a:prstGeom prst="rect">
+            <a:avLst/>
+          </a:prstGeom>
+          <a:noFill/>
+          <a:ln w="38100"/>
+        </p:spPr>
+        <p:style>
+          <a:lnRef idx="1">
+            <a:schemeClr val="accent3"/>
+          </a:lnRef>
+          <a:fillRef idx="2">
+            <a:schemeClr val="accent3"/>
+          </a:fillRef>
+          <a:effectRef idx="1">
+            <a:schemeClr val="accent3"/>
+          </a:effectRef>
+          <a:fontRef idx="minor">
+            <a:schemeClr val="dk1"/>
+          </a:fontRef>
+        </p:style>
+        <p:txBody>
+          <a:bodyPr rtlCol="0" anchor="ctr"/>
+          <a:lstStyle/>
+          <a:p>
+            <a:pPr algn="ctr"/>
+            <a:endParaRPr lang="en-NZ"/>
+          </a:p>
+        </p:txBody>
+      </p:sp>
+      <p:pic>
+        <p:nvPicPr>
+          <p:cNvPr id="49" name="Picture 48">
+            <a:extLst>
+              <a:ext uri="{FF2B5EF4-FFF2-40B4-BE49-F238E27FC236}">
+                <a16:creationId xmlns:a16="http://schemas.microsoft.com/office/drawing/2014/main" id="{60FE49E8-0165-E244-9489-1E62F46E73FB}"/>
+              </a:ext>
+            </a:extLst>
+          </p:cNvPr>
+          <p:cNvPicPr>
+            <a:picLocks noChangeAspect="1"/>
+          </p:cNvPicPr>
+          <p:nvPr/>
+        </p:nvPicPr>
+        <p:blipFill rotWithShape="1">
+          <a:blip r:embed="rId6"/>
+          <a:srcRect l="3470" t="7096" b="7266"/>
+          <a:stretch/>
+        </p:blipFill>
+        <p:spPr>
+          <a:xfrm>
+            <a:off x="10249119" y="2005513"/>
+            <a:ext cx="1306919" cy="1233077"/>
+          </a:xfrm>
+          <a:prstGeom prst="rect">
+            <a:avLst/>
+          </a:prstGeom>
+        </p:spPr>
+      </p:pic>
+      <p:sp>
+        <p:nvSpPr>
+          <p:cNvPr id="50" name="Rectangle 49">
+            <a:extLst>
+              <a:ext uri="{FF2B5EF4-FFF2-40B4-BE49-F238E27FC236}">
+                <a16:creationId xmlns:a16="http://schemas.microsoft.com/office/drawing/2014/main" id="{4C096E4E-3CA3-0F0B-F680-6A16C8C7926A}"/>
+              </a:ext>
+            </a:extLst>
+          </p:cNvPr>
+          <p:cNvSpPr/>
+          <p:nvPr/>
+        </p:nvSpPr>
+        <p:spPr>
+          <a:xfrm>
+            <a:off x="10249119" y="1487132"/>
+            <a:ext cx="1236148" cy="454430"/>
+          </a:xfrm>
+          <a:prstGeom prst="rect">
+            <a:avLst/>
+          </a:prstGeom>
+          <a:solidFill>
+            <a:schemeClr val="accent6">
+              <a:lumMod val="40000"/>
+              <a:lumOff val="60000"/>
+            </a:schemeClr>
+          </a:solidFill>
+          <a:ln>
+            <a:noFill/>
+          </a:ln>
+        </p:spPr>
+        <p:style>
+          <a:lnRef idx="2">
+            <a:schemeClr val="accent1">
+              <a:shade val="15000"/>
+            </a:schemeClr>
+          </a:lnRef>
+          <a:fillRef idx="1">
+            <a:schemeClr val="accent1"/>
+          </a:fillRef>
+          <a:effectRef idx="0">
+            <a:schemeClr val="accent1"/>
+          </a:effectRef>
+          <a:fontRef idx="minor">
+            <a:schemeClr val="lt1"/>
+          </a:fontRef>
+        </p:style>
+        <p:txBody>
+          <a:bodyPr rtlCol="0" anchor="ctr"/>
+          <a:lstStyle/>
+          <a:p>
+            <a:pPr algn="ctr"/>
+            <a:r>
+              <a:rPr lang="pt-BR" sz="1400" dirty="0"/>
+              <a:t>eRIDE</a:t>
+            </a:r>
+          </a:p>
+        </p:txBody>
+      </p:sp>
+      <p:sp>
+        <p:nvSpPr>
+          <p:cNvPr id="51" name="Rectangle 50">
+            <a:extLst>
+              <a:ext uri="{FF2B5EF4-FFF2-40B4-BE49-F238E27FC236}">
+                <a16:creationId xmlns:a16="http://schemas.microsoft.com/office/drawing/2014/main" id="{AB80E548-C463-CC14-2628-B5E347287A37}"/>
+              </a:ext>
+            </a:extLst>
+          </p:cNvPr>
+          <p:cNvSpPr/>
+          <p:nvPr/>
+        </p:nvSpPr>
+        <p:spPr>
+          <a:xfrm>
+            <a:off x="10249119" y="3369037"/>
+            <a:ext cx="1236148" cy="454430"/>
+          </a:xfrm>
+          <a:prstGeom prst="rect">
+            <a:avLst/>
+          </a:prstGeom>
+          <a:solidFill>
+            <a:srgbClr val="F39F91"/>
+          </a:solidFill>
+          <a:ln>
+            <a:noFill/>
+          </a:ln>
+        </p:spPr>
+        <p:style>
+          <a:lnRef idx="2">
+            <a:schemeClr val="accent1">
+              <a:shade val="15000"/>
+            </a:schemeClr>
+          </a:lnRef>
+          <a:fillRef idx="1">
+            <a:schemeClr val="accent1"/>
+          </a:fillRef>
+          <a:effectRef idx="0">
+            <a:schemeClr val="accent1"/>
+          </a:effectRef>
+          <a:fontRef idx="minor">
+            <a:schemeClr val="lt1"/>
+          </a:fontRef>
+        </p:style>
+        <p:txBody>
+          <a:bodyPr rtlCol="0" anchor="ctr"/>
+          <a:lstStyle/>
+          <a:p>
+            <a:pPr algn="ctr"/>
+            <a:r>
+              <a:rPr lang="pt-BR" sz="1400" dirty="0"/>
+              <a:t>PAR</a:t>
+            </a:r>
+          </a:p>
+        </p:txBody>
+      </p:sp>
+      <p:sp>
+        <p:nvSpPr>
+          <p:cNvPr id="52" name="Rectangle 51">
+            <a:extLst>
+              <a:ext uri="{FF2B5EF4-FFF2-40B4-BE49-F238E27FC236}">
+                <a16:creationId xmlns:a16="http://schemas.microsoft.com/office/drawing/2014/main" id="{0A868294-B5BD-BE25-B32A-A08D3489F24B}"/>
+              </a:ext>
+            </a:extLst>
+          </p:cNvPr>
+          <p:cNvSpPr/>
+          <p:nvPr/>
+        </p:nvSpPr>
+        <p:spPr>
+          <a:xfrm>
+            <a:off x="9595018" y="1162532"/>
+            <a:ext cx="2493113" cy="3988587"/>
+          </a:xfrm>
+          <a:prstGeom prst="rect">
+            <a:avLst/>
+          </a:prstGeom>
+          <a:noFill/>
+          <a:ln w="38100"/>
+        </p:spPr>
+        <p:style>
+          <a:lnRef idx="1">
+            <a:schemeClr val="accent3"/>
+          </a:lnRef>
+          <a:fillRef idx="2">
+            <a:schemeClr val="accent3"/>
+          </a:fillRef>
+          <a:effectRef idx="1">
+            <a:schemeClr val="accent3"/>
+          </a:effectRef>
+          <a:fontRef idx="minor">
+            <a:schemeClr val="dk1"/>
+          </a:fontRef>
+        </p:style>
+        <p:txBody>
+          <a:bodyPr rtlCol="0" anchor="ctr"/>
+          <a:lstStyle/>
+          <a:p>
+            <a:pPr algn="ctr"/>
+            <a:endParaRPr lang="en-NZ"/>
+          </a:p>
+        </p:txBody>
+      </p:sp>
+      <p:sp>
+        <p:nvSpPr>
+          <p:cNvPr id="57" name="TextBox 56">
+            <a:extLst>
+              <a:ext uri="{FF2B5EF4-FFF2-40B4-BE49-F238E27FC236}">
+                <a16:creationId xmlns:a16="http://schemas.microsoft.com/office/drawing/2014/main" id="{D3C238D6-D3CD-1ECC-E339-FDFAE21EC38A}"/>
+              </a:ext>
+            </a:extLst>
+          </p:cNvPr>
+          <p:cNvSpPr txBox="1"/>
+          <p:nvPr/>
+        </p:nvSpPr>
+        <p:spPr>
+          <a:xfrm>
+            <a:off x="9738370" y="1196551"/>
+            <a:ext cx="2411430" cy="276999"/>
+          </a:xfrm>
+          <a:prstGeom prst="rect">
+            <a:avLst/>
+          </a:prstGeom>
+          <a:noFill/>
+        </p:spPr>
+        <p:txBody>
+          <a:bodyPr wrap="square">
+            <a:spAutoFit/>
+          </a:bodyPr>
+          <a:lstStyle/>
+          <a:p>
+            <a:r>
+              <a:rPr lang="en-NZ" sz="1200" dirty="0" err="1">
+                <a:latin typeface="Courier New" panose="02070309020205020404" pitchFamily="49" charset="0"/>
+                <a:cs typeface="Courier New" panose="02070309020205020404" pitchFamily="49" charset="0"/>
+              </a:rPr>
+              <a:t>eride_run</a:t>
+            </a:r>
+            <a:r>
+              <a:rPr lang="en-NZ" sz="1200" dirty="0">
+                <a:latin typeface="Courier New" panose="02070309020205020404" pitchFamily="49" charset="0"/>
+                <a:cs typeface="Courier New" panose="02070309020205020404" pitchFamily="49" charset="0"/>
+              </a:rPr>
+              <a:t>("</a:t>
+            </a:r>
+            <a:r>
+              <a:rPr lang="en-NZ" sz="1200" dirty="0" err="1">
+                <a:latin typeface="Courier New" panose="02070309020205020404" pitchFamily="49" charset="0"/>
+                <a:cs typeface="Courier New" panose="02070309020205020404" pitchFamily="49" charset="0"/>
+              </a:rPr>
+              <a:t>rast</a:t>
+            </a:r>
+            <a:r>
+              <a:rPr lang="en-NZ" sz="1200" dirty="0">
+                <a:latin typeface="Courier New" panose="02070309020205020404" pitchFamily="49" charset="0"/>
+                <a:cs typeface="Courier New" panose="02070309020205020404" pitchFamily="49" charset="0"/>
+              </a:rPr>
+              <a:t>", "pop")</a:t>
+            </a:r>
+          </a:p>
+        </p:txBody>
+      </p:sp>
+      <p:pic>
+        <p:nvPicPr>
+          <p:cNvPr id="59" name="Picture 2">
+            <a:extLst>
+              <a:ext uri="{FF2B5EF4-FFF2-40B4-BE49-F238E27FC236}">
+                <a16:creationId xmlns:a16="http://schemas.microsoft.com/office/drawing/2014/main" id="{44C4401D-2DCF-FB30-9956-0D56381FA080}"/>
+              </a:ext>
+            </a:extLst>
+          </p:cNvPr>
+          <p:cNvPicPr>
+            <a:picLocks noChangeAspect="1" noChangeArrowheads="1"/>
+          </p:cNvPicPr>
+          <p:nvPr/>
+        </p:nvPicPr>
+        <p:blipFill rotWithShape="1">
+          <a:blip r:embed="rId7">
+            <a:extLst>
+              <a:ext uri="{28A0092B-C50C-407E-A947-70E740481C1C}">
+                <a14:useLocalDpi xmlns:a14="http://schemas.microsoft.com/office/drawing/2010/main" val="0"/>
+              </a:ext>
+            </a:extLst>
+          </a:blip>
+          <a:srcRect l="48757" t="10495" b="3961"/>
+          <a:stretch/>
+        </p:blipFill>
+        <p:spPr bwMode="auto">
+          <a:xfrm>
+            <a:off x="10426149" y="3904123"/>
+            <a:ext cx="844760" cy="1097338"/>
+          </a:xfrm>
+          <a:prstGeom prst="rect">
+            <a:avLst/>
+          </a:prstGeom>
+          <a:noFill/>
+          <a:extLst>
+            <a:ext uri="{909E8E84-426E-40DD-AFC4-6F175D3DCCD1}">
+              <a14:hiddenFill xmlns:a14="http://schemas.microsoft.com/office/drawing/2010/main">
+                <a:solidFill>
+                  <a:srgbClr val="FFFFFF"/>
+                </a:solidFill>
+              </a14:hiddenFill>
+            </a:ext>
+          </a:extLst>
+        </p:spPr>
+      </p:pic>
+      <p:sp>
+        <p:nvSpPr>
+          <p:cNvPr id="60" name="TextBox 59">
+            <a:extLst>
+              <a:ext uri="{FF2B5EF4-FFF2-40B4-BE49-F238E27FC236}">
+                <a16:creationId xmlns:a16="http://schemas.microsoft.com/office/drawing/2014/main" id="{E53515AC-A3A2-E1D4-2796-3191FC0968AD}"/>
+              </a:ext>
+            </a:extLst>
+          </p:cNvPr>
+          <p:cNvSpPr txBox="1"/>
+          <p:nvPr/>
+        </p:nvSpPr>
+        <p:spPr>
+          <a:xfrm>
+            <a:off x="9838040" y="822357"/>
+            <a:ext cx="2149395" cy="323165"/>
+          </a:xfrm>
+          <a:prstGeom prst="rect">
+            <a:avLst/>
+          </a:prstGeom>
+          <a:noFill/>
+        </p:spPr>
+        <p:txBody>
+          <a:bodyPr wrap="square">
+            <a:spAutoFit/>
+          </a:bodyPr>
+          <a:lstStyle/>
+          <a:p>
+            <a:r>
+              <a:rPr lang="en-NZ" sz="1500" b="0" i="0" dirty="0" err="1">
+                <a:solidFill>
+                  <a:srgbClr val="000000"/>
+                </a:solidFill>
+                <a:effectLst/>
+                <a:highlight>
+                  <a:srgbClr val="FFFFFF"/>
+                </a:highlight>
+                <a:latin typeface="Lato" panose="020F0502020204030203" pitchFamily="34" charset="0"/>
+              </a:rPr>
+              <a:t>eRIDE</a:t>
+            </a:r>
+            <a:r>
+              <a:rPr lang="en-NZ" sz="1500" b="0" i="0" dirty="0">
+                <a:solidFill>
+                  <a:srgbClr val="000000"/>
+                </a:solidFill>
+                <a:effectLst/>
+                <a:highlight>
+                  <a:srgbClr val="FFFFFF"/>
+                </a:highlight>
+                <a:latin typeface="Lato" panose="020F0502020204030203" pitchFamily="34" charset="0"/>
+              </a:rPr>
+              <a:t> source function</a:t>
+            </a:r>
+            <a:endParaRPr lang="en-NZ" sz="1500" dirty="0"/>
+          </a:p>
+        </p:txBody>
+      </p:sp>
+      <p:sp>
+        <p:nvSpPr>
+          <p:cNvPr id="61" name="TextBox 60">
+            <a:extLst>
+              <a:ext uri="{FF2B5EF4-FFF2-40B4-BE49-F238E27FC236}">
+                <a16:creationId xmlns:a16="http://schemas.microsoft.com/office/drawing/2014/main" id="{EEFB2E83-8CF5-156B-5F20-BDBB84BCCCAD}"/>
+              </a:ext>
+            </a:extLst>
+          </p:cNvPr>
+          <p:cNvSpPr txBox="1"/>
+          <p:nvPr/>
+        </p:nvSpPr>
+        <p:spPr>
+          <a:xfrm>
+            <a:off x="5959697" y="781713"/>
+            <a:ext cx="1703990" cy="323165"/>
+          </a:xfrm>
+          <a:prstGeom prst="rect">
+            <a:avLst/>
+          </a:prstGeom>
+          <a:noFill/>
+        </p:spPr>
+        <p:txBody>
+          <a:bodyPr wrap="square">
+            <a:spAutoFit/>
+          </a:bodyPr>
+          <a:lstStyle/>
+          <a:p>
+            <a:r>
+              <a:rPr lang="en-US" sz="1500" dirty="0">
+                <a:solidFill>
+                  <a:srgbClr val="000000"/>
+                </a:solidFill>
+                <a:highlight>
+                  <a:srgbClr val="FFFFFF"/>
+                </a:highlight>
+                <a:latin typeface="Lato" panose="020F0502020204030203" pitchFamily="34" charset="0"/>
+              </a:rPr>
+              <a:t>Region set up</a:t>
+            </a:r>
+            <a:endParaRPr lang="en-NZ" sz="1500" dirty="0"/>
+          </a:p>
+        </p:txBody>
+      </p:sp>
+      <p:sp>
+        <p:nvSpPr>
+          <p:cNvPr id="62" name="TextBox 61">
+            <a:extLst>
+              <a:ext uri="{FF2B5EF4-FFF2-40B4-BE49-F238E27FC236}">
+                <a16:creationId xmlns:a16="http://schemas.microsoft.com/office/drawing/2014/main" id="{C04767D8-702E-9633-6310-DE3B9D604CF1}"/>
+              </a:ext>
+            </a:extLst>
+          </p:cNvPr>
+          <p:cNvSpPr txBox="1"/>
+          <p:nvPr/>
+        </p:nvSpPr>
+        <p:spPr>
+          <a:xfrm>
+            <a:off x="833275" y="815014"/>
+            <a:ext cx="1988764" cy="323165"/>
+          </a:xfrm>
+          <a:prstGeom prst="rect">
+            <a:avLst/>
+          </a:prstGeom>
+          <a:noFill/>
+        </p:spPr>
+        <p:txBody>
+          <a:bodyPr wrap="square">
+            <a:spAutoFit/>
+          </a:bodyPr>
+          <a:lstStyle/>
+          <a:p>
+            <a:r>
+              <a:rPr lang="en-US" sz="1500" dirty="0">
+                <a:solidFill>
+                  <a:srgbClr val="000000"/>
+                </a:solidFill>
+                <a:highlight>
+                  <a:srgbClr val="FFFFFF"/>
+                </a:highlight>
+                <a:latin typeface="Lato" panose="020F0502020204030203" pitchFamily="34" charset="0"/>
+              </a:rPr>
+              <a:t>Environment set up</a:t>
+            </a:r>
+            <a:endParaRPr lang="en-NZ" sz="1500" dirty="0"/>
+          </a:p>
+        </p:txBody>
+      </p:sp>
+    </p:spTree>
+    <p:extLst>
+      <p:ext uri="{BB962C8B-B14F-4D97-AF65-F5344CB8AC3E}">
+        <p14:creationId xmlns:p14="http://schemas.microsoft.com/office/powerpoint/2010/main" val="3108474657"/>
+      </p:ext>
+    </p:extLst>
+  </p:cSld>
+  <p:clrMapOvr>
+    <a:masterClrMapping/>
+  </p:clrMapOvr>
+</p:sld>
+</file>
+
+<file path=ppt/slides/slide4.xml><?xml version="1.0" encoding="utf-8"?>
+<p:sld xmlns:a="http://schemas.openxmlformats.org/drawingml/2006/main" xmlns:r="http://schemas.openxmlformats.org/officeDocument/2006/relationships" xmlns:p="http://schemas.openxmlformats.org/presentationml/2006/main">
+  <p:cSld>
+    <p:spTree>
+      <p:nvGrpSpPr>
+        <p:cNvPr id="1" name=""/>
+        <p:cNvGrpSpPr/>
+        <p:nvPr/>
+      </p:nvGrpSpPr>
+      <p:grpSpPr>
+        <a:xfrm>
+          <a:off x="0" y="0"/>
+          <a:ext cx="0" cy="0"/>
+          <a:chOff x="0" y="0"/>
+          <a:chExt cx="0" cy="0"/>
+        </a:xfrm>
+      </p:grpSpPr>
+      <p:sp>
+        <p:nvSpPr>
+          <p:cNvPr id="4" name="Rectangle 3">
+            <a:extLst>
+              <a:ext uri="{FF2B5EF4-FFF2-40B4-BE49-F238E27FC236}">
+                <a16:creationId xmlns:a16="http://schemas.microsoft.com/office/drawing/2014/main" id="{A212EE9D-7691-5898-51D9-6B9CE992FE17}"/>
+              </a:ext>
+            </a:extLst>
+          </p:cNvPr>
+          <p:cNvSpPr/>
+          <p:nvPr/>
+        </p:nvSpPr>
+        <p:spPr>
+          <a:xfrm>
+            <a:off x="3238896" y="1917496"/>
+            <a:ext cx="1236148" cy="454430"/>
+          </a:xfrm>
+          <a:prstGeom prst="rect">
+            <a:avLst/>
+          </a:prstGeom>
+          <a:solidFill>
+            <a:srgbClr val="CF95EF"/>
+          </a:solidFill>
+          <a:ln>
+            <a:noFill/>
+          </a:ln>
+        </p:spPr>
+        <p:style>
+          <a:lnRef idx="2">
+            <a:schemeClr val="accent1">
+              <a:shade val="15000"/>
+            </a:schemeClr>
+          </a:lnRef>
+          <a:fillRef idx="1">
+            <a:schemeClr val="accent1"/>
+          </a:fillRef>
+          <a:effectRef idx="0">
+            <a:schemeClr val="accent1"/>
+          </a:effectRef>
+          <a:fontRef idx="minor">
+            <a:schemeClr val="lt1"/>
+          </a:fontRef>
+        </p:style>
+        <p:txBody>
+          <a:bodyPr rtlCol="0" anchor="ctr"/>
+          <a:lstStyle/>
+          <a:p>
+            <a:pPr algn="ctr"/>
+            <a:r>
+              <a:rPr lang="pt-BR" sz="1400" dirty="0"/>
+              <a:t>Pandemic risk</a:t>
+            </a:r>
+          </a:p>
+        </p:txBody>
+      </p:sp>
+      <p:sp>
+        <p:nvSpPr>
+          <p:cNvPr id="5" name="Rectangle 4">
+            <a:extLst>
+              <a:ext uri="{FF2B5EF4-FFF2-40B4-BE49-F238E27FC236}">
+                <a16:creationId xmlns:a16="http://schemas.microsoft.com/office/drawing/2014/main" id="{A3AC8DB0-58B6-177F-D8EE-51A73198EB68}"/>
+              </a:ext>
+            </a:extLst>
+          </p:cNvPr>
+          <p:cNvSpPr/>
+          <p:nvPr/>
+        </p:nvSpPr>
+        <p:spPr>
+          <a:xfrm>
+            <a:off x="2684740" y="1589391"/>
+            <a:ext cx="2344460" cy="2320137"/>
+          </a:xfrm>
+          <a:prstGeom prst="rect">
+            <a:avLst/>
+          </a:prstGeom>
+          <a:noFill/>
+          <a:ln w="38100"/>
+        </p:spPr>
+        <p:style>
+          <a:lnRef idx="1">
+            <a:schemeClr val="accent3"/>
+          </a:lnRef>
+          <a:fillRef idx="2">
+            <a:schemeClr val="accent3"/>
+          </a:fillRef>
+          <a:effectRef idx="1">
+            <a:schemeClr val="accent3"/>
+          </a:effectRef>
+          <a:fontRef idx="minor">
+            <a:schemeClr val="dk1"/>
+          </a:fontRef>
+        </p:style>
+        <p:txBody>
+          <a:bodyPr rtlCol="0" anchor="ctr"/>
+          <a:lstStyle/>
+          <a:p>
+            <a:pPr algn="ctr"/>
+            <a:endParaRPr lang="en-NZ"/>
+          </a:p>
+        </p:txBody>
+      </p:sp>
+      <p:sp>
+        <p:nvSpPr>
+          <p:cNvPr id="6" name="TextBox 5">
+            <a:extLst>
+              <a:ext uri="{FF2B5EF4-FFF2-40B4-BE49-F238E27FC236}">
+                <a16:creationId xmlns:a16="http://schemas.microsoft.com/office/drawing/2014/main" id="{2581CC8F-2D3A-F064-36C6-42276DFFCD37}"/>
+              </a:ext>
+            </a:extLst>
+          </p:cNvPr>
+          <p:cNvSpPr txBox="1"/>
+          <p:nvPr/>
+        </p:nvSpPr>
+        <p:spPr>
+          <a:xfrm>
+            <a:off x="3042218" y="1624302"/>
+            <a:ext cx="7040880" cy="276999"/>
+          </a:xfrm>
+          <a:prstGeom prst="rect">
+            <a:avLst/>
+          </a:prstGeom>
+          <a:noFill/>
+        </p:spPr>
+        <p:txBody>
+          <a:bodyPr wrap="square">
+            <a:spAutoFit/>
+          </a:bodyPr>
+          <a:lstStyle/>
+          <a:p>
+            <a:r>
+              <a:rPr lang="en-NZ" sz="1200" dirty="0" err="1">
+                <a:latin typeface="Courier New" panose="02070309020205020404" pitchFamily="49" charset="0"/>
+                <a:cs typeface="Courier New" panose="02070309020205020404" pitchFamily="49" charset="0"/>
+              </a:rPr>
+              <a:t>gravity_run</a:t>
+            </a:r>
+            <a:r>
+              <a:rPr lang="en-NZ" sz="1200" dirty="0">
+                <a:latin typeface="Courier New" panose="02070309020205020404" pitchFamily="49" charset="0"/>
+                <a:cs typeface="Courier New" panose="02070309020205020404" pitchFamily="49" charset="0"/>
+              </a:rPr>
+              <a:t>(“PAR")</a:t>
+            </a:r>
+          </a:p>
+        </p:txBody>
+      </p:sp>
+      <p:sp>
+        <p:nvSpPr>
+          <p:cNvPr id="7" name="Rectangle 6">
+            <a:extLst>
+              <a:ext uri="{FF2B5EF4-FFF2-40B4-BE49-F238E27FC236}">
+                <a16:creationId xmlns:a16="http://schemas.microsoft.com/office/drawing/2014/main" id="{91C91A54-B30C-D7D7-305B-1B00228A3062}"/>
+              </a:ext>
+            </a:extLst>
+          </p:cNvPr>
+          <p:cNvSpPr/>
+          <p:nvPr/>
+        </p:nvSpPr>
+        <p:spPr>
+          <a:xfrm>
+            <a:off x="668756" y="1942462"/>
+            <a:ext cx="1236148" cy="454430"/>
+          </a:xfrm>
+          <a:prstGeom prst="rect">
+            <a:avLst/>
+          </a:prstGeom>
+          <a:solidFill>
+            <a:srgbClr val="F39F91"/>
+          </a:solidFill>
+          <a:ln>
+            <a:noFill/>
+          </a:ln>
+        </p:spPr>
+        <p:style>
+          <a:lnRef idx="2">
+            <a:schemeClr val="accent1">
+              <a:shade val="15000"/>
+            </a:schemeClr>
+          </a:lnRef>
+          <a:fillRef idx="1">
+            <a:schemeClr val="accent1"/>
+          </a:fillRef>
+          <a:effectRef idx="0">
+            <a:schemeClr val="accent1"/>
+          </a:effectRef>
+          <a:fontRef idx="minor">
+            <a:schemeClr val="lt1"/>
+          </a:fontRef>
+        </p:style>
+        <p:txBody>
+          <a:bodyPr rtlCol="0" anchor="ctr"/>
+          <a:lstStyle/>
+          <a:p>
+            <a:pPr algn="ctr"/>
+            <a:r>
+              <a:rPr lang="pt-BR" sz="1400" dirty="0"/>
+              <a:t>PAR</a:t>
+            </a:r>
+          </a:p>
+        </p:txBody>
+      </p:sp>
+      <p:sp>
+        <p:nvSpPr>
+          <p:cNvPr id="8" name="Rectangle 7">
+            <a:extLst>
+              <a:ext uri="{FF2B5EF4-FFF2-40B4-BE49-F238E27FC236}">
+                <a16:creationId xmlns:a16="http://schemas.microsoft.com/office/drawing/2014/main" id="{1D0B13BB-4ECC-AC06-CBB0-3771230EDE36}"/>
+              </a:ext>
+            </a:extLst>
+          </p:cNvPr>
+          <p:cNvSpPr/>
+          <p:nvPr/>
+        </p:nvSpPr>
+        <p:spPr>
+          <a:xfrm>
+            <a:off x="114600" y="1589391"/>
+            <a:ext cx="2344460" cy="2320137"/>
+          </a:xfrm>
+          <a:prstGeom prst="rect">
+            <a:avLst/>
+          </a:prstGeom>
+          <a:noFill/>
+          <a:ln w="38100"/>
+        </p:spPr>
+        <p:style>
+          <a:lnRef idx="1">
+            <a:schemeClr val="accent3"/>
+          </a:lnRef>
+          <a:fillRef idx="2">
+            <a:schemeClr val="accent3"/>
+          </a:fillRef>
+          <a:effectRef idx="1">
+            <a:schemeClr val="accent3"/>
+          </a:effectRef>
+          <a:fontRef idx="minor">
+            <a:schemeClr val="dk1"/>
+          </a:fontRef>
+        </p:style>
+        <p:txBody>
+          <a:bodyPr rtlCol="0" anchor="ctr"/>
+          <a:lstStyle/>
+          <a:p>
+            <a:pPr algn="ctr"/>
+            <a:endParaRPr lang="en-NZ"/>
+          </a:p>
+        </p:txBody>
+      </p:sp>
+      <p:sp>
+        <p:nvSpPr>
+          <p:cNvPr id="9" name="TextBox 8">
+            <a:extLst>
+              <a:ext uri="{FF2B5EF4-FFF2-40B4-BE49-F238E27FC236}">
+                <a16:creationId xmlns:a16="http://schemas.microsoft.com/office/drawing/2014/main" id="{C593CB59-52B7-3B67-2AD6-9B9CDEA57E71}"/>
+              </a:ext>
+            </a:extLst>
+          </p:cNvPr>
+          <p:cNvSpPr txBox="1"/>
+          <p:nvPr/>
+        </p:nvSpPr>
+        <p:spPr>
+          <a:xfrm>
+            <a:off x="6012188" y="2426294"/>
+            <a:ext cx="1988764" cy="323165"/>
+          </a:xfrm>
+          <a:prstGeom prst="rect">
+            <a:avLst/>
+          </a:prstGeom>
+          <a:noFill/>
+        </p:spPr>
+        <p:txBody>
+          <a:bodyPr wrap="square">
+            <a:spAutoFit/>
+          </a:bodyPr>
+          <a:lstStyle/>
+          <a:p>
+            <a:r>
+              <a:rPr lang="en-US" sz="1500" dirty="0">
+                <a:solidFill>
+                  <a:srgbClr val="000000"/>
+                </a:solidFill>
+                <a:highlight>
+                  <a:srgbClr val="FFFFFF"/>
+                </a:highlight>
+                <a:latin typeface="Lato" panose="020F0502020204030203" pitchFamily="34" charset="0"/>
+              </a:rPr>
+              <a:t>Zones</a:t>
+            </a:r>
+            <a:endParaRPr lang="en-NZ" sz="1500" dirty="0"/>
+          </a:p>
+        </p:txBody>
+      </p:sp>
+      <p:sp>
+        <p:nvSpPr>
+          <p:cNvPr id="11" name="Rectangle 10">
+            <a:extLst>
+              <a:ext uri="{FF2B5EF4-FFF2-40B4-BE49-F238E27FC236}">
+                <a16:creationId xmlns:a16="http://schemas.microsoft.com/office/drawing/2014/main" id="{35ED92CE-7F1C-E3C3-A59B-061B04478395}"/>
+              </a:ext>
+            </a:extLst>
+          </p:cNvPr>
+          <p:cNvSpPr/>
+          <p:nvPr/>
+        </p:nvSpPr>
+        <p:spPr>
+          <a:xfrm>
+            <a:off x="5254882" y="1583763"/>
+            <a:ext cx="2344460" cy="2320137"/>
+          </a:xfrm>
+          <a:prstGeom prst="rect">
+            <a:avLst/>
+          </a:prstGeom>
+          <a:noFill/>
+          <a:ln w="38100"/>
+        </p:spPr>
+        <p:style>
+          <a:lnRef idx="1">
+            <a:schemeClr val="accent3"/>
+          </a:lnRef>
+          <a:fillRef idx="2">
+            <a:schemeClr val="accent3"/>
+          </a:fillRef>
+          <a:effectRef idx="1">
+            <a:schemeClr val="accent3"/>
+          </a:effectRef>
+          <a:fontRef idx="minor">
+            <a:schemeClr val="dk1"/>
+          </a:fontRef>
+        </p:style>
+        <p:txBody>
+          <a:bodyPr rtlCol="0" anchor="ctr"/>
+          <a:lstStyle/>
+          <a:p>
+            <a:pPr algn="ctr"/>
+            <a:endParaRPr lang="en-NZ"/>
+          </a:p>
+        </p:txBody>
+      </p:sp>
+      <p:sp>
+        <p:nvSpPr>
+          <p:cNvPr id="13" name="TextBox 12">
+            <a:extLst>
+              <a:ext uri="{FF2B5EF4-FFF2-40B4-BE49-F238E27FC236}">
+                <a16:creationId xmlns:a16="http://schemas.microsoft.com/office/drawing/2014/main" id="{9D42335C-1CFD-BFAE-F415-65B717FC0285}"/>
+              </a:ext>
+            </a:extLst>
+          </p:cNvPr>
+          <p:cNvSpPr txBox="1"/>
+          <p:nvPr/>
+        </p:nvSpPr>
+        <p:spPr>
+          <a:xfrm>
+            <a:off x="3273682" y="4891316"/>
+            <a:ext cx="6096000" cy="1200329"/>
+          </a:xfrm>
+          <a:prstGeom prst="rect">
+            <a:avLst/>
+          </a:prstGeom>
+          <a:noFill/>
+        </p:spPr>
+        <p:txBody>
+          <a:bodyPr wrap="square">
+            <a:spAutoFit/>
+          </a:bodyPr>
+          <a:lstStyle/>
+          <a:p>
+            <a:r>
+              <a:rPr lang="en-NZ" dirty="0"/>
+              <a:t>Received pandemic risk is calculated for each country, and stacked bars indicate the relative contributions to risk from each country. Inset, increased magnification of the risk associated at the tail end of the graph.</a:t>
+            </a:r>
+          </a:p>
+        </p:txBody>
+      </p:sp>
+      <p:sp>
+        <p:nvSpPr>
+          <p:cNvPr id="15" name="TextBox 14">
+            <a:extLst>
+              <a:ext uri="{FF2B5EF4-FFF2-40B4-BE49-F238E27FC236}">
+                <a16:creationId xmlns:a16="http://schemas.microsoft.com/office/drawing/2014/main" id="{BE57A170-5DC0-3C4D-D3AB-A6BB89A26F62}"/>
+              </a:ext>
+            </a:extLst>
+          </p:cNvPr>
+          <p:cNvSpPr txBox="1"/>
+          <p:nvPr/>
+        </p:nvSpPr>
+        <p:spPr>
+          <a:xfrm>
+            <a:off x="7487920" y="2155356"/>
+            <a:ext cx="3378152" cy="1200329"/>
+          </a:xfrm>
+          <a:prstGeom prst="rect">
+            <a:avLst/>
+          </a:prstGeom>
+          <a:noFill/>
+        </p:spPr>
+        <p:txBody>
+          <a:bodyPr wrap="square">
+            <a:spAutoFit/>
+          </a:bodyPr>
+          <a:lstStyle/>
+          <a:p>
+            <a:pPr algn="ctr"/>
+            <a:r>
+              <a:rPr lang="en-NZ" dirty="0"/>
+              <a:t>Relative received pandemic risk </a:t>
+            </a:r>
+          </a:p>
+          <a:p>
+            <a:pPr algn="ctr"/>
+            <a:r>
+              <a:rPr lang="en-NZ" dirty="0"/>
+              <a:t>for each zone</a:t>
+            </a:r>
+          </a:p>
+          <a:p>
+            <a:pPr algn="ctr"/>
+            <a:endParaRPr lang="en-NZ" dirty="0"/>
+          </a:p>
+          <a:p>
+            <a:pPr algn="ctr"/>
+            <a:r>
+              <a:rPr lang="en-NZ" dirty="0"/>
+              <a:t>% Contribution from zones</a:t>
+            </a:r>
+          </a:p>
+        </p:txBody>
+      </p:sp>
+    </p:spTree>
+    <p:extLst>
+      <p:ext uri="{BB962C8B-B14F-4D97-AF65-F5344CB8AC3E}">
+        <p14:creationId xmlns:p14="http://schemas.microsoft.com/office/powerpoint/2010/main" val="815934069"/>
+      </p:ext>
+    </p:extLst>
+  </p:cSld>
+  <p:clrMapOvr>
+    <a:masterClrMapping/>
+  </p:clrMapOvr>
+</p:sld>
+</file>
+
+<file path=ppt/slides/slide5.xml><?xml version="1.0" encoding="utf-8"?>
+<p:sld xmlns:a="http://schemas.openxmlformats.org/drawingml/2006/main" xmlns:r="http://schemas.openxmlformats.org/officeDocument/2006/relationships" xmlns:p="http://schemas.openxmlformats.org/presentationml/2006/main">
+  <p:cSld>
+    <p:spTree>
+      <p:nvGrpSpPr>
+        <p:cNvPr id="1" name=""/>
+        <p:cNvGrpSpPr/>
+        <p:nvPr/>
+      </p:nvGrpSpPr>
+      <p:grpSpPr>
+        <a:xfrm>
+          <a:off x="0" y="0"/>
+          <a:ext cx="0" cy="0"/>
+          <a:chOff x="0" y="0"/>
+          <a:chExt cx="0" cy="0"/>
+        </a:xfrm>
+      </p:grpSpPr>
+      <p:pic>
+        <p:nvPicPr>
+          <p:cNvPr id="2" name="Picture 1">
+            <a:extLst>
+              <a:ext uri="{FF2B5EF4-FFF2-40B4-BE49-F238E27FC236}">
+                <a16:creationId xmlns:a16="http://schemas.microsoft.com/office/drawing/2014/main" id="{447C1FB5-D1F8-5FC3-4255-FECE262E85C0}"/>
+              </a:ext>
+            </a:extLst>
+          </p:cNvPr>
+          <p:cNvPicPr>
+            <a:picLocks noChangeAspect="1"/>
+          </p:cNvPicPr>
+          <p:nvPr/>
+        </p:nvPicPr>
+        <p:blipFill>
+          <a:blip r:embed="rId3"/>
+          <a:stretch>
+            <a:fillRect/>
+          </a:stretch>
+        </p:blipFill>
+        <p:spPr>
+          <a:xfrm>
+            <a:off x="1219200" y="757237"/>
+            <a:ext cx="9753600" cy="5343525"/>
+          </a:xfrm>
+          <a:prstGeom prst="rect">
+            <a:avLst/>
+          </a:prstGeom>
+        </p:spPr>
+      </p:pic>
+    </p:spTree>
+    <p:extLst>
+      <p:ext uri="{BB962C8B-B14F-4D97-AF65-F5344CB8AC3E}">
+        <p14:creationId xmlns:p14="http://schemas.microsoft.com/office/powerpoint/2010/main" val="1287092859"/>
+      </p:ext>
+    </p:extLst>
+  </p:cSld>
+  <p:clrMapOvr>
+    <a:masterClrMapping/>
+  </p:clrMapOvr>
+</p:sld>
+</file>
+
+<file path=ppt/slides/slide6.xml><?xml version="1.0" encoding="utf-8"?>
+<p:sld xmlns:a="http://schemas.openxmlformats.org/drawingml/2006/main" xmlns:r="http://schemas.openxmlformats.org/officeDocument/2006/relationships" xmlns:p="http://schemas.openxmlformats.org/presentationml/2006/main">
+  <p:cSld>
+    <p:spTree>
+      <p:nvGrpSpPr>
+        <p:cNvPr id="1" name=""/>
+        <p:cNvGrpSpPr/>
+        <p:nvPr/>
+      </p:nvGrpSpPr>
+      <p:grpSpPr>
+        <a:xfrm>
+          <a:off x="0" y="0"/>
+          <a:ext cx="0" cy="0"/>
+          <a:chOff x="0" y="0"/>
+          <a:chExt cx="0" cy="0"/>
+        </a:xfrm>
+      </p:grpSpPr>
+      <p:pic>
+        <p:nvPicPr>
+          <p:cNvPr id="3" name="Picture 2">
+            <a:extLst>
+              <a:ext uri="{FF2B5EF4-FFF2-40B4-BE49-F238E27FC236}">
+                <a16:creationId xmlns:a16="http://schemas.microsoft.com/office/drawing/2014/main" id="{5A7E6525-F9C4-E809-4CA9-178A77570859}"/>
+              </a:ext>
+            </a:extLst>
+          </p:cNvPr>
+          <p:cNvPicPr>
+            <a:picLocks noChangeAspect="1"/>
+          </p:cNvPicPr>
+          <p:nvPr/>
+        </p:nvPicPr>
+        <p:blipFill rotWithShape="1">
+          <a:blip r:embed="rId2"/>
+          <a:srcRect l="23334" t="14963" r="41916" b="23556"/>
+          <a:stretch/>
+        </p:blipFill>
+        <p:spPr>
+          <a:xfrm>
+            <a:off x="2987040" y="504905"/>
+            <a:ext cx="6055360" cy="6026317"/>
+          </a:xfrm>
+          <a:prstGeom prst="rect">
+            <a:avLst/>
+          </a:prstGeom>
+        </p:spPr>
+      </p:pic>
+    </p:spTree>
+    <p:extLst>
+      <p:ext uri="{BB962C8B-B14F-4D97-AF65-F5344CB8AC3E}">
+        <p14:creationId xmlns:p14="http://schemas.microsoft.com/office/powerpoint/2010/main" val="4249826841"/>
+      </p:ext>
+    </p:extLst>
+  </p:cSld>
+  <p:clrMapOvr>
+    <a:masterClrMapping/>
+  </p:clrMapOvr>
+</p:sld>
+</file>
+
+<file path=ppt/slides/slide7.xml><?xml version="1.0" encoding="utf-8"?>
+<p:sld xmlns:a="http://schemas.openxmlformats.org/drawingml/2006/main" xmlns:r="http://schemas.openxmlformats.org/officeDocument/2006/relationships" xmlns:p="http://schemas.openxmlformats.org/presentationml/2006/main">
+  <p:cSld>
+    <p:spTree>
+      <p:nvGrpSpPr>
+        <p:cNvPr id="1" name=""/>
+        <p:cNvGrpSpPr/>
+        <p:nvPr/>
+      </p:nvGrpSpPr>
+      <p:grpSpPr>
+        <a:xfrm>
+          <a:off x="0" y="0"/>
+          <a:ext cx="0" cy="0"/>
+          <a:chOff x="0" y="0"/>
+          <a:chExt cx="0" cy="0"/>
+        </a:xfrm>
+      </p:grpSpPr>
       <p:sp>
         <p:nvSpPr>
           <p:cNvPr id="2" name="Title 1">
@@ -5455,6 +9379,53 @@
           </a:p>
         </p:txBody>
       </p:sp>
+      <p:pic>
+        <p:nvPicPr>
+          <p:cNvPr id="2050" name="Picture 2">
+            <a:extLst>
+              <a:ext uri="{FF2B5EF4-FFF2-40B4-BE49-F238E27FC236}">
+                <a16:creationId xmlns:a16="http://schemas.microsoft.com/office/drawing/2014/main" id="{0379D601-7371-4F0A-D78A-48DE0BC87055}"/>
+              </a:ext>
+            </a:extLst>
+          </p:cNvPr>
+          <p:cNvPicPr>
+            <a:picLocks noChangeAspect="1" noChangeArrowheads="1"/>
+          </p:cNvPicPr>
+          <p:nvPr/>
+        </p:nvPicPr>
+        <p:blipFill>
+          <a:blip r:embed="rId2">
+            <a:extLst>
+              <a:ext uri="{28A0092B-C50C-407E-A947-70E740481C1C}">
+                <a14:useLocalDpi xmlns:a14="http://schemas.microsoft.com/office/drawing/2010/main" val="0"/>
+              </a:ext>
+            </a:extLst>
+          </a:blip>
+          <a:srcRect/>
+          <a:stretch>
+            <a:fillRect/>
+          </a:stretch>
+        </p:blipFill>
+        <p:spPr bwMode="auto">
+          <a:xfrm>
+            <a:off x="3664269" y="3106754"/>
+            <a:ext cx="3945572" cy="3070209"/>
+          </a:xfrm>
+          <a:prstGeom prst="rect">
+            <a:avLst/>
+          </a:prstGeom>
+          <a:noFill/>
+          <a:extLst>
+            <a:ext uri="{909E8E84-426E-40DD-AFC4-6F175D3DCCD1}">
+              <a14:hiddenFill xmlns:a14="http://schemas.microsoft.com/office/drawing/2010/main">
+                <a:solidFill>
+                  <a:srgbClr val="FFFFFF"/>
+                </a:solidFill>
+              </a14:hiddenFill>
+            </a:ext>
+          </a:extLst>
+        </p:spPr>
+      </p:pic>
     </p:spTree>
     <p:extLst>
       <p:ext uri="{BB962C8B-B14F-4D97-AF65-F5344CB8AC3E}">
@@ -5468,7 +9439,7 @@
 </p:sld>
 </file>
 
-<file path=ppt/slides/slide3.xml><?xml version="1.0" encoding="utf-8"?>
+<file path=ppt/slides/slide8.xml><?xml version="1.0" encoding="utf-8"?>
 <p:sld xmlns:a="http://schemas.openxmlformats.org/drawingml/2006/main" xmlns:r="http://schemas.openxmlformats.org/officeDocument/2006/relationships" xmlns:p="http://schemas.openxmlformats.org/presentationml/2006/main">
   <p:cSld>
     <p:spTree>
@@ -5984,7 +9955,7 @@
 </p:sld>
 </file>
 
-<file path=ppt/slides/slide4.xml><?xml version="1.0" encoding="utf-8"?>
+<file path=ppt/slides/slide9.xml><?xml version="1.0" encoding="utf-8"?>
 <p:sld xmlns:a="http://schemas.openxmlformats.org/drawingml/2006/main" xmlns:r="http://schemas.openxmlformats.org/officeDocument/2006/relationships" xmlns:p="http://schemas.openxmlformats.org/presentationml/2006/main">
   <p:cSld>
     <p:spTree>
@@ -6105,271 +10076,6 @@
     <p:extLst>
       <p:ext uri="{BB962C8B-B14F-4D97-AF65-F5344CB8AC3E}">
         <p14:creationId xmlns:p14="http://schemas.microsoft.com/office/powerpoint/2010/main" val="1566622904"/>
-      </p:ext>
-    </p:extLst>
-  </p:cSld>
-  <p:clrMapOvr>
-    <a:masterClrMapping/>
-  </p:clrMapOvr>
-</p:sld>
-</file>
-
-<file path=ppt/slides/slide5.xml><?xml version="1.0" encoding="utf-8"?>
-<p:sld xmlns:a="http://schemas.openxmlformats.org/drawingml/2006/main" xmlns:r="http://schemas.openxmlformats.org/officeDocument/2006/relationships" xmlns:p="http://schemas.openxmlformats.org/presentationml/2006/main">
-  <p:cSld>
-    <p:spTree>
-      <p:nvGrpSpPr>
-        <p:cNvPr id="1" name=""/>
-        <p:cNvGrpSpPr/>
-        <p:nvPr/>
-      </p:nvGrpSpPr>
-      <p:grpSpPr>
-        <a:xfrm>
-          <a:off x="0" y="0"/>
-          <a:ext cx="0" cy="0"/>
-          <a:chOff x="0" y="0"/>
-          <a:chExt cx="0" cy="0"/>
-        </a:xfrm>
-      </p:grpSpPr>
-      <p:sp>
-        <p:nvSpPr>
-          <p:cNvPr id="2" name="Title 1">
-            <a:extLst>
-              <a:ext uri="{FF2B5EF4-FFF2-40B4-BE49-F238E27FC236}">
-                <a16:creationId xmlns:a16="http://schemas.microsoft.com/office/drawing/2014/main" id="{087E6D07-6F83-C886-78D3-D105E1D26241}"/>
-              </a:ext>
-            </a:extLst>
-          </p:cNvPr>
-          <p:cNvSpPr>
-            <a:spLocks noGrp="1"/>
-          </p:cNvSpPr>
-          <p:nvPr>
-            <p:ph type="title"/>
-          </p:nvPr>
-        </p:nvSpPr>
-        <p:spPr/>
-        <p:txBody>
-          <a:bodyPr/>
-          <a:lstStyle/>
-          <a:p>
-            <a:r>
-              <a:rPr lang="pt-BR" dirty="0"/>
-              <a:t>Working!</a:t>
-            </a:r>
-            <a:endParaRPr lang="en-NZ" dirty="0"/>
-          </a:p>
-        </p:txBody>
-      </p:sp>
-      <p:pic>
-        <p:nvPicPr>
-          <p:cNvPr id="5" name="Picture 4">
-            <a:extLst>
-              <a:ext uri="{FF2B5EF4-FFF2-40B4-BE49-F238E27FC236}">
-                <a16:creationId xmlns:a16="http://schemas.microsoft.com/office/drawing/2014/main" id="{DC890604-FFF9-57EC-68BB-52C58F545E92}"/>
-              </a:ext>
-            </a:extLst>
-          </p:cNvPr>
-          <p:cNvPicPr>
-            <a:picLocks noChangeAspect="1"/>
-          </p:cNvPicPr>
-          <p:nvPr/>
-        </p:nvPicPr>
-        <p:blipFill>
-          <a:blip r:embed="rId2"/>
-          <a:stretch>
-            <a:fillRect/>
-          </a:stretch>
-        </p:blipFill>
-        <p:spPr>
-          <a:xfrm>
-            <a:off x="4885301" y="63062"/>
-            <a:ext cx="6468499" cy="6858000"/>
-          </a:xfrm>
-          <a:prstGeom prst="rect">
-            <a:avLst/>
-          </a:prstGeom>
-        </p:spPr>
-      </p:pic>
-      <p:sp>
-        <p:nvSpPr>
-          <p:cNvPr id="9" name="Content Placeholder 8">
-            <a:extLst>
-              <a:ext uri="{FF2B5EF4-FFF2-40B4-BE49-F238E27FC236}">
-                <a16:creationId xmlns:a16="http://schemas.microsoft.com/office/drawing/2014/main" id="{2C101137-9BAE-D05B-AC80-8733E88141B1}"/>
-              </a:ext>
-            </a:extLst>
-          </p:cNvPr>
-          <p:cNvSpPr>
-            <a:spLocks noGrp="1"/>
-          </p:cNvSpPr>
-          <p:nvPr>
-            <p:ph idx="1"/>
-          </p:nvPr>
-        </p:nvSpPr>
-        <p:spPr/>
-        <p:txBody>
-          <a:bodyPr/>
-          <a:lstStyle/>
-          <a:p>
-            <a:pPr marL="0" indent="0">
-              <a:buNone/>
-            </a:pPr>
-            <a:r>
-              <a:rPr lang="pt-BR" dirty="0"/>
-              <a:t>But...</a:t>
-            </a:r>
-            <a:endParaRPr lang="en-NZ" dirty="0"/>
-          </a:p>
-        </p:txBody>
-      </p:sp>
-      <p:pic>
-        <p:nvPicPr>
-          <p:cNvPr id="10" name="Picture 9">
-            <a:extLst>
-              <a:ext uri="{FF2B5EF4-FFF2-40B4-BE49-F238E27FC236}">
-                <a16:creationId xmlns:a16="http://schemas.microsoft.com/office/drawing/2014/main" id="{CAE45BA8-DF40-A744-D967-08E610593D3F}"/>
-              </a:ext>
-            </a:extLst>
-          </p:cNvPr>
-          <p:cNvPicPr>
-            <a:picLocks noChangeAspect="1"/>
-          </p:cNvPicPr>
-          <p:nvPr/>
-        </p:nvPicPr>
-        <p:blipFill>
-          <a:blip r:embed="rId3"/>
-          <a:stretch>
-            <a:fillRect/>
-          </a:stretch>
-        </p:blipFill>
-        <p:spPr>
-          <a:xfrm>
-            <a:off x="3216799" y="355655"/>
-            <a:ext cx="1371610" cy="1402502"/>
-          </a:xfrm>
-          <a:prstGeom prst="rect">
-            <a:avLst/>
-          </a:prstGeom>
-        </p:spPr>
-      </p:pic>
-    </p:spTree>
-    <p:extLst>
-      <p:ext uri="{BB962C8B-B14F-4D97-AF65-F5344CB8AC3E}">
-        <p14:creationId xmlns:p14="http://schemas.microsoft.com/office/powerpoint/2010/main" val="3687347528"/>
-      </p:ext>
-    </p:extLst>
-  </p:cSld>
-  <p:clrMapOvr>
-    <a:masterClrMapping/>
-  </p:clrMapOvr>
-</p:sld>
-</file>
-
-<file path=ppt/slides/slide6.xml><?xml version="1.0" encoding="utf-8"?>
-<p:sld xmlns:a="http://schemas.openxmlformats.org/drawingml/2006/main" xmlns:r="http://schemas.openxmlformats.org/officeDocument/2006/relationships" xmlns:p="http://schemas.openxmlformats.org/presentationml/2006/main">
-  <p:cSld>
-    <p:spTree>
-      <p:nvGrpSpPr>
-        <p:cNvPr id="1" name=""/>
-        <p:cNvGrpSpPr/>
-        <p:nvPr/>
-      </p:nvGrpSpPr>
-      <p:grpSpPr>
-        <a:xfrm>
-          <a:off x="0" y="0"/>
-          <a:ext cx="0" cy="0"/>
-          <a:chOff x="0" y="0"/>
-          <a:chExt cx="0" cy="0"/>
-        </a:xfrm>
-      </p:grpSpPr>
-      <p:sp>
-        <p:nvSpPr>
-          <p:cNvPr id="2" name="Title 1">
-            <a:extLst>
-              <a:ext uri="{FF2B5EF4-FFF2-40B4-BE49-F238E27FC236}">
-                <a16:creationId xmlns:a16="http://schemas.microsoft.com/office/drawing/2014/main" id="{6DC201B8-935E-44C7-0DB4-820315DD100C}"/>
-              </a:ext>
-            </a:extLst>
-          </p:cNvPr>
-          <p:cNvSpPr>
-            <a:spLocks noGrp="1"/>
-          </p:cNvSpPr>
-          <p:nvPr>
-            <p:ph type="title"/>
-          </p:nvPr>
-        </p:nvSpPr>
-        <p:spPr/>
-        <p:txBody>
-          <a:bodyPr/>
-          <a:lstStyle/>
-          <a:p>
-            <a:r>
-              <a:rPr lang="pt-BR"/>
-              <a:t>To be continued..</a:t>
-            </a:r>
-            <a:endParaRPr lang="en-NZ"/>
-          </a:p>
-        </p:txBody>
-      </p:sp>
-      <p:sp>
-        <p:nvSpPr>
-          <p:cNvPr id="3" name="Content Placeholder 2">
-            <a:extLst>
-              <a:ext uri="{FF2B5EF4-FFF2-40B4-BE49-F238E27FC236}">
-                <a16:creationId xmlns:a16="http://schemas.microsoft.com/office/drawing/2014/main" id="{BAAD8C18-51CE-928B-C114-D4735B790C49}"/>
-              </a:ext>
-            </a:extLst>
-          </p:cNvPr>
-          <p:cNvSpPr>
-            <a:spLocks noGrp="1"/>
-          </p:cNvSpPr>
-          <p:nvPr>
-            <p:ph idx="1"/>
-          </p:nvPr>
-        </p:nvSpPr>
-        <p:spPr/>
-        <p:txBody>
-          <a:bodyPr/>
-          <a:lstStyle/>
-          <a:p>
-            <a:endParaRPr lang="en-NZ"/>
-          </a:p>
-        </p:txBody>
-      </p:sp>
-      <p:pic>
-        <p:nvPicPr>
-          <p:cNvPr id="4" name="Picture 3">
-            <a:extLst>
-              <a:ext uri="{FF2B5EF4-FFF2-40B4-BE49-F238E27FC236}">
-                <a16:creationId xmlns:a16="http://schemas.microsoft.com/office/drawing/2014/main" id="{2053E420-2CA0-BA39-7AA4-550078ADB51E}"/>
-              </a:ext>
-            </a:extLst>
-          </p:cNvPr>
-          <p:cNvPicPr>
-            <a:picLocks noChangeAspect="1"/>
-          </p:cNvPicPr>
-          <p:nvPr/>
-        </p:nvPicPr>
-        <p:blipFill>
-          <a:blip r:embed="rId2"/>
-          <a:stretch>
-            <a:fillRect/>
-          </a:stretch>
-        </p:blipFill>
-        <p:spPr>
-          <a:xfrm>
-            <a:off x="838200" y="1609984"/>
-            <a:ext cx="11025352" cy="4782619"/>
-          </a:xfrm>
-          <a:prstGeom prst="rect">
-            <a:avLst/>
-          </a:prstGeom>
-        </p:spPr>
-      </p:pic>
-    </p:spTree>
-    <p:extLst>
-      <p:ext uri="{BB962C8B-B14F-4D97-AF65-F5344CB8AC3E}">
-        <p14:creationId xmlns:p14="http://schemas.microsoft.com/office/powerpoint/2010/main" val="3801366840"/>
       </p:ext>
     </p:extLst>
   </p:cSld>
@@ -6672,4 +10378,319 @@
     </a:ext>
   </a:extLst>
 </a:theme>
+</file>
+
+<file path=ppt/theme/theme2.xml><?xml version="1.0" encoding="utf-8"?>
+<a:theme xmlns:a="http://schemas.openxmlformats.org/drawingml/2006/main" name="Office Theme">
+  <a:themeElements>
+    <a:clrScheme name="Office">
+      <a:dk1>
+        <a:sysClr val="windowText" lastClr="000000"/>
+      </a:dk1>
+      <a:lt1>
+        <a:sysClr val="window" lastClr="FFFFFF"/>
+      </a:lt1>
+      <a:dk2>
+        <a:srgbClr val="0E2841"/>
+      </a:dk2>
+      <a:lt2>
+        <a:srgbClr val="E8E8E8"/>
+      </a:lt2>
+      <a:accent1>
+        <a:srgbClr val="156082"/>
+      </a:accent1>
+      <a:accent2>
+        <a:srgbClr val="E97132"/>
+      </a:accent2>
+      <a:accent3>
+        <a:srgbClr val="196B24"/>
+      </a:accent3>
+      <a:accent4>
+        <a:srgbClr val="0F9ED5"/>
+      </a:accent4>
+      <a:accent5>
+        <a:srgbClr val="A02B93"/>
+      </a:accent5>
+      <a:accent6>
+        <a:srgbClr val="4EA72E"/>
+      </a:accent6>
+      <a:hlink>
+        <a:srgbClr val="467886"/>
+      </a:hlink>
+      <a:folHlink>
+        <a:srgbClr val="96607D"/>
+      </a:folHlink>
+    </a:clrScheme>
+    <a:fontScheme name="Office">
+      <a:majorFont>
+        <a:latin typeface="Aptos Display" panose="02110004020202020204"/>
+        <a:ea typeface=""/>
+        <a:cs typeface=""/>
+        <a:font script="Jpan" typeface="游ゴシック Light"/>
+        <a:font script="Hang" typeface="맑은 고딕"/>
+        <a:font script="Hans" typeface="等线 Light"/>
+        <a:font script="Hant" typeface="新細明體"/>
+        <a:font script="Arab" typeface="Times New Roman"/>
+        <a:font script="Hebr" typeface="Times New Roman"/>
+        <a:font script="Thai" typeface="Angsana New"/>
+        <a:font script="Ethi" typeface="Nyala"/>
+        <a:font script="Beng" typeface="Vrinda"/>
+        <a:font script="Gujr" typeface="Shruti"/>
+        <a:font script="Khmr" typeface="MoolBoran"/>
+        <a:font script="Knda" typeface="Tunga"/>
+        <a:font script="Guru" typeface="Raavi"/>
+        <a:font script="Cans" typeface="Euphemia"/>
+        <a:font script="Cher" typeface="Plantagenet Cherokee"/>
+        <a:font script="Yiii" typeface="Microsoft Yi Baiti"/>
+        <a:font script="Tibt" typeface="Microsoft Himalaya"/>
+        <a:font script="Thaa" typeface="MV Boli"/>
+        <a:font script="Deva" typeface="Mangal"/>
+        <a:font script="Telu" typeface="Gautami"/>
+        <a:font script="Taml" typeface="Latha"/>
+        <a:font script="Syrc" typeface="Estrangelo Edessa"/>
+        <a:font script="Orya" typeface="Kalinga"/>
+        <a:font script="Mlym" typeface="Kartika"/>
+        <a:font script="Laoo" typeface="DokChampa"/>
+        <a:font script="Sinh" typeface="Iskoola Pota"/>
+        <a:font script="Mong" typeface="Mongolian Baiti"/>
+        <a:font script="Viet" typeface="Times New Roman"/>
+        <a:font script="Uigh" typeface="Microsoft Uighur"/>
+        <a:font script="Geor" typeface="Sylfaen"/>
+        <a:font script="Armn" typeface="Arial"/>
+        <a:font script="Bugi" typeface="Leelawadee UI"/>
+        <a:font script="Bopo" typeface="Microsoft JhengHei"/>
+        <a:font script="Java" typeface="Javanese Text"/>
+        <a:font script="Lisu" typeface="Segoe UI"/>
+        <a:font script="Mymr" typeface="Myanmar Text"/>
+        <a:font script="Nkoo" typeface="Ebrima"/>
+        <a:font script="Olck" typeface="Nirmala UI"/>
+        <a:font script="Osma" typeface="Ebrima"/>
+        <a:font script="Phag" typeface="Phagspa"/>
+        <a:font script="Syrn" typeface="Estrangelo Edessa"/>
+        <a:font script="Syrj" typeface="Estrangelo Edessa"/>
+        <a:font script="Syre" typeface="Estrangelo Edessa"/>
+        <a:font script="Sora" typeface="Nirmala UI"/>
+        <a:font script="Tale" typeface="Microsoft Tai Le"/>
+        <a:font script="Talu" typeface="Microsoft New Tai Lue"/>
+        <a:font script="Tfng" typeface="Ebrima"/>
+      </a:majorFont>
+      <a:minorFont>
+        <a:latin typeface="Aptos" panose="02110004020202020204"/>
+        <a:ea typeface=""/>
+        <a:cs typeface=""/>
+        <a:font script="Jpan" typeface="游ゴシック"/>
+        <a:font script="Hang" typeface="맑은 고딕"/>
+        <a:font script="Hans" typeface="等线"/>
+        <a:font script="Hant" typeface="新細明體"/>
+        <a:font script="Arab" typeface="Arial"/>
+        <a:font script="Hebr" typeface="Arial"/>
+        <a:font script="Thai" typeface="Cordia New"/>
+        <a:font script="Ethi" typeface="Nyala"/>
+        <a:font script="Beng" typeface="Vrinda"/>
+        <a:font script="Gujr" typeface="Shruti"/>
+        <a:font script="Khmr" typeface="DaunPenh"/>
+        <a:font script="Knda" typeface="Tunga"/>
+        <a:font script="Guru" typeface="Raavi"/>
+        <a:font script="Cans" typeface="Euphemia"/>
+        <a:font script="Cher" typeface="Plantagenet Cherokee"/>
+        <a:font script="Yiii" typeface="Microsoft Yi Baiti"/>
+        <a:font script="Tibt" typeface="Microsoft Himalaya"/>
+        <a:font script="Thaa" typeface="MV Boli"/>
+        <a:font script="Deva" typeface="Mangal"/>
+        <a:font script="Telu" typeface="Gautami"/>
+        <a:font script="Taml" typeface="Latha"/>
+        <a:font script="Syrc" typeface="Estrangelo Edessa"/>
+        <a:font script="Orya" typeface="Kalinga"/>
+        <a:font script="Mlym" typeface="Kartika"/>
+        <a:font script="Laoo" typeface="DokChampa"/>
+        <a:font script="Sinh" typeface="Iskoola Pota"/>
+        <a:font script="Mong" typeface="Mongolian Baiti"/>
+        <a:font script="Viet" typeface="Arial"/>
+        <a:font script="Uigh" typeface="Microsoft Uighur"/>
+        <a:font script="Geor" typeface="Sylfaen"/>
+        <a:font script="Armn" typeface="Arial"/>
+        <a:font script="Bugi" typeface="Leelawadee UI"/>
+        <a:font script="Bopo" typeface="Microsoft JhengHei"/>
+        <a:font script="Java" typeface="Javanese Text"/>
+        <a:font script="Lisu" typeface="Segoe UI"/>
+        <a:font script="Mymr" typeface="Myanmar Text"/>
+        <a:font script="Nkoo" typeface="Ebrima"/>
+        <a:font script="Olck" typeface="Nirmala UI"/>
+        <a:font script="Osma" typeface="Ebrima"/>
+        <a:font script="Phag" typeface="Phagspa"/>
+        <a:font script="Syrn" typeface="Estrangelo Edessa"/>
+        <a:font script="Syrj" typeface="Estrangelo Edessa"/>
+        <a:font script="Syre" typeface="Estrangelo Edessa"/>
+        <a:font script="Sora" typeface="Nirmala UI"/>
+        <a:font script="Tale" typeface="Microsoft Tai Le"/>
+        <a:font script="Talu" typeface="Microsoft New Tai Lue"/>
+        <a:font script="Tfng" typeface="Ebrima"/>
+      </a:minorFont>
+    </a:fontScheme>
+    <a:fmtScheme name="Office">
+      <a:fillStyleLst>
+        <a:solidFill>
+          <a:schemeClr val="phClr"/>
+        </a:solidFill>
+        <a:gradFill rotWithShape="1">
+          <a:gsLst>
+            <a:gs pos="0">
+              <a:schemeClr val="phClr">
+                <a:lumMod val="110000"/>
+                <a:satMod val="105000"/>
+                <a:tint val="67000"/>
+              </a:schemeClr>
+            </a:gs>
+            <a:gs pos="50000">
+              <a:schemeClr val="phClr">
+                <a:lumMod val="105000"/>
+                <a:satMod val="103000"/>
+                <a:tint val="73000"/>
+              </a:schemeClr>
+            </a:gs>
+            <a:gs pos="100000">
+              <a:schemeClr val="phClr">
+                <a:lumMod val="105000"/>
+                <a:satMod val="109000"/>
+                <a:tint val="81000"/>
+              </a:schemeClr>
+            </a:gs>
+          </a:gsLst>
+          <a:lin ang="5400000" scaled="0"/>
+        </a:gradFill>
+        <a:gradFill rotWithShape="1">
+          <a:gsLst>
+            <a:gs pos="0">
+              <a:schemeClr val="phClr">
+                <a:satMod val="103000"/>
+                <a:lumMod val="102000"/>
+                <a:tint val="94000"/>
+              </a:schemeClr>
+            </a:gs>
+            <a:gs pos="50000">
+              <a:schemeClr val="phClr">
+                <a:satMod val="110000"/>
+                <a:lumMod val="100000"/>
+                <a:shade val="100000"/>
+              </a:schemeClr>
+            </a:gs>
+            <a:gs pos="100000">
+              <a:schemeClr val="phClr">
+                <a:lumMod val="99000"/>
+                <a:satMod val="120000"/>
+                <a:shade val="78000"/>
+              </a:schemeClr>
+            </a:gs>
+          </a:gsLst>
+          <a:lin ang="5400000" scaled="0"/>
+        </a:gradFill>
+      </a:fillStyleLst>
+      <a:lnStyleLst>
+        <a:ln w="12700" cap="flat" cmpd="sng" algn="ctr">
+          <a:solidFill>
+            <a:schemeClr val="phClr"/>
+          </a:solidFill>
+          <a:prstDash val="solid"/>
+          <a:miter lim="800000"/>
+        </a:ln>
+        <a:ln w="19050" cap="flat" cmpd="sng" algn="ctr">
+          <a:solidFill>
+            <a:schemeClr val="phClr"/>
+          </a:solidFill>
+          <a:prstDash val="solid"/>
+          <a:miter lim="800000"/>
+        </a:ln>
+        <a:ln w="25400" cap="flat" cmpd="sng" algn="ctr">
+          <a:solidFill>
+            <a:schemeClr val="phClr"/>
+          </a:solidFill>
+          <a:prstDash val="solid"/>
+          <a:miter lim="800000"/>
+        </a:ln>
+      </a:lnStyleLst>
+      <a:effectStyleLst>
+        <a:effectStyle>
+          <a:effectLst/>
+        </a:effectStyle>
+        <a:effectStyle>
+          <a:effectLst/>
+        </a:effectStyle>
+        <a:effectStyle>
+          <a:effectLst>
+            <a:outerShdw blurRad="57150" dist="19050" dir="5400000" algn="ctr" rotWithShape="0">
+              <a:srgbClr val="000000">
+                <a:alpha val="63000"/>
+              </a:srgbClr>
+            </a:outerShdw>
+          </a:effectLst>
+        </a:effectStyle>
+      </a:effectStyleLst>
+      <a:bgFillStyleLst>
+        <a:solidFill>
+          <a:schemeClr val="phClr"/>
+        </a:solidFill>
+        <a:solidFill>
+          <a:schemeClr val="phClr">
+            <a:tint val="95000"/>
+            <a:satMod val="170000"/>
+          </a:schemeClr>
+        </a:solidFill>
+        <a:gradFill rotWithShape="1">
+          <a:gsLst>
+            <a:gs pos="0">
+              <a:schemeClr val="phClr">
+                <a:tint val="93000"/>
+                <a:satMod val="150000"/>
+                <a:shade val="98000"/>
+                <a:lumMod val="102000"/>
+              </a:schemeClr>
+            </a:gs>
+            <a:gs pos="50000">
+              <a:schemeClr val="phClr">
+                <a:tint val="98000"/>
+                <a:satMod val="130000"/>
+                <a:shade val="90000"/>
+                <a:lumMod val="103000"/>
+              </a:schemeClr>
+            </a:gs>
+            <a:gs pos="100000">
+              <a:schemeClr val="phClr">
+                <a:shade val="63000"/>
+                <a:satMod val="120000"/>
+              </a:schemeClr>
+            </a:gs>
+          </a:gsLst>
+          <a:lin ang="5400000" scaled="0"/>
+        </a:gradFill>
+      </a:bgFillStyleLst>
+    </a:fmtScheme>
+  </a:themeElements>
+  <a:objectDefaults>
+    <a:lnDef>
+      <a:spPr/>
+      <a:bodyPr/>
+      <a:lstStyle/>
+      <a:style>
+        <a:lnRef idx="2">
+          <a:schemeClr val="accent1"/>
+        </a:lnRef>
+        <a:fillRef idx="0">
+          <a:schemeClr val="accent1"/>
+        </a:fillRef>
+        <a:effectRef idx="1">
+          <a:schemeClr val="accent1"/>
+        </a:effectRef>
+        <a:fontRef idx="minor">
+          <a:schemeClr val="tx1"/>
+        </a:fontRef>
+      </a:style>
+    </a:lnDef>
+  </a:objectDefaults>
+  <a:extraClrSchemeLst/>
+  <a:extLst>
+    <a:ext uri="{05A4C25C-085E-4340-85A3-A5531E510DB2}">
+      <thm15:themeFamily xmlns:thm15="http://schemas.microsoft.com/office/thememl/2012/main" name="Office Theme" id="{2E142A2C-CD16-42D6-873A-C26D2A0506FA}" vid="{1BDDFF52-6CD6-40A5-AB3C-68EB2F1E4D0A}"/>
+    </a:ext>
+  </a:extLst>
+</a:theme>
 </file>
--- a/workflow/eride_global_dev.pptx
+++ b/workflow/eride_global_dev.pptx
@@ -5,20 +5,22 @@
     <p:sldMasterId id="2147483648" r:id="rId1"/>
   </p:sldMasterIdLst>
   <p:notesMasterIdLst>
-    <p:notesMasterId r:id="rId13"/>
+    <p:notesMasterId r:id="rId15"/>
   </p:notesMasterIdLst>
   <p:sldIdLst>
     <p:sldId id="261" r:id="rId2"/>
     <p:sldId id="610" r:id="rId3"/>
     <p:sldId id="264" r:id="rId4"/>
     <p:sldId id="611" r:id="rId5"/>
-    <p:sldId id="612" r:id="rId6"/>
-    <p:sldId id="613" r:id="rId7"/>
-    <p:sldId id="263" r:id="rId8"/>
-    <p:sldId id="262" r:id="rId9"/>
-    <p:sldId id="257" r:id="rId10"/>
-    <p:sldId id="258" r:id="rId11"/>
-    <p:sldId id="259" r:id="rId12"/>
+    <p:sldId id="614" r:id="rId6"/>
+    <p:sldId id="615" r:id="rId7"/>
+    <p:sldId id="612" r:id="rId8"/>
+    <p:sldId id="613" r:id="rId9"/>
+    <p:sldId id="263" r:id="rId10"/>
+    <p:sldId id="262" r:id="rId11"/>
+    <p:sldId id="257" r:id="rId12"/>
+    <p:sldId id="258" r:id="rId13"/>
+    <p:sldId id="259" r:id="rId14"/>
   </p:sldIdLst>
   <p:sldSz cx="12192000" cy="6858000"/>
   <p:notesSz cx="6858000" cy="9144000"/>
@@ -782,7 +784,7 @@
           <a:p>
             <a:fld id="{5C133E06-F89B-49A2-905A-CAD2BAE635AE}" type="datetimeFigureOut">
               <a:rPr lang="en-NZ" smtClean="0"/>
-              <a:t>3/10/2024</a:t>
+              <a:t>4/10/2024</a:t>
             </a:fld>
             <a:endParaRPr lang="en-NZ"/>
           </a:p>
@@ -1263,7 +1265,7 @@
           <a:p>
             <a:fld id="{77AE68A4-D346-4511-A7CB-895C11A6FF66}" type="slidenum">
               <a:rPr lang="en-NZ" smtClean="0"/>
-              <a:t>5</a:t>
+              <a:t>7</a:t>
             </a:fld>
             <a:endParaRPr lang="en-NZ"/>
           </a:p>
@@ -1431,7 +1433,7 @@
           <a:p>
             <a:fld id="{B5DA846C-8D30-441A-B1E0-B376C61F31D1}" type="datetimeFigureOut">
               <a:rPr lang="en-NZ" smtClean="0"/>
-              <a:t>3/10/2024</a:t>
+              <a:t>4/10/2024</a:t>
             </a:fld>
             <a:endParaRPr lang="en-NZ"/>
           </a:p>
@@ -1631,7 +1633,7 @@
           <a:p>
             <a:fld id="{B5DA846C-8D30-441A-B1E0-B376C61F31D1}" type="datetimeFigureOut">
               <a:rPr lang="en-NZ" smtClean="0"/>
-              <a:t>3/10/2024</a:t>
+              <a:t>4/10/2024</a:t>
             </a:fld>
             <a:endParaRPr lang="en-NZ"/>
           </a:p>
@@ -1841,7 +1843,7 @@
           <a:p>
             <a:fld id="{B5DA846C-8D30-441A-B1E0-B376C61F31D1}" type="datetimeFigureOut">
               <a:rPr lang="en-NZ" smtClean="0"/>
-              <a:t>3/10/2024</a:t>
+              <a:t>4/10/2024</a:t>
             </a:fld>
             <a:endParaRPr lang="en-NZ"/>
           </a:p>
@@ -2041,7 +2043,7 @@
           <a:p>
             <a:fld id="{B5DA846C-8D30-441A-B1E0-B376C61F31D1}" type="datetimeFigureOut">
               <a:rPr lang="en-NZ" smtClean="0"/>
-              <a:t>3/10/2024</a:t>
+              <a:t>4/10/2024</a:t>
             </a:fld>
             <a:endParaRPr lang="en-NZ"/>
           </a:p>
@@ -2317,7 +2319,7 @@
           <a:p>
             <a:fld id="{B5DA846C-8D30-441A-B1E0-B376C61F31D1}" type="datetimeFigureOut">
               <a:rPr lang="en-NZ" smtClean="0"/>
-              <a:t>3/10/2024</a:t>
+              <a:t>4/10/2024</a:t>
             </a:fld>
             <a:endParaRPr lang="en-NZ"/>
           </a:p>
@@ -2585,7 +2587,7 @@
           <a:p>
             <a:fld id="{B5DA846C-8D30-441A-B1E0-B376C61F31D1}" type="datetimeFigureOut">
               <a:rPr lang="en-NZ" smtClean="0"/>
-              <a:t>3/10/2024</a:t>
+              <a:t>4/10/2024</a:t>
             </a:fld>
             <a:endParaRPr lang="en-NZ"/>
           </a:p>
@@ -3000,7 +3002,7 @@
           <a:p>
             <a:fld id="{B5DA846C-8D30-441A-B1E0-B376C61F31D1}" type="datetimeFigureOut">
               <a:rPr lang="en-NZ" smtClean="0"/>
-              <a:t>3/10/2024</a:t>
+              <a:t>4/10/2024</a:t>
             </a:fld>
             <a:endParaRPr lang="en-NZ"/>
           </a:p>
@@ -3142,7 +3144,7 @@
           <a:p>
             <a:fld id="{B5DA846C-8D30-441A-B1E0-B376C61F31D1}" type="datetimeFigureOut">
               <a:rPr lang="en-NZ" smtClean="0"/>
-              <a:t>3/10/2024</a:t>
+              <a:t>4/10/2024</a:t>
             </a:fld>
             <a:endParaRPr lang="en-NZ"/>
           </a:p>
@@ -3255,7 +3257,7 @@
           <a:p>
             <a:fld id="{B5DA846C-8D30-441A-B1E0-B376C61F31D1}" type="datetimeFigureOut">
               <a:rPr lang="en-NZ" smtClean="0"/>
-              <a:t>3/10/2024</a:t>
+              <a:t>4/10/2024</a:t>
             </a:fld>
             <a:endParaRPr lang="en-NZ"/>
           </a:p>
@@ -3568,7 +3570,7 @@
           <a:p>
             <a:fld id="{B5DA846C-8D30-441A-B1E0-B376C61F31D1}" type="datetimeFigureOut">
               <a:rPr lang="en-NZ" smtClean="0"/>
-              <a:t>3/10/2024</a:t>
+              <a:t>4/10/2024</a:t>
             </a:fld>
             <a:endParaRPr lang="en-NZ"/>
           </a:p>
@@ -3857,7 +3859,7 @@
           <a:p>
             <a:fld id="{B5DA846C-8D30-441A-B1E0-B376C61F31D1}" type="datetimeFigureOut">
               <a:rPr lang="en-NZ" smtClean="0"/>
-              <a:t>3/10/2024</a:t>
+              <a:t>4/10/2024</a:t>
             </a:fld>
             <a:endParaRPr lang="en-NZ"/>
           </a:p>
@@ -4100,7 +4102,7 @@
           <a:p>
             <a:fld id="{B5DA846C-8D30-441A-B1E0-B376C61F31D1}" type="datetimeFigureOut">
               <a:rPr lang="en-NZ" smtClean="0"/>
-              <a:t>3/10/2024</a:t>
+              <a:t>4/10/2024</a:t>
             </a:fld>
             <a:endParaRPr lang="en-NZ"/>
           </a:p>
@@ -5983,6 +5985,652 @@
       </p:grpSpPr>
       <p:sp>
         <p:nvSpPr>
+          <p:cNvPr id="9" name="Title 8">
+            <a:extLst>
+              <a:ext uri="{FF2B5EF4-FFF2-40B4-BE49-F238E27FC236}">
+                <a16:creationId xmlns:a16="http://schemas.microsoft.com/office/drawing/2014/main" id="{DFD8ABC5-71B4-6FCF-4261-C4D9D6AF67A6}"/>
+              </a:ext>
+            </a:extLst>
+          </p:cNvPr>
+          <p:cNvSpPr>
+            <a:spLocks noGrp="1"/>
+          </p:cNvSpPr>
+          <p:nvPr>
+            <p:ph type="title"/>
+          </p:nvPr>
+        </p:nvSpPr>
+        <p:spPr>
+          <a:xfrm>
+            <a:off x="247482" y="71817"/>
+            <a:ext cx="10515600" cy="1325563"/>
+          </a:xfrm>
+        </p:spPr>
+        <p:txBody>
+          <a:bodyPr>
+            <a:normAutofit/>
+          </a:bodyPr>
+          <a:lstStyle/>
+          <a:p>
+            <a:r>
+              <a:rPr lang="pt-BR" sz="3200" dirty="0">
+                <a:latin typeface="Arial" panose="020B0604020202020204" pitchFamily="34" charset="0"/>
+                <a:cs typeface="Arial" panose="020B0604020202020204" pitchFamily="34" charset="0"/>
+              </a:rPr>
+              <a:t>Computational power</a:t>
+            </a:r>
+            <a:endParaRPr lang="en-NZ" sz="3200" dirty="0">
+              <a:latin typeface="Arial" panose="020B0604020202020204" pitchFamily="34" charset="0"/>
+              <a:cs typeface="Arial" panose="020B0604020202020204" pitchFamily="34" charset="0"/>
+            </a:endParaRPr>
+          </a:p>
+        </p:txBody>
+      </p:sp>
+      <p:sp>
+        <p:nvSpPr>
+          <p:cNvPr id="5" name="TextBox 4">
+            <a:extLst>
+              <a:ext uri="{FF2B5EF4-FFF2-40B4-BE49-F238E27FC236}">
+                <a16:creationId xmlns:a16="http://schemas.microsoft.com/office/drawing/2014/main" id="{01DBC4BD-1E70-E3BC-76F9-67DA3787AB22}"/>
+              </a:ext>
+            </a:extLst>
+          </p:cNvPr>
+          <p:cNvSpPr txBox="1"/>
+          <p:nvPr/>
+        </p:nvSpPr>
+        <p:spPr>
+          <a:xfrm>
+            <a:off x="466257" y="1344103"/>
+            <a:ext cx="5553543" cy="646331"/>
+          </a:xfrm>
+          <a:prstGeom prst="rect">
+            <a:avLst/>
+          </a:prstGeom>
+          <a:noFill/>
+        </p:spPr>
+        <p:txBody>
+          <a:bodyPr wrap="square" rtlCol="0">
+            <a:spAutoFit/>
+          </a:bodyPr>
+          <a:lstStyle/>
+          <a:p>
+            <a:r>
+              <a:rPr lang="pt-BR" dirty="0"/>
+              <a:t>Minimal requirements ( Massey PC 2023): </a:t>
+            </a:r>
+          </a:p>
+          <a:p>
+            <a:r>
+              <a:rPr lang="pt-BR" dirty="0"/>
+              <a:t>7 cores, 32 RAM, a lot of local mem</a:t>
+            </a:r>
+            <a:endParaRPr lang="en-NZ" dirty="0"/>
+          </a:p>
+        </p:txBody>
+      </p:sp>
+      <p:sp>
+        <p:nvSpPr>
+          <p:cNvPr id="8" name="TextBox 7">
+            <a:extLst>
+              <a:ext uri="{FF2B5EF4-FFF2-40B4-BE49-F238E27FC236}">
+                <a16:creationId xmlns:a16="http://schemas.microsoft.com/office/drawing/2014/main" id="{89E68454-4F09-AEE0-D017-61DD80EC9AA1}"/>
+              </a:ext>
+            </a:extLst>
+          </p:cNvPr>
+          <p:cNvSpPr txBox="1"/>
+          <p:nvPr/>
+        </p:nvSpPr>
+        <p:spPr>
+          <a:xfrm>
+            <a:off x="5752898" y="1311751"/>
+            <a:ext cx="1706044" cy="369332"/>
+          </a:xfrm>
+          <a:prstGeom prst="rect">
+            <a:avLst/>
+          </a:prstGeom>
+          <a:noFill/>
+        </p:spPr>
+        <p:txBody>
+          <a:bodyPr wrap="none" rtlCol="0">
+            <a:spAutoFit/>
+          </a:bodyPr>
+          <a:lstStyle/>
+          <a:p>
+            <a:r>
+              <a:rPr lang="pt-BR" dirty="0"/>
+              <a:t>Massey PC 2024</a:t>
+            </a:r>
+            <a:endParaRPr lang="en-NZ" dirty="0"/>
+          </a:p>
+        </p:txBody>
+      </p:sp>
+      <p:pic>
+        <p:nvPicPr>
+          <p:cNvPr id="12" name="Picture 11">
+            <a:extLst>
+              <a:ext uri="{FF2B5EF4-FFF2-40B4-BE49-F238E27FC236}">
+                <a16:creationId xmlns:a16="http://schemas.microsoft.com/office/drawing/2014/main" id="{6F84CC96-FF4D-CC8C-5ADE-33B707619703}"/>
+              </a:ext>
+            </a:extLst>
+          </p:cNvPr>
+          <p:cNvPicPr>
+            <a:picLocks noChangeAspect="1"/>
+          </p:cNvPicPr>
+          <p:nvPr/>
+        </p:nvPicPr>
+        <p:blipFill>
+          <a:blip r:embed="rId2"/>
+          <a:stretch>
+            <a:fillRect/>
+          </a:stretch>
+        </p:blipFill>
+        <p:spPr>
+          <a:xfrm>
+            <a:off x="7590132" y="4671000"/>
+            <a:ext cx="1895475" cy="1552575"/>
+          </a:xfrm>
+          <a:prstGeom prst="rect">
+            <a:avLst/>
+          </a:prstGeom>
+        </p:spPr>
+      </p:pic>
+      <p:pic>
+        <p:nvPicPr>
+          <p:cNvPr id="14" name="Picture 13">
+            <a:extLst>
+              <a:ext uri="{FF2B5EF4-FFF2-40B4-BE49-F238E27FC236}">
+                <a16:creationId xmlns:a16="http://schemas.microsoft.com/office/drawing/2014/main" id="{11C2BA67-27E9-0E4A-0E39-F7A90069F314}"/>
+              </a:ext>
+            </a:extLst>
+          </p:cNvPr>
+          <p:cNvPicPr>
+            <a:picLocks noChangeAspect="1"/>
+          </p:cNvPicPr>
+          <p:nvPr/>
+        </p:nvPicPr>
+        <p:blipFill rotWithShape="1">
+          <a:blip r:embed="rId3"/>
+          <a:srcRect r="58943"/>
+          <a:stretch/>
+        </p:blipFill>
+        <p:spPr>
+          <a:xfrm>
+            <a:off x="203339" y="2277711"/>
+            <a:ext cx="4826983" cy="646331"/>
+          </a:xfrm>
+          <a:prstGeom prst="rect">
+            <a:avLst/>
+          </a:prstGeom>
+        </p:spPr>
+      </p:pic>
+      <p:pic>
+        <p:nvPicPr>
+          <p:cNvPr id="17" name="Picture 16">
+            <a:extLst>
+              <a:ext uri="{FF2B5EF4-FFF2-40B4-BE49-F238E27FC236}">
+                <a16:creationId xmlns:a16="http://schemas.microsoft.com/office/drawing/2014/main" id="{0FB1EDA2-70D7-D579-3BD6-1371E43D4585}"/>
+              </a:ext>
+            </a:extLst>
+          </p:cNvPr>
+          <p:cNvPicPr>
+            <a:picLocks noChangeAspect="1"/>
+          </p:cNvPicPr>
+          <p:nvPr/>
+        </p:nvPicPr>
+        <p:blipFill rotWithShape="1">
+          <a:blip r:embed="rId3"/>
+          <a:srcRect l="40414" r="19279"/>
+          <a:stretch/>
+        </p:blipFill>
+        <p:spPr>
+          <a:xfrm>
+            <a:off x="247482" y="2871265"/>
+            <a:ext cx="4738696" cy="646331"/>
+          </a:xfrm>
+          <a:prstGeom prst="rect">
+            <a:avLst/>
+          </a:prstGeom>
+        </p:spPr>
+      </p:pic>
+      <p:sp>
+        <p:nvSpPr>
+          <p:cNvPr id="18" name="Rectangle: Rounded Corners 17">
+            <a:extLst>
+              <a:ext uri="{FF2B5EF4-FFF2-40B4-BE49-F238E27FC236}">
+                <a16:creationId xmlns:a16="http://schemas.microsoft.com/office/drawing/2014/main" id="{06835E48-3F45-1332-75F9-89516119A60D}"/>
+              </a:ext>
+            </a:extLst>
+          </p:cNvPr>
+          <p:cNvSpPr/>
+          <p:nvPr/>
+        </p:nvSpPr>
+        <p:spPr>
+          <a:xfrm>
+            <a:off x="203339" y="2871265"/>
+            <a:ext cx="2455849" cy="740429"/>
+          </a:xfrm>
+          <a:prstGeom prst="roundRect">
+            <a:avLst/>
+          </a:prstGeom>
+          <a:noFill/>
+          <a:ln w="9525" cap="flat" cmpd="sng" algn="ctr">
+            <a:solidFill>
+              <a:schemeClr val="accent6"/>
+            </a:solidFill>
+            <a:prstDash val="solid"/>
+            <a:round/>
+            <a:headEnd type="none" w="med" len="med"/>
+            <a:tailEnd type="none" w="med" len="med"/>
+          </a:ln>
+        </p:spPr>
+        <p:style>
+          <a:lnRef idx="0">
+            <a:scrgbClr r="0" g="0" b="0"/>
+          </a:lnRef>
+          <a:fillRef idx="0">
+            <a:scrgbClr r="0" g="0" b="0"/>
+          </a:fillRef>
+          <a:effectRef idx="0">
+            <a:scrgbClr r="0" g="0" b="0"/>
+          </a:effectRef>
+          <a:fontRef idx="minor">
+            <a:schemeClr val="accent6"/>
+          </a:fontRef>
+        </p:style>
+        <p:txBody>
+          <a:bodyPr rtlCol="0" anchor="ctr"/>
+          <a:lstStyle/>
+          <a:p>
+            <a:pPr algn="ctr"/>
+            <a:endParaRPr lang="en-NZ"/>
+          </a:p>
+        </p:txBody>
+      </p:sp>
+      <p:sp>
+        <p:nvSpPr>
+          <p:cNvPr id="19" name="Rectangle: Rounded Corners 18">
+            <a:extLst>
+              <a:ext uri="{FF2B5EF4-FFF2-40B4-BE49-F238E27FC236}">
+                <a16:creationId xmlns:a16="http://schemas.microsoft.com/office/drawing/2014/main" id="{771ED4BD-3597-533D-8B5B-A3B5F3D33EC6}"/>
+              </a:ext>
+            </a:extLst>
+          </p:cNvPr>
+          <p:cNvSpPr/>
+          <p:nvPr/>
+        </p:nvSpPr>
+        <p:spPr>
+          <a:xfrm>
+            <a:off x="117786" y="1283624"/>
+            <a:ext cx="5349814" cy="2566626"/>
+          </a:xfrm>
+          <a:prstGeom prst="roundRect">
+            <a:avLst/>
+          </a:prstGeom>
+          <a:noFill/>
+          <a:ln>
+            <a:solidFill>
+              <a:srgbClr val="7030A0"/>
+            </a:solidFill>
+          </a:ln>
+        </p:spPr>
+        <p:style>
+          <a:lnRef idx="2">
+            <a:schemeClr val="accent1">
+              <a:shade val="15000"/>
+            </a:schemeClr>
+          </a:lnRef>
+          <a:fillRef idx="1">
+            <a:schemeClr val="accent1"/>
+          </a:fillRef>
+          <a:effectRef idx="0">
+            <a:schemeClr val="accent1"/>
+          </a:effectRef>
+          <a:fontRef idx="minor">
+            <a:schemeClr val="lt1"/>
+          </a:fontRef>
+        </p:style>
+        <p:txBody>
+          <a:bodyPr rtlCol="0" anchor="ctr"/>
+          <a:lstStyle/>
+          <a:p>
+            <a:pPr algn="ctr"/>
+            <a:endParaRPr lang="en-NZ" dirty="0"/>
+          </a:p>
+        </p:txBody>
+      </p:sp>
+      <p:sp>
+        <p:nvSpPr>
+          <p:cNvPr id="20" name="Rectangle: Rounded Corners 19">
+            <a:extLst>
+              <a:ext uri="{FF2B5EF4-FFF2-40B4-BE49-F238E27FC236}">
+                <a16:creationId xmlns:a16="http://schemas.microsoft.com/office/drawing/2014/main" id="{B6503175-B2E8-C651-2B69-9F52295CEF39}"/>
+              </a:ext>
+            </a:extLst>
+          </p:cNvPr>
+          <p:cNvSpPr/>
+          <p:nvPr/>
+        </p:nvSpPr>
+        <p:spPr>
+          <a:xfrm>
+            <a:off x="5752898" y="3981191"/>
+            <a:ext cx="6235762" cy="2743007"/>
+          </a:xfrm>
+          <a:prstGeom prst="roundRect">
+            <a:avLst/>
+          </a:prstGeom>
+          <a:noFill/>
+          <a:ln>
+            <a:solidFill>
+              <a:schemeClr val="accent2">
+                <a:lumMod val="75000"/>
+              </a:schemeClr>
+            </a:solidFill>
+          </a:ln>
+        </p:spPr>
+        <p:style>
+          <a:lnRef idx="2">
+            <a:schemeClr val="accent1">
+              <a:shade val="15000"/>
+            </a:schemeClr>
+          </a:lnRef>
+          <a:fillRef idx="1">
+            <a:schemeClr val="accent1"/>
+          </a:fillRef>
+          <a:effectRef idx="0">
+            <a:schemeClr val="accent1"/>
+          </a:effectRef>
+          <a:fontRef idx="minor">
+            <a:schemeClr val="lt1"/>
+          </a:fontRef>
+        </p:style>
+        <p:txBody>
+          <a:bodyPr rtlCol="0" anchor="ctr"/>
+          <a:lstStyle/>
+          <a:p>
+            <a:pPr algn="ctr"/>
+            <a:endParaRPr lang="en-NZ"/>
+          </a:p>
+        </p:txBody>
+      </p:sp>
+      <p:sp>
+        <p:nvSpPr>
+          <p:cNvPr id="2" name="TextBox 1">
+            <a:extLst>
+              <a:ext uri="{FF2B5EF4-FFF2-40B4-BE49-F238E27FC236}">
+                <a16:creationId xmlns:a16="http://schemas.microsoft.com/office/drawing/2014/main" id="{560B4EFA-AAFB-4885-BD09-6B23EEBA9345}"/>
+              </a:ext>
+            </a:extLst>
+          </p:cNvPr>
+          <p:cNvSpPr txBox="1"/>
+          <p:nvPr/>
+        </p:nvSpPr>
+        <p:spPr>
+          <a:xfrm>
+            <a:off x="6120786" y="4011709"/>
+            <a:ext cx="1655390" cy="369332"/>
+          </a:xfrm>
+          <a:prstGeom prst="rect">
+            <a:avLst/>
+          </a:prstGeom>
+          <a:noFill/>
+        </p:spPr>
+        <p:txBody>
+          <a:bodyPr wrap="none" rtlCol="0">
+            <a:spAutoFit/>
+          </a:bodyPr>
+          <a:lstStyle/>
+          <a:p>
+            <a:r>
+              <a:rPr lang="pt-BR" dirty="0"/>
+              <a:t>DW PC Reunion</a:t>
+            </a:r>
+            <a:endParaRPr lang="en-NZ" dirty="0"/>
+          </a:p>
+        </p:txBody>
+      </p:sp>
+      <p:sp>
+        <p:nvSpPr>
+          <p:cNvPr id="3" name="Rectangle: Rounded Corners 2">
+            <a:extLst>
+              <a:ext uri="{FF2B5EF4-FFF2-40B4-BE49-F238E27FC236}">
+                <a16:creationId xmlns:a16="http://schemas.microsoft.com/office/drawing/2014/main" id="{571F6133-874F-F037-BF1A-C37759D721FB}"/>
+              </a:ext>
+            </a:extLst>
+          </p:cNvPr>
+          <p:cNvSpPr/>
+          <p:nvPr/>
+        </p:nvSpPr>
+        <p:spPr>
+          <a:xfrm>
+            <a:off x="5633101" y="1053329"/>
+            <a:ext cx="6355559" cy="2743007"/>
+          </a:xfrm>
+          <a:prstGeom prst="roundRect">
+            <a:avLst/>
+          </a:prstGeom>
+          <a:noFill/>
+          <a:ln>
+            <a:solidFill>
+              <a:srgbClr val="00B050"/>
+            </a:solidFill>
+          </a:ln>
+        </p:spPr>
+        <p:style>
+          <a:lnRef idx="2">
+            <a:schemeClr val="accent1">
+              <a:shade val="15000"/>
+            </a:schemeClr>
+          </a:lnRef>
+          <a:fillRef idx="1">
+            <a:schemeClr val="accent1"/>
+          </a:fillRef>
+          <a:effectRef idx="0">
+            <a:schemeClr val="accent1"/>
+          </a:effectRef>
+          <a:fontRef idx="minor">
+            <a:schemeClr val="lt1"/>
+          </a:fontRef>
+        </p:style>
+        <p:txBody>
+          <a:bodyPr rtlCol="0" anchor="ctr"/>
+          <a:lstStyle/>
+          <a:p>
+            <a:pPr algn="ctr"/>
+            <a:endParaRPr lang="en-NZ"/>
+          </a:p>
+        </p:txBody>
+      </p:sp>
+      <p:pic>
+        <p:nvPicPr>
+          <p:cNvPr id="13" name="Picture 12">
+            <a:extLst>
+              <a:ext uri="{FF2B5EF4-FFF2-40B4-BE49-F238E27FC236}">
+                <a16:creationId xmlns:a16="http://schemas.microsoft.com/office/drawing/2014/main" id="{E6A79EF0-B228-7431-41AC-EE53BAC7C7F1}"/>
+              </a:ext>
+            </a:extLst>
+          </p:cNvPr>
+          <p:cNvPicPr>
+            <a:picLocks noChangeAspect="1"/>
+          </p:cNvPicPr>
+          <p:nvPr/>
+        </p:nvPicPr>
+        <p:blipFill>
+          <a:blip r:embed="rId4"/>
+          <a:stretch>
+            <a:fillRect/>
+          </a:stretch>
+        </p:blipFill>
+        <p:spPr>
+          <a:xfrm>
+            <a:off x="5874757" y="2026700"/>
+            <a:ext cx="5924718" cy="1402300"/>
+          </a:xfrm>
+          <a:prstGeom prst="rect">
+            <a:avLst/>
+          </a:prstGeom>
+        </p:spPr>
+      </p:pic>
+    </p:spTree>
+    <p:extLst>
+      <p:ext uri="{BB962C8B-B14F-4D97-AF65-F5344CB8AC3E}">
+        <p14:creationId xmlns:p14="http://schemas.microsoft.com/office/powerpoint/2010/main" val="3124185329"/>
+      </p:ext>
+    </p:extLst>
+  </p:cSld>
+  <p:clrMapOvr>
+    <a:masterClrMapping/>
+  </p:clrMapOvr>
+</p:sld>
+</file>
+
+<file path=ppt/slides/slide11.xml><?xml version="1.0" encoding="utf-8"?>
+<p:sld xmlns:a="http://schemas.openxmlformats.org/drawingml/2006/main" xmlns:r="http://schemas.openxmlformats.org/officeDocument/2006/relationships" xmlns:p="http://schemas.openxmlformats.org/presentationml/2006/main">
+  <p:cSld>
+    <p:spTree>
+      <p:nvGrpSpPr>
+        <p:cNvPr id="1" name=""/>
+        <p:cNvGrpSpPr/>
+        <p:nvPr/>
+      </p:nvGrpSpPr>
+      <p:grpSpPr>
+        <a:xfrm>
+          <a:off x="0" y="0"/>
+          <a:ext cx="0" cy="0"/>
+          <a:chOff x="0" y="0"/>
+          <a:chExt cx="0" cy="0"/>
+        </a:xfrm>
+      </p:grpSpPr>
+      <p:sp>
+        <p:nvSpPr>
+          <p:cNvPr id="2" name="Title 1">
+            <a:extLst>
+              <a:ext uri="{FF2B5EF4-FFF2-40B4-BE49-F238E27FC236}">
+                <a16:creationId xmlns:a16="http://schemas.microsoft.com/office/drawing/2014/main" id="{534C6EAF-BEB2-B880-BDF1-69D03426864C}"/>
+              </a:ext>
+            </a:extLst>
+          </p:cNvPr>
+          <p:cNvSpPr>
+            <a:spLocks noGrp="1"/>
+          </p:cNvSpPr>
+          <p:nvPr>
+            <p:ph type="title"/>
+          </p:nvPr>
+        </p:nvSpPr>
+        <p:spPr/>
+        <p:txBody>
+          <a:bodyPr>
+            <a:noAutofit/>
+          </a:bodyPr>
+          <a:lstStyle/>
+          <a:p>
+            <a:r>
+              <a:rPr lang="pt-BR" sz="2800" dirty="0"/>
+              <a:t>Almost there with GRASS in HPC!</a:t>
+            </a:r>
+            <a:br>
+              <a:rPr lang="pt-BR" sz="2800" dirty="0"/>
+            </a:br>
+            <a:r>
+              <a:rPr lang="pt-BR" sz="2800" dirty="0"/>
+              <a:t>R update done</a:t>
+            </a:r>
+            <a:br>
+              <a:rPr lang="pt-BR" sz="2800" dirty="0"/>
+            </a:br>
+            <a:r>
+              <a:rPr lang="pt-BR" sz="2800" dirty="0"/>
+              <a:t>Grass module (hidden) installed</a:t>
+            </a:r>
+            <a:endParaRPr lang="en-NZ" sz="2800" dirty="0"/>
+          </a:p>
+        </p:txBody>
+      </p:sp>
+      <p:sp>
+        <p:nvSpPr>
+          <p:cNvPr id="3" name="Content Placeholder 2">
+            <a:extLst>
+              <a:ext uri="{FF2B5EF4-FFF2-40B4-BE49-F238E27FC236}">
+                <a16:creationId xmlns:a16="http://schemas.microsoft.com/office/drawing/2014/main" id="{D1626E5B-A9BB-F752-2507-DD0BDFE8D0ED}"/>
+              </a:ext>
+            </a:extLst>
+          </p:cNvPr>
+          <p:cNvSpPr>
+            <a:spLocks noGrp="1"/>
+          </p:cNvSpPr>
+          <p:nvPr>
+            <p:ph idx="1"/>
+          </p:nvPr>
+        </p:nvSpPr>
+        <p:spPr/>
+        <p:txBody>
+          <a:bodyPr/>
+          <a:lstStyle/>
+          <a:p>
+            <a:endParaRPr lang="en-NZ"/>
+          </a:p>
+        </p:txBody>
+      </p:sp>
+      <p:pic>
+        <p:nvPicPr>
+          <p:cNvPr id="4" name="Picture 3">
+            <a:extLst>
+              <a:ext uri="{FF2B5EF4-FFF2-40B4-BE49-F238E27FC236}">
+                <a16:creationId xmlns:a16="http://schemas.microsoft.com/office/drawing/2014/main" id="{8F7F791C-7DB5-23A2-A2EA-8BE9C3E48FD3}"/>
+              </a:ext>
+            </a:extLst>
+          </p:cNvPr>
+          <p:cNvPicPr>
+            <a:picLocks noChangeAspect="1"/>
+          </p:cNvPicPr>
+          <p:nvPr/>
+        </p:nvPicPr>
+        <p:blipFill>
+          <a:blip r:embed="rId2"/>
+          <a:stretch>
+            <a:fillRect/>
+          </a:stretch>
+        </p:blipFill>
+        <p:spPr>
+          <a:xfrm>
+            <a:off x="1365501" y="1911405"/>
+            <a:ext cx="9095238" cy="4390476"/>
+          </a:xfrm>
+          <a:prstGeom prst="rect">
+            <a:avLst/>
+          </a:prstGeom>
+        </p:spPr>
+      </p:pic>
+    </p:spTree>
+    <p:extLst>
+      <p:ext uri="{BB962C8B-B14F-4D97-AF65-F5344CB8AC3E}">
+        <p14:creationId xmlns:p14="http://schemas.microsoft.com/office/powerpoint/2010/main" val="1566622904"/>
+      </p:ext>
+    </p:extLst>
+  </p:cSld>
+  <p:clrMapOvr>
+    <a:masterClrMapping/>
+  </p:clrMapOvr>
+</p:sld>
+</file>
+
+<file path=ppt/slides/slide12.xml><?xml version="1.0" encoding="utf-8"?>
+<p:sld xmlns:a="http://schemas.openxmlformats.org/drawingml/2006/main" xmlns:r="http://schemas.openxmlformats.org/officeDocument/2006/relationships" xmlns:p="http://schemas.openxmlformats.org/presentationml/2006/main">
+  <p:cSld>
+    <p:spTree>
+      <p:nvGrpSpPr>
+        <p:cNvPr id="1" name=""/>
+        <p:cNvGrpSpPr/>
+        <p:nvPr/>
+      </p:nvGrpSpPr>
+      <p:grpSpPr>
+        <a:xfrm>
+          <a:off x="0" y="0"/>
+          <a:ext cx="0" cy="0"/>
+          <a:chOff x="0" y="0"/>
+          <a:chExt cx="0" cy="0"/>
+        </a:xfrm>
+      </p:grpSpPr>
+      <p:sp>
+        <p:nvSpPr>
           <p:cNvPr id="2" name="Title 1">
             <a:extLst>
               <a:ext uri="{FF2B5EF4-FFF2-40B4-BE49-F238E27FC236}">
@@ -6115,7 +6763,7 @@
 </p:sld>
 </file>
 
-<file path=ppt/slides/slide11.xml><?xml version="1.0" encoding="utf-8"?>
+<file path=ppt/slides/slide13.xml><?xml version="1.0" encoding="utf-8"?>
 <p:sld xmlns:a="http://schemas.openxmlformats.org/drawingml/2006/main" xmlns:r="http://schemas.openxmlformats.org/officeDocument/2006/relationships" xmlns:p="http://schemas.openxmlformats.org/presentationml/2006/main">
   <p:cSld>
     <p:spTree>
@@ -7668,10 +8316,10 @@
           </p:nvGrpSpPr>
           <p:grpSpPr>
             <a:xfrm>
-              <a:off x="3911849" y="2676248"/>
-              <a:ext cx="5796031" cy="3614762"/>
-              <a:chOff x="3911849" y="2676248"/>
-              <a:chExt cx="5796031" cy="3614762"/>
+              <a:off x="4447802" y="2676248"/>
+              <a:ext cx="5260078" cy="3510756"/>
+              <a:chOff x="4447802" y="2676248"/>
+              <a:chExt cx="5260078" cy="3510756"/>
             </a:xfrm>
           </p:grpSpPr>
           <p:sp>
@@ -7935,8 +8583,8 @@
             </p:blipFill>
             <p:spPr>
               <a:xfrm>
-                <a:off x="3911849" y="4888442"/>
-                <a:ext cx="3112091" cy="1402568"/>
+                <a:off x="4447802" y="5283404"/>
+                <a:ext cx="2004954" cy="903600"/>
               </a:xfrm>
               <a:prstGeom prst="rect">
                 <a:avLst/>
@@ -8272,35 +8920,6 @@
           </a:p>
         </p:txBody>
       </p:sp>
-      <p:pic>
-        <p:nvPicPr>
-          <p:cNvPr id="49" name="Picture 48">
-            <a:extLst>
-              <a:ext uri="{FF2B5EF4-FFF2-40B4-BE49-F238E27FC236}">
-                <a16:creationId xmlns:a16="http://schemas.microsoft.com/office/drawing/2014/main" id="{60FE49E8-0165-E244-9489-1E62F46E73FB}"/>
-              </a:ext>
-            </a:extLst>
-          </p:cNvPr>
-          <p:cNvPicPr>
-            <a:picLocks noChangeAspect="1"/>
-          </p:cNvPicPr>
-          <p:nvPr/>
-        </p:nvPicPr>
-        <p:blipFill rotWithShape="1">
-          <a:blip r:embed="rId6"/>
-          <a:srcRect l="3470" t="7096" b="7266"/>
-          <a:stretch/>
-        </p:blipFill>
-        <p:spPr>
-          <a:xfrm>
-            <a:off x="10249119" y="2005513"/>
-            <a:ext cx="1306919" cy="1233077"/>
-          </a:xfrm>
-          <a:prstGeom prst="rect">
-            <a:avLst/>
-          </a:prstGeom>
-        </p:spPr>
-      </p:pic>
       <p:sp>
         <p:nvSpPr>
           <p:cNvPr id="50" name="Rectangle 49">
@@ -8428,7 +9047,7 @@
         </p:nvSpPr>
         <p:spPr>
           <a:xfrm>
-            <a:off x="9595018" y="1162532"/>
+            <a:off x="9563338" y="1162532"/>
             <a:ext cx="2493113" cy="3988587"/>
           </a:xfrm>
           <a:prstGeom prst="rect">
@@ -8519,51 +9138,6 @@
           </a:p>
         </p:txBody>
       </p:sp>
-      <p:pic>
-        <p:nvPicPr>
-          <p:cNvPr id="59" name="Picture 2">
-            <a:extLst>
-              <a:ext uri="{FF2B5EF4-FFF2-40B4-BE49-F238E27FC236}">
-                <a16:creationId xmlns:a16="http://schemas.microsoft.com/office/drawing/2014/main" id="{44C4401D-2DCF-FB30-9956-0D56381FA080}"/>
-              </a:ext>
-            </a:extLst>
-          </p:cNvPr>
-          <p:cNvPicPr>
-            <a:picLocks noChangeAspect="1" noChangeArrowheads="1"/>
-          </p:cNvPicPr>
-          <p:nvPr/>
-        </p:nvPicPr>
-        <p:blipFill rotWithShape="1">
-          <a:blip r:embed="rId7">
-            <a:extLst>
-              <a:ext uri="{28A0092B-C50C-407E-A947-70E740481C1C}">
-                <a14:useLocalDpi xmlns:a14="http://schemas.microsoft.com/office/drawing/2010/main" val="0"/>
-              </a:ext>
-            </a:extLst>
-          </a:blip>
-          <a:srcRect l="48757" t="10495" b="3961"/>
-          <a:stretch/>
-        </p:blipFill>
-        <p:spPr bwMode="auto">
-          <a:xfrm>
-            <a:off x="10426149" y="3904123"/>
-            <a:ext cx="844760" cy="1097338"/>
-          </a:xfrm>
-          <a:prstGeom prst="rect">
-            <a:avLst/>
-          </a:prstGeom>
-          <a:noFill/>
-          <a:extLst>
-            <a:ext uri="{909E8E84-426E-40DD-AFC4-6F175D3DCCD1}">
-              <a14:hiddenFill xmlns:a14="http://schemas.microsoft.com/office/drawing/2010/main">
-                <a:solidFill>
-                  <a:srgbClr val="FFFFFF"/>
-                </a:solidFill>
-              </a14:hiddenFill>
-            </a:ext>
-          </a:extLst>
-        </p:spPr>
-      </p:pic>
       <p:sp>
         <p:nvSpPr>
           <p:cNvPr id="60" name="TextBox 59">
@@ -8710,6 +9284,66 @@
           </a:p>
         </p:txBody>
       </p:sp>
+      <p:pic>
+        <p:nvPicPr>
+          <p:cNvPr id="2" name="Picture 1">
+            <a:extLst>
+              <a:ext uri="{FF2B5EF4-FFF2-40B4-BE49-F238E27FC236}">
+                <a16:creationId xmlns:a16="http://schemas.microsoft.com/office/drawing/2014/main" id="{AF767236-823B-4D9B-AF55-ED65EA1C6583}"/>
+              </a:ext>
+            </a:extLst>
+          </p:cNvPr>
+          <p:cNvPicPr>
+            <a:picLocks noChangeAspect="1"/>
+          </p:cNvPicPr>
+          <p:nvPr/>
+        </p:nvPicPr>
+        <p:blipFill>
+          <a:blip r:embed="rId6"/>
+          <a:stretch>
+            <a:fillRect/>
+          </a:stretch>
+        </p:blipFill>
+        <p:spPr>
+          <a:xfrm>
+            <a:off x="9871949" y="3927321"/>
+            <a:ext cx="1955725" cy="901680"/>
+          </a:xfrm>
+          <a:prstGeom prst="rect">
+            <a:avLst/>
+          </a:prstGeom>
+        </p:spPr>
+      </p:pic>
+      <p:pic>
+        <p:nvPicPr>
+          <p:cNvPr id="13" name="Picture 12">
+            <a:extLst>
+              <a:ext uri="{FF2B5EF4-FFF2-40B4-BE49-F238E27FC236}">
+                <a16:creationId xmlns:a16="http://schemas.microsoft.com/office/drawing/2014/main" id="{AB91C909-34D6-4807-6559-9746EE424132}"/>
+              </a:ext>
+            </a:extLst>
+          </p:cNvPr>
+          <p:cNvPicPr>
+            <a:picLocks noChangeAspect="1"/>
+          </p:cNvPicPr>
+          <p:nvPr/>
+        </p:nvPicPr>
+        <p:blipFill>
+          <a:blip r:embed="rId7"/>
+          <a:stretch>
+            <a:fillRect/>
+          </a:stretch>
+        </p:blipFill>
+        <p:spPr>
+          <a:xfrm>
+            <a:off x="9659007" y="2202287"/>
+            <a:ext cx="2075744" cy="906025"/>
+          </a:xfrm>
+          <a:prstGeom prst="rect">
+            <a:avLst/>
+          </a:prstGeom>
+        </p:spPr>
+      </p:pic>
     </p:spTree>
     <p:extLst>
       <p:ext uri="{BB962C8B-B14F-4D97-AF65-F5344CB8AC3E}">
@@ -9166,6 +9800,66 @@
           </a:p>
         </p:txBody>
       </p:sp>
+      <p:pic>
+        <p:nvPicPr>
+          <p:cNvPr id="3" name="Picture 2">
+            <a:extLst>
+              <a:ext uri="{FF2B5EF4-FFF2-40B4-BE49-F238E27FC236}">
+                <a16:creationId xmlns:a16="http://schemas.microsoft.com/office/drawing/2014/main" id="{D086AE96-025D-C1D1-2994-D8A43131E00F}"/>
+              </a:ext>
+            </a:extLst>
+          </p:cNvPr>
+          <p:cNvPicPr>
+            <a:picLocks noChangeAspect="1"/>
+          </p:cNvPicPr>
+          <p:nvPr/>
+        </p:nvPicPr>
+        <p:blipFill>
+          <a:blip r:embed="rId2"/>
+          <a:stretch>
+            <a:fillRect/>
+          </a:stretch>
+        </p:blipFill>
+        <p:spPr>
+          <a:xfrm>
+            <a:off x="354431" y="4358005"/>
+            <a:ext cx="628650" cy="1133475"/>
+          </a:xfrm>
+          <a:prstGeom prst="rect">
+            <a:avLst/>
+          </a:prstGeom>
+        </p:spPr>
+      </p:pic>
+      <p:pic>
+        <p:nvPicPr>
+          <p:cNvPr id="12" name="Picture 11">
+            <a:extLst>
+              <a:ext uri="{FF2B5EF4-FFF2-40B4-BE49-F238E27FC236}">
+                <a16:creationId xmlns:a16="http://schemas.microsoft.com/office/drawing/2014/main" id="{B125F40F-7108-432F-99E6-40063BFF2BF5}"/>
+              </a:ext>
+            </a:extLst>
+          </p:cNvPr>
+          <p:cNvPicPr>
+            <a:picLocks noChangeAspect="1"/>
+          </p:cNvPicPr>
+          <p:nvPr/>
+        </p:nvPicPr>
+        <p:blipFill>
+          <a:blip r:embed="rId3"/>
+          <a:stretch>
+            <a:fillRect/>
+          </a:stretch>
+        </p:blipFill>
+        <p:spPr>
+          <a:xfrm>
+            <a:off x="308967" y="2610611"/>
+            <a:ext cx="1955725" cy="901680"/>
+          </a:xfrm>
+          <a:prstGeom prst="rect">
+            <a:avLst/>
+          </a:prstGeom>
+        </p:spPr>
+      </p:pic>
     </p:spTree>
     <p:extLst>
       <p:ext uri="{BB962C8B-B14F-4D97-AF65-F5344CB8AC3E}">
@@ -9180,6 +9874,259 @@
 </file>
 
 <file path=ppt/slides/slide5.xml><?xml version="1.0" encoding="utf-8"?>
+<p:sld xmlns:a="http://schemas.openxmlformats.org/drawingml/2006/main" xmlns:r="http://schemas.openxmlformats.org/officeDocument/2006/relationships" xmlns:p="http://schemas.openxmlformats.org/presentationml/2006/main">
+  <p:cSld>
+    <p:spTree>
+      <p:nvGrpSpPr>
+        <p:cNvPr id="1" name=""/>
+        <p:cNvGrpSpPr/>
+        <p:nvPr/>
+      </p:nvGrpSpPr>
+      <p:grpSpPr>
+        <a:xfrm>
+          <a:off x="0" y="0"/>
+          <a:ext cx="0" cy="0"/>
+          <a:chOff x="0" y="0"/>
+          <a:chExt cx="0" cy="0"/>
+        </a:xfrm>
+      </p:grpSpPr>
+      <p:sp>
+        <p:nvSpPr>
+          <p:cNvPr id="2" name="Title 1">
+            <a:extLst>
+              <a:ext uri="{FF2B5EF4-FFF2-40B4-BE49-F238E27FC236}">
+                <a16:creationId xmlns:a16="http://schemas.microsoft.com/office/drawing/2014/main" id="{28655739-A6C8-900F-F4A3-0DDEC8FB71A2}"/>
+              </a:ext>
+            </a:extLst>
+          </p:cNvPr>
+          <p:cNvSpPr>
+            <a:spLocks noGrp="1"/>
+          </p:cNvSpPr>
+          <p:nvPr>
+            <p:ph type="title"/>
+          </p:nvPr>
+        </p:nvSpPr>
+        <p:spPr/>
+        <p:txBody>
+          <a:bodyPr/>
+          <a:lstStyle/>
+          <a:p>
+            <a:r>
+              <a:rPr lang="en-NZ" dirty="0"/>
+              <a:t># </a:t>
+            </a:r>
+            <a:r>
+              <a:rPr lang="en-NZ" dirty="0" err="1"/>
+              <a:t>g.region</a:t>
+            </a:r>
+            <a:r>
+              <a:rPr lang="en-NZ" dirty="0"/>
+              <a:t> versus </a:t>
+            </a:r>
+            <a:r>
+              <a:rPr lang="en-NZ" dirty="0" err="1"/>
+              <a:t>r.mask</a:t>
+            </a:r>
+            <a:br>
+              <a:rPr lang="en-NZ" dirty="0"/>
+            </a:br>
+            <a:endParaRPr lang="en-NZ" dirty="0"/>
+          </a:p>
+        </p:txBody>
+      </p:sp>
+      <p:sp>
+        <p:nvSpPr>
+          <p:cNvPr id="3" name="Content Placeholder 2">
+            <a:extLst>
+              <a:ext uri="{FF2B5EF4-FFF2-40B4-BE49-F238E27FC236}">
+                <a16:creationId xmlns:a16="http://schemas.microsoft.com/office/drawing/2014/main" id="{58126086-7FC5-0890-80D6-A4DF301E27D1}"/>
+              </a:ext>
+            </a:extLst>
+          </p:cNvPr>
+          <p:cNvSpPr>
+            <a:spLocks noGrp="1"/>
+          </p:cNvSpPr>
+          <p:nvPr>
+            <p:ph idx="1"/>
+          </p:nvPr>
+        </p:nvSpPr>
+        <p:spPr/>
+        <p:txBody>
+          <a:bodyPr>
+            <a:normAutofit fontScale="92500" lnSpcReduction="20000"/>
+          </a:bodyPr>
+          <a:lstStyle/>
+          <a:p>
+            <a:endParaRPr lang="en-NZ" dirty="0"/>
+          </a:p>
+          <a:p>
+            <a:r>
+              <a:rPr lang="en-NZ" dirty="0" err="1"/>
+              <a:t>g.region</a:t>
+            </a:r>
+            <a:r>
+              <a:rPr lang="en-NZ" dirty="0"/>
+              <a:t> adjusts the computational region to match the extent and resolution of pop, impacting where calculations occur.</a:t>
+            </a:r>
+          </a:p>
+          <a:p>
+            <a:endParaRPr lang="en-NZ" dirty="0"/>
+          </a:p>
+          <a:p>
+            <a:r>
+              <a:rPr lang="en-NZ" dirty="0" err="1"/>
+              <a:t>r.mask</a:t>
+            </a:r>
+            <a:r>
+              <a:rPr lang="en-NZ" dirty="0"/>
+              <a:t> establishes a mask that restricts operations to the non-null values of pop, affecting how calculations are performed within the defined region.</a:t>
+            </a:r>
+          </a:p>
+          <a:p>
+            <a:endParaRPr lang="en-NZ" dirty="0"/>
+          </a:p>
+          <a:p>
+            <a:pPr marL="0" indent="0">
+              <a:buNone/>
+            </a:pPr>
+            <a:r>
+              <a:rPr lang="en-NZ" dirty="0"/>
+              <a:t>Outcome:</a:t>
+            </a:r>
+          </a:p>
+          <a:p>
+            <a:r>
+              <a:rPr lang="en-NZ" dirty="0"/>
+              <a:t>Using </a:t>
+            </a:r>
+            <a:r>
+              <a:rPr lang="en-NZ" dirty="0" err="1"/>
+              <a:t>g.region</a:t>
+            </a:r>
+            <a:r>
+              <a:rPr lang="en-NZ" dirty="0"/>
+              <a:t> impacts which area is considered for computations.</a:t>
+            </a:r>
+          </a:p>
+          <a:p>
+            <a:r>
+              <a:rPr lang="en-NZ" dirty="0"/>
+              <a:t>Using </a:t>
+            </a:r>
+            <a:r>
+              <a:rPr lang="en-NZ" dirty="0" err="1"/>
+              <a:t>r.mask</a:t>
+            </a:r>
+            <a:r>
+              <a:rPr lang="en-NZ" dirty="0"/>
+              <a:t> affects how values in that area are treated (i.e., ignoring nulls).</a:t>
+            </a:r>
+          </a:p>
+        </p:txBody>
+      </p:sp>
+    </p:spTree>
+    <p:extLst>
+      <p:ext uri="{BB962C8B-B14F-4D97-AF65-F5344CB8AC3E}">
+        <p14:creationId xmlns:p14="http://schemas.microsoft.com/office/powerpoint/2010/main" val="2694894113"/>
+      </p:ext>
+    </p:extLst>
+  </p:cSld>
+  <p:clrMapOvr>
+    <a:masterClrMapping/>
+  </p:clrMapOvr>
+</p:sld>
+</file>
+
+<file path=ppt/slides/slide6.xml><?xml version="1.0" encoding="utf-8"?>
+<p:sld xmlns:a="http://schemas.openxmlformats.org/drawingml/2006/main" xmlns:r="http://schemas.openxmlformats.org/officeDocument/2006/relationships" xmlns:p="http://schemas.openxmlformats.org/presentationml/2006/main">
+  <p:cSld>
+    <p:spTree>
+      <p:nvGrpSpPr>
+        <p:cNvPr id="1" name=""/>
+        <p:cNvGrpSpPr/>
+        <p:nvPr/>
+      </p:nvGrpSpPr>
+      <p:grpSpPr>
+        <a:xfrm>
+          <a:off x="0" y="0"/>
+          <a:ext cx="0" cy="0"/>
+          <a:chOff x="0" y="0"/>
+          <a:chExt cx="0" cy="0"/>
+        </a:xfrm>
+      </p:grpSpPr>
+      <p:sp>
+        <p:nvSpPr>
+          <p:cNvPr id="2" name="Title 1">
+            <a:extLst>
+              <a:ext uri="{FF2B5EF4-FFF2-40B4-BE49-F238E27FC236}">
+                <a16:creationId xmlns:a16="http://schemas.microsoft.com/office/drawing/2014/main" id="{0909349E-79AB-EAC1-7FFA-08B960F27567}"/>
+              </a:ext>
+            </a:extLst>
+          </p:cNvPr>
+          <p:cNvSpPr>
+            <a:spLocks noGrp="1"/>
+          </p:cNvSpPr>
+          <p:nvPr>
+            <p:ph type="title"/>
+          </p:nvPr>
+        </p:nvSpPr>
+        <p:spPr/>
+        <p:txBody>
+          <a:bodyPr/>
+          <a:lstStyle/>
+          <a:p>
+            <a:r>
+              <a:rPr lang="en-US" dirty="0"/>
+              <a:t>Asia region dim as 100 m</a:t>
+            </a:r>
+            <a:endParaRPr lang="en-NZ" dirty="0"/>
+          </a:p>
+        </p:txBody>
+      </p:sp>
+      <p:pic>
+        <p:nvPicPr>
+          <p:cNvPr id="5" name="Picture 4">
+            <a:extLst>
+              <a:ext uri="{FF2B5EF4-FFF2-40B4-BE49-F238E27FC236}">
+                <a16:creationId xmlns:a16="http://schemas.microsoft.com/office/drawing/2014/main" id="{C051A620-5998-B8D7-F5BB-CE3F365EFD2D}"/>
+              </a:ext>
+            </a:extLst>
+          </p:cNvPr>
+          <p:cNvPicPr>
+            <a:picLocks noChangeAspect="1"/>
+          </p:cNvPicPr>
+          <p:nvPr/>
+        </p:nvPicPr>
+        <p:blipFill>
+          <a:blip r:embed="rId2"/>
+          <a:stretch>
+            <a:fillRect/>
+          </a:stretch>
+        </p:blipFill>
+        <p:spPr>
+          <a:xfrm>
+            <a:off x="1360530" y="2110581"/>
+            <a:ext cx="7296150" cy="3781425"/>
+          </a:xfrm>
+          <a:prstGeom prst="rect">
+            <a:avLst/>
+          </a:prstGeom>
+        </p:spPr>
+      </p:pic>
+    </p:spTree>
+    <p:extLst>
+      <p:ext uri="{BB962C8B-B14F-4D97-AF65-F5344CB8AC3E}">
+        <p14:creationId xmlns:p14="http://schemas.microsoft.com/office/powerpoint/2010/main" val="3187652088"/>
+      </p:ext>
+    </p:extLst>
+  </p:cSld>
+  <p:clrMapOvr>
+    <a:masterClrMapping/>
+  </p:clrMapOvr>
+</p:sld>
+</file>
+
+<file path=ppt/slides/slide7.xml><?xml version="1.0" encoding="utf-8"?>
 <p:sld xmlns:a="http://schemas.openxmlformats.org/drawingml/2006/main" xmlns:r="http://schemas.openxmlformats.org/officeDocument/2006/relationships" xmlns:p="http://schemas.openxmlformats.org/presentationml/2006/main">
   <p:cSld>
     <p:spTree>
@@ -9239,7 +10186,7 @@
 </p:sld>
 </file>
 
-<file path=ppt/slides/slide6.xml><?xml version="1.0" encoding="utf-8"?>
+<file path=ppt/slides/slide8.xml><?xml version="1.0" encoding="utf-8"?>
 <p:sld xmlns:a="http://schemas.openxmlformats.org/drawingml/2006/main" xmlns:r="http://schemas.openxmlformats.org/officeDocument/2006/relationships" xmlns:p="http://schemas.openxmlformats.org/presentationml/2006/main">
   <p:cSld>
     <p:spTree>
@@ -9298,7 +10245,7 @@
 </p:sld>
 </file>
 
-<file path=ppt/slides/slide7.xml><?xml version="1.0" encoding="utf-8"?>
+<file path=ppt/slides/slide9.xml><?xml version="1.0" encoding="utf-8"?>
 <p:sld xmlns:a="http://schemas.openxmlformats.org/drawingml/2006/main" xmlns:r="http://schemas.openxmlformats.org/officeDocument/2006/relationships" xmlns:p="http://schemas.openxmlformats.org/presentationml/2006/main">
   <p:cSld>
     <p:spTree>
@@ -9430,652 +10377,6 @@
     <p:extLst>
       <p:ext uri="{BB962C8B-B14F-4D97-AF65-F5344CB8AC3E}">
         <p14:creationId xmlns:p14="http://schemas.microsoft.com/office/powerpoint/2010/main" val="3242349104"/>
-      </p:ext>
-    </p:extLst>
-  </p:cSld>
-  <p:clrMapOvr>
-    <a:masterClrMapping/>
-  </p:clrMapOvr>
-</p:sld>
-</file>
-
-<file path=ppt/slides/slide8.xml><?xml version="1.0" encoding="utf-8"?>
-<p:sld xmlns:a="http://schemas.openxmlformats.org/drawingml/2006/main" xmlns:r="http://schemas.openxmlformats.org/officeDocument/2006/relationships" xmlns:p="http://schemas.openxmlformats.org/presentationml/2006/main">
-  <p:cSld>
-    <p:spTree>
-      <p:nvGrpSpPr>
-        <p:cNvPr id="1" name=""/>
-        <p:cNvGrpSpPr/>
-        <p:nvPr/>
-      </p:nvGrpSpPr>
-      <p:grpSpPr>
-        <a:xfrm>
-          <a:off x="0" y="0"/>
-          <a:ext cx="0" cy="0"/>
-          <a:chOff x="0" y="0"/>
-          <a:chExt cx="0" cy="0"/>
-        </a:xfrm>
-      </p:grpSpPr>
-      <p:sp>
-        <p:nvSpPr>
-          <p:cNvPr id="9" name="Title 8">
-            <a:extLst>
-              <a:ext uri="{FF2B5EF4-FFF2-40B4-BE49-F238E27FC236}">
-                <a16:creationId xmlns:a16="http://schemas.microsoft.com/office/drawing/2014/main" id="{DFD8ABC5-71B4-6FCF-4261-C4D9D6AF67A6}"/>
-              </a:ext>
-            </a:extLst>
-          </p:cNvPr>
-          <p:cNvSpPr>
-            <a:spLocks noGrp="1"/>
-          </p:cNvSpPr>
-          <p:nvPr>
-            <p:ph type="title"/>
-          </p:nvPr>
-        </p:nvSpPr>
-        <p:spPr>
-          <a:xfrm>
-            <a:off x="247482" y="71817"/>
-            <a:ext cx="10515600" cy="1325563"/>
-          </a:xfrm>
-        </p:spPr>
-        <p:txBody>
-          <a:bodyPr>
-            <a:normAutofit/>
-          </a:bodyPr>
-          <a:lstStyle/>
-          <a:p>
-            <a:r>
-              <a:rPr lang="pt-BR" sz="3200" dirty="0">
-                <a:latin typeface="Arial" panose="020B0604020202020204" pitchFamily="34" charset="0"/>
-                <a:cs typeface="Arial" panose="020B0604020202020204" pitchFamily="34" charset="0"/>
-              </a:rPr>
-              <a:t>Computational power</a:t>
-            </a:r>
-            <a:endParaRPr lang="en-NZ" sz="3200" dirty="0">
-              <a:latin typeface="Arial" panose="020B0604020202020204" pitchFamily="34" charset="0"/>
-              <a:cs typeface="Arial" panose="020B0604020202020204" pitchFamily="34" charset="0"/>
-            </a:endParaRPr>
-          </a:p>
-        </p:txBody>
-      </p:sp>
-      <p:sp>
-        <p:nvSpPr>
-          <p:cNvPr id="5" name="TextBox 4">
-            <a:extLst>
-              <a:ext uri="{FF2B5EF4-FFF2-40B4-BE49-F238E27FC236}">
-                <a16:creationId xmlns:a16="http://schemas.microsoft.com/office/drawing/2014/main" id="{01DBC4BD-1E70-E3BC-76F9-67DA3787AB22}"/>
-              </a:ext>
-            </a:extLst>
-          </p:cNvPr>
-          <p:cNvSpPr txBox="1"/>
-          <p:nvPr/>
-        </p:nvSpPr>
-        <p:spPr>
-          <a:xfrm>
-            <a:off x="466257" y="1344103"/>
-            <a:ext cx="5553543" cy="646331"/>
-          </a:xfrm>
-          <a:prstGeom prst="rect">
-            <a:avLst/>
-          </a:prstGeom>
-          <a:noFill/>
-        </p:spPr>
-        <p:txBody>
-          <a:bodyPr wrap="square" rtlCol="0">
-            <a:spAutoFit/>
-          </a:bodyPr>
-          <a:lstStyle/>
-          <a:p>
-            <a:r>
-              <a:rPr lang="pt-BR" dirty="0"/>
-              <a:t>Minimal requirements ( Massey PC 2023): </a:t>
-            </a:r>
-          </a:p>
-          <a:p>
-            <a:r>
-              <a:rPr lang="pt-BR" dirty="0"/>
-              <a:t>7 cores, 32 RAM, a lot of local mem</a:t>
-            </a:r>
-            <a:endParaRPr lang="en-NZ" dirty="0"/>
-          </a:p>
-        </p:txBody>
-      </p:sp>
-      <p:sp>
-        <p:nvSpPr>
-          <p:cNvPr id="8" name="TextBox 7">
-            <a:extLst>
-              <a:ext uri="{FF2B5EF4-FFF2-40B4-BE49-F238E27FC236}">
-                <a16:creationId xmlns:a16="http://schemas.microsoft.com/office/drawing/2014/main" id="{89E68454-4F09-AEE0-D017-61DD80EC9AA1}"/>
-              </a:ext>
-            </a:extLst>
-          </p:cNvPr>
-          <p:cNvSpPr txBox="1"/>
-          <p:nvPr/>
-        </p:nvSpPr>
-        <p:spPr>
-          <a:xfrm>
-            <a:off x="5752898" y="1311751"/>
-            <a:ext cx="1706044" cy="369332"/>
-          </a:xfrm>
-          <a:prstGeom prst="rect">
-            <a:avLst/>
-          </a:prstGeom>
-          <a:noFill/>
-        </p:spPr>
-        <p:txBody>
-          <a:bodyPr wrap="none" rtlCol="0">
-            <a:spAutoFit/>
-          </a:bodyPr>
-          <a:lstStyle/>
-          <a:p>
-            <a:r>
-              <a:rPr lang="pt-BR" dirty="0"/>
-              <a:t>Massey PC 2024</a:t>
-            </a:r>
-            <a:endParaRPr lang="en-NZ" dirty="0"/>
-          </a:p>
-        </p:txBody>
-      </p:sp>
-      <p:pic>
-        <p:nvPicPr>
-          <p:cNvPr id="12" name="Picture 11">
-            <a:extLst>
-              <a:ext uri="{FF2B5EF4-FFF2-40B4-BE49-F238E27FC236}">
-                <a16:creationId xmlns:a16="http://schemas.microsoft.com/office/drawing/2014/main" id="{6F84CC96-FF4D-CC8C-5ADE-33B707619703}"/>
-              </a:ext>
-            </a:extLst>
-          </p:cNvPr>
-          <p:cNvPicPr>
-            <a:picLocks noChangeAspect="1"/>
-          </p:cNvPicPr>
-          <p:nvPr/>
-        </p:nvPicPr>
-        <p:blipFill>
-          <a:blip r:embed="rId2"/>
-          <a:stretch>
-            <a:fillRect/>
-          </a:stretch>
-        </p:blipFill>
-        <p:spPr>
-          <a:xfrm>
-            <a:off x="7590132" y="4671000"/>
-            <a:ext cx="1895475" cy="1552575"/>
-          </a:xfrm>
-          <a:prstGeom prst="rect">
-            <a:avLst/>
-          </a:prstGeom>
-        </p:spPr>
-      </p:pic>
-      <p:pic>
-        <p:nvPicPr>
-          <p:cNvPr id="14" name="Picture 13">
-            <a:extLst>
-              <a:ext uri="{FF2B5EF4-FFF2-40B4-BE49-F238E27FC236}">
-                <a16:creationId xmlns:a16="http://schemas.microsoft.com/office/drawing/2014/main" id="{11C2BA67-27E9-0E4A-0E39-F7A90069F314}"/>
-              </a:ext>
-            </a:extLst>
-          </p:cNvPr>
-          <p:cNvPicPr>
-            <a:picLocks noChangeAspect="1"/>
-          </p:cNvPicPr>
-          <p:nvPr/>
-        </p:nvPicPr>
-        <p:blipFill rotWithShape="1">
-          <a:blip r:embed="rId3"/>
-          <a:srcRect r="58943"/>
-          <a:stretch/>
-        </p:blipFill>
-        <p:spPr>
-          <a:xfrm>
-            <a:off x="203339" y="2277711"/>
-            <a:ext cx="4826983" cy="646331"/>
-          </a:xfrm>
-          <a:prstGeom prst="rect">
-            <a:avLst/>
-          </a:prstGeom>
-        </p:spPr>
-      </p:pic>
-      <p:pic>
-        <p:nvPicPr>
-          <p:cNvPr id="17" name="Picture 16">
-            <a:extLst>
-              <a:ext uri="{FF2B5EF4-FFF2-40B4-BE49-F238E27FC236}">
-                <a16:creationId xmlns:a16="http://schemas.microsoft.com/office/drawing/2014/main" id="{0FB1EDA2-70D7-D579-3BD6-1371E43D4585}"/>
-              </a:ext>
-            </a:extLst>
-          </p:cNvPr>
-          <p:cNvPicPr>
-            <a:picLocks noChangeAspect="1"/>
-          </p:cNvPicPr>
-          <p:nvPr/>
-        </p:nvPicPr>
-        <p:blipFill rotWithShape="1">
-          <a:blip r:embed="rId3"/>
-          <a:srcRect l="40414" r="19279"/>
-          <a:stretch/>
-        </p:blipFill>
-        <p:spPr>
-          <a:xfrm>
-            <a:off x="247482" y="2871265"/>
-            <a:ext cx="4738696" cy="646331"/>
-          </a:xfrm>
-          <a:prstGeom prst="rect">
-            <a:avLst/>
-          </a:prstGeom>
-        </p:spPr>
-      </p:pic>
-      <p:sp>
-        <p:nvSpPr>
-          <p:cNvPr id="18" name="Rectangle: Rounded Corners 17">
-            <a:extLst>
-              <a:ext uri="{FF2B5EF4-FFF2-40B4-BE49-F238E27FC236}">
-                <a16:creationId xmlns:a16="http://schemas.microsoft.com/office/drawing/2014/main" id="{06835E48-3F45-1332-75F9-89516119A60D}"/>
-              </a:ext>
-            </a:extLst>
-          </p:cNvPr>
-          <p:cNvSpPr/>
-          <p:nvPr/>
-        </p:nvSpPr>
-        <p:spPr>
-          <a:xfrm>
-            <a:off x="203339" y="2871265"/>
-            <a:ext cx="2455849" cy="740429"/>
-          </a:xfrm>
-          <a:prstGeom prst="roundRect">
-            <a:avLst/>
-          </a:prstGeom>
-          <a:noFill/>
-          <a:ln w="9525" cap="flat" cmpd="sng" algn="ctr">
-            <a:solidFill>
-              <a:schemeClr val="accent6"/>
-            </a:solidFill>
-            <a:prstDash val="solid"/>
-            <a:round/>
-            <a:headEnd type="none" w="med" len="med"/>
-            <a:tailEnd type="none" w="med" len="med"/>
-          </a:ln>
-        </p:spPr>
-        <p:style>
-          <a:lnRef idx="0">
-            <a:scrgbClr r="0" g="0" b="0"/>
-          </a:lnRef>
-          <a:fillRef idx="0">
-            <a:scrgbClr r="0" g="0" b="0"/>
-          </a:fillRef>
-          <a:effectRef idx="0">
-            <a:scrgbClr r="0" g="0" b="0"/>
-          </a:effectRef>
-          <a:fontRef idx="minor">
-            <a:schemeClr val="accent6"/>
-          </a:fontRef>
-        </p:style>
-        <p:txBody>
-          <a:bodyPr rtlCol="0" anchor="ctr"/>
-          <a:lstStyle/>
-          <a:p>
-            <a:pPr algn="ctr"/>
-            <a:endParaRPr lang="en-NZ"/>
-          </a:p>
-        </p:txBody>
-      </p:sp>
-      <p:sp>
-        <p:nvSpPr>
-          <p:cNvPr id="19" name="Rectangle: Rounded Corners 18">
-            <a:extLst>
-              <a:ext uri="{FF2B5EF4-FFF2-40B4-BE49-F238E27FC236}">
-                <a16:creationId xmlns:a16="http://schemas.microsoft.com/office/drawing/2014/main" id="{771ED4BD-3597-533D-8B5B-A3B5F3D33EC6}"/>
-              </a:ext>
-            </a:extLst>
-          </p:cNvPr>
-          <p:cNvSpPr/>
-          <p:nvPr/>
-        </p:nvSpPr>
-        <p:spPr>
-          <a:xfrm>
-            <a:off x="117786" y="1283624"/>
-            <a:ext cx="5349814" cy="2566626"/>
-          </a:xfrm>
-          <a:prstGeom prst="roundRect">
-            <a:avLst/>
-          </a:prstGeom>
-          <a:noFill/>
-          <a:ln>
-            <a:solidFill>
-              <a:srgbClr val="7030A0"/>
-            </a:solidFill>
-          </a:ln>
-        </p:spPr>
-        <p:style>
-          <a:lnRef idx="2">
-            <a:schemeClr val="accent1">
-              <a:shade val="15000"/>
-            </a:schemeClr>
-          </a:lnRef>
-          <a:fillRef idx="1">
-            <a:schemeClr val="accent1"/>
-          </a:fillRef>
-          <a:effectRef idx="0">
-            <a:schemeClr val="accent1"/>
-          </a:effectRef>
-          <a:fontRef idx="minor">
-            <a:schemeClr val="lt1"/>
-          </a:fontRef>
-        </p:style>
-        <p:txBody>
-          <a:bodyPr rtlCol="0" anchor="ctr"/>
-          <a:lstStyle/>
-          <a:p>
-            <a:pPr algn="ctr"/>
-            <a:endParaRPr lang="en-NZ" dirty="0"/>
-          </a:p>
-        </p:txBody>
-      </p:sp>
-      <p:sp>
-        <p:nvSpPr>
-          <p:cNvPr id="20" name="Rectangle: Rounded Corners 19">
-            <a:extLst>
-              <a:ext uri="{FF2B5EF4-FFF2-40B4-BE49-F238E27FC236}">
-                <a16:creationId xmlns:a16="http://schemas.microsoft.com/office/drawing/2014/main" id="{B6503175-B2E8-C651-2B69-9F52295CEF39}"/>
-              </a:ext>
-            </a:extLst>
-          </p:cNvPr>
-          <p:cNvSpPr/>
-          <p:nvPr/>
-        </p:nvSpPr>
-        <p:spPr>
-          <a:xfrm>
-            <a:off x="5752898" y="3981191"/>
-            <a:ext cx="6235762" cy="2743007"/>
-          </a:xfrm>
-          <a:prstGeom prst="roundRect">
-            <a:avLst/>
-          </a:prstGeom>
-          <a:noFill/>
-          <a:ln>
-            <a:solidFill>
-              <a:schemeClr val="accent2">
-                <a:lumMod val="75000"/>
-              </a:schemeClr>
-            </a:solidFill>
-          </a:ln>
-        </p:spPr>
-        <p:style>
-          <a:lnRef idx="2">
-            <a:schemeClr val="accent1">
-              <a:shade val="15000"/>
-            </a:schemeClr>
-          </a:lnRef>
-          <a:fillRef idx="1">
-            <a:schemeClr val="accent1"/>
-          </a:fillRef>
-          <a:effectRef idx="0">
-            <a:schemeClr val="accent1"/>
-          </a:effectRef>
-          <a:fontRef idx="minor">
-            <a:schemeClr val="lt1"/>
-          </a:fontRef>
-        </p:style>
-        <p:txBody>
-          <a:bodyPr rtlCol="0" anchor="ctr"/>
-          <a:lstStyle/>
-          <a:p>
-            <a:pPr algn="ctr"/>
-            <a:endParaRPr lang="en-NZ"/>
-          </a:p>
-        </p:txBody>
-      </p:sp>
-      <p:sp>
-        <p:nvSpPr>
-          <p:cNvPr id="2" name="TextBox 1">
-            <a:extLst>
-              <a:ext uri="{FF2B5EF4-FFF2-40B4-BE49-F238E27FC236}">
-                <a16:creationId xmlns:a16="http://schemas.microsoft.com/office/drawing/2014/main" id="{560B4EFA-AAFB-4885-BD09-6B23EEBA9345}"/>
-              </a:ext>
-            </a:extLst>
-          </p:cNvPr>
-          <p:cNvSpPr txBox="1"/>
-          <p:nvPr/>
-        </p:nvSpPr>
-        <p:spPr>
-          <a:xfrm>
-            <a:off x="6120786" y="4011709"/>
-            <a:ext cx="1655390" cy="369332"/>
-          </a:xfrm>
-          <a:prstGeom prst="rect">
-            <a:avLst/>
-          </a:prstGeom>
-          <a:noFill/>
-        </p:spPr>
-        <p:txBody>
-          <a:bodyPr wrap="none" rtlCol="0">
-            <a:spAutoFit/>
-          </a:bodyPr>
-          <a:lstStyle/>
-          <a:p>
-            <a:r>
-              <a:rPr lang="pt-BR" dirty="0"/>
-              <a:t>DW PC Reunion</a:t>
-            </a:r>
-            <a:endParaRPr lang="en-NZ" dirty="0"/>
-          </a:p>
-        </p:txBody>
-      </p:sp>
-      <p:sp>
-        <p:nvSpPr>
-          <p:cNvPr id="3" name="Rectangle: Rounded Corners 2">
-            <a:extLst>
-              <a:ext uri="{FF2B5EF4-FFF2-40B4-BE49-F238E27FC236}">
-                <a16:creationId xmlns:a16="http://schemas.microsoft.com/office/drawing/2014/main" id="{571F6133-874F-F037-BF1A-C37759D721FB}"/>
-              </a:ext>
-            </a:extLst>
-          </p:cNvPr>
-          <p:cNvSpPr/>
-          <p:nvPr/>
-        </p:nvSpPr>
-        <p:spPr>
-          <a:xfrm>
-            <a:off x="5633101" y="1053329"/>
-            <a:ext cx="6355559" cy="2743007"/>
-          </a:xfrm>
-          <a:prstGeom prst="roundRect">
-            <a:avLst/>
-          </a:prstGeom>
-          <a:noFill/>
-          <a:ln>
-            <a:solidFill>
-              <a:srgbClr val="00B050"/>
-            </a:solidFill>
-          </a:ln>
-        </p:spPr>
-        <p:style>
-          <a:lnRef idx="2">
-            <a:schemeClr val="accent1">
-              <a:shade val="15000"/>
-            </a:schemeClr>
-          </a:lnRef>
-          <a:fillRef idx="1">
-            <a:schemeClr val="accent1"/>
-          </a:fillRef>
-          <a:effectRef idx="0">
-            <a:schemeClr val="accent1"/>
-          </a:effectRef>
-          <a:fontRef idx="minor">
-            <a:schemeClr val="lt1"/>
-          </a:fontRef>
-        </p:style>
-        <p:txBody>
-          <a:bodyPr rtlCol="0" anchor="ctr"/>
-          <a:lstStyle/>
-          <a:p>
-            <a:pPr algn="ctr"/>
-            <a:endParaRPr lang="en-NZ"/>
-          </a:p>
-        </p:txBody>
-      </p:sp>
-      <p:pic>
-        <p:nvPicPr>
-          <p:cNvPr id="13" name="Picture 12">
-            <a:extLst>
-              <a:ext uri="{FF2B5EF4-FFF2-40B4-BE49-F238E27FC236}">
-                <a16:creationId xmlns:a16="http://schemas.microsoft.com/office/drawing/2014/main" id="{E6A79EF0-B228-7431-41AC-EE53BAC7C7F1}"/>
-              </a:ext>
-            </a:extLst>
-          </p:cNvPr>
-          <p:cNvPicPr>
-            <a:picLocks noChangeAspect="1"/>
-          </p:cNvPicPr>
-          <p:nvPr/>
-        </p:nvPicPr>
-        <p:blipFill>
-          <a:blip r:embed="rId4"/>
-          <a:stretch>
-            <a:fillRect/>
-          </a:stretch>
-        </p:blipFill>
-        <p:spPr>
-          <a:xfrm>
-            <a:off x="5874757" y="2026700"/>
-            <a:ext cx="5924718" cy="1402300"/>
-          </a:xfrm>
-          <a:prstGeom prst="rect">
-            <a:avLst/>
-          </a:prstGeom>
-        </p:spPr>
-      </p:pic>
-    </p:spTree>
-    <p:extLst>
-      <p:ext uri="{BB962C8B-B14F-4D97-AF65-F5344CB8AC3E}">
-        <p14:creationId xmlns:p14="http://schemas.microsoft.com/office/powerpoint/2010/main" val="3124185329"/>
-      </p:ext>
-    </p:extLst>
-  </p:cSld>
-  <p:clrMapOvr>
-    <a:masterClrMapping/>
-  </p:clrMapOvr>
-</p:sld>
-</file>
-
-<file path=ppt/slides/slide9.xml><?xml version="1.0" encoding="utf-8"?>
-<p:sld xmlns:a="http://schemas.openxmlformats.org/drawingml/2006/main" xmlns:r="http://schemas.openxmlformats.org/officeDocument/2006/relationships" xmlns:p="http://schemas.openxmlformats.org/presentationml/2006/main">
-  <p:cSld>
-    <p:spTree>
-      <p:nvGrpSpPr>
-        <p:cNvPr id="1" name=""/>
-        <p:cNvGrpSpPr/>
-        <p:nvPr/>
-      </p:nvGrpSpPr>
-      <p:grpSpPr>
-        <a:xfrm>
-          <a:off x="0" y="0"/>
-          <a:ext cx="0" cy="0"/>
-          <a:chOff x="0" y="0"/>
-          <a:chExt cx="0" cy="0"/>
-        </a:xfrm>
-      </p:grpSpPr>
-      <p:sp>
-        <p:nvSpPr>
-          <p:cNvPr id="2" name="Title 1">
-            <a:extLst>
-              <a:ext uri="{FF2B5EF4-FFF2-40B4-BE49-F238E27FC236}">
-                <a16:creationId xmlns:a16="http://schemas.microsoft.com/office/drawing/2014/main" id="{534C6EAF-BEB2-B880-BDF1-69D03426864C}"/>
-              </a:ext>
-            </a:extLst>
-          </p:cNvPr>
-          <p:cNvSpPr>
-            <a:spLocks noGrp="1"/>
-          </p:cNvSpPr>
-          <p:nvPr>
-            <p:ph type="title"/>
-          </p:nvPr>
-        </p:nvSpPr>
-        <p:spPr/>
-        <p:txBody>
-          <a:bodyPr>
-            <a:noAutofit/>
-          </a:bodyPr>
-          <a:lstStyle/>
-          <a:p>
-            <a:r>
-              <a:rPr lang="pt-BR" sz="2800" dirty="0"/>
-              <a:t>Almost there with GRASS in HPC!</a:t>
-            </a:r>
-            <a:br>
-              <a:rPr lang="pt-BR" sz="2800" dirty="0"/>
-            </a:br>
-            <a:r>
-              <a:rPr lang="pt-BR" sz="2800" dirty="0"/>
-              <a:t>R update done</a:t>
-            </a:r>
-            <a:br>
-              <a:rPr lang="pt-BR" sz="2800" dirty="0"/>
-            </a:br>
-            <a:r>
-              <a:rPr lang="pt-BR" sz="2800" dirty="0"/>
-              <a:t>Grass module (hidden) installed</a:t>
-            </a:r>
-            <a:endParaRPr lang="en-NZ" sz="2800" dirty="0"/>
-          </a:p>
-        </p:txBody>
-      </p:sp>
-      <p:sp>
-        <p:nvSpPr>
-          <p:cNvPr id="3" name="Content Placeholder 2">
-            <a:extLst>
-              <a:ext uri="{FF2B5EF4-FFF2-40B4-BE49-F238E27FC236}">
-                <a16:creationId xmlns:a16="http://schemas.microsoft.com/office/drawing/2014/main" id="{D1626E5B-A9BB-F752-2507-DD0BDFE8D0ED}"/>
-              </a:ext>
-            </a:extLst>
-          </p:cNvPr>
-          <p:cNvSpPr>
-            <a:spLocks noGrp="1"/>
-          </p:cNvSpPr>
-          <p:nvPr>
-            <p:ph idx="1"/>
-          </p:nvPr>
-        </p:nvSpPr>
-        <p:spPr/>
-        <p:txBody>
-          <a:bodyPr/>
-          <a:lstStyle/>
-          <a:p>
-            <a:endParaRPr lang="en-NZ"/>
-          </a:p>
-        </p:txBody>
-      </p:sp>
-      <p:pic>
-        <p:nvPicPr>
-          <p:cNvPr id="4" name="Picture 3">
-            <a:extLst>
-              <a:ext uri="{FF2B5EF4-FFF2-40B4-BE49-F238E27FC236}">
-                <a16:creationId xmlns:a16="http://schemas.microsoft.com/office/drawing/2014/main" id="{8F7F791C-7DB5-23A2-A2EA-8BE9C3E48FD3}"/>
-              </a:ext>
-            </a:extLst>
-          </p:cNvPr>
-          <p:cNvPicPr>
-            <a:picLocks noChangeAspect="1"/>
-          </p:cNvPicPr>
-          <p:nvPr/>
-        </p:nvPicPr>
-        <p:blipFill>
-          <a:blip r:embed="rId2"/>
-          <a:stretch>
-            <a:fillRect/>
-          </a:stretch>
-        </p:blipFill>
-        <p:spPr>
-          <a:xfrm>
-            <a:off x="1365501" y="1911405"/>
-            <a:ext cx="9095238" cy="4390476"/>
-          </a:xfrm>
-          <a:prstGeom prst="rect">
-            <a:avLst/>
-          </a:prstGeom>
-        </p:spPr>
-      </p:pic>
-    </p:spTree>
-    <p:extLst>
-      <p:ext uri="{BB962C8B-B14F-4D97-AF65-F5344CB8AC3E}">
-        <p14:creationId xmlns:p14="http://schemas.microsoft.com/office/powerpoint/2010/main" val="1566622904"/>
       </p:ext>
     </p:extLst>
   </p:cSld>

--- a/workflow/eride_global_dev.pptx
+++ b/workflow/eride_global_dev.pptx
@@ -5,7 +5,7 @@
     <p:sldMasterId id="2147483648" r:id="rId1"/>
   </p:sldMasterIdLst>
   <p:notesMasterIdLst>
-    <p:notesMasterId r:id="rId15"/>
+    <p:notesMasterId r:id="rId16"/>
   </p:notesMasterIdLst>
   <p:sldIdLst>
     <p:sldId id="261" r:id="rId2"/>
@@ -14,13 +14,14 @@
     <p:sldId id="611" r:id="rId5"/>
     <p:sldId id="614" r:id="rId6"/>
     <p:sldId id="615" r:id="rId7"/>
-    <p:sldId id="612" r:id="rId8"/>
-    <p:sldId id="613" r:id="rId9"/>
-    <p:sldId id="263" r:id="rId10"/>
-    <p:sldId id="262" r:id="rId11"/>
-    <p:sldId id="257" r:id="rId12"/>
-    <p:sldId id="258" r:id="rId13"/>
-    <p:sldId id="259" r:id="rId14"/>
+    <p:sldId id="616" r:id="rId8"/>
+    <p:sldId id="612" r:id="rId9"/>
+    <p:sldId id="613" r:id="rId10"/>
+    <p:sldId id="263" r:id="rId11"/>
+    <p:sldId id="262" r:id="rId12"/>
+    <p:sldId id="257" r:id="rId13"/>
+    <p:sldId id="258" r:id="rId14"/>
+    <p:sldId id="259" r:id="rId15"/>
   </p:sldIdLst>
   <p:sldSz cx="12192000" cy="6858000"/>
   <p:notesSz cx="6858000" cy="9144000"/>
@@ -1265,7 +1266,7 @@
           <a:p>
             <a:fld id="{77AE68A4-D346-4511-A7CB-895C11A6FF66}" type="slidenum">
               <a:rPr lang="en-NZ" smtClean="0"/>
-              <a:t>7</a:t>
+              <a:t>8</a:t>
             </a:fld>
             <a:endParaRPr lang="en-NZ"/>
           </a:p>
@@ -5985,6 +5986,147 @@
       </p:grpSpPr>
       <p:sp>
         <p:nvSpPr>
+          <p:cNvPr id="2" name="Title 1">
+            <a:extLst>
+              <a:ext uri="{FF2B5EF4-FFF2-40B4-BE49-F238E27FC236}">
+                <a16:creationId xmlns:a16="http://schemas.microsoft.com/office/drawing/2014/main" id="{059FB3C3-F851-7B41-4621-C5D889ECD602}"/>
+              </a:ext>
+            </a:extLst>
+          </p:cNvPr>
+          <p:cNvSpPr>
+            <a:spLocks noGrp="1"/>
+          </p:cNvSpPr>
+          <p:nvPr>
+            <p:ph type="title"/>
+          </p:nvPr>
+        </p:nvSpPr>
+        <p:spPr/>
+        <p:txBody>
+          <a:bodyPr/>
+          <a:lstStyle/>
+          <a:p>
+            <a:r>
+              <a:rPr lang="pt-BR" dirty="0">
+                <a:latin typeface="Arial" panose="020B0604020202020204" pitchFamily="34" charset="0"/>
+                <a:cs typeface="Arial" panose="020B0604020202020204" pitchFamily="34" charset="0"/>
+              </a:rPr>
+              <a:t>Is a patch-based model globally relevant?</a:t>
+            </a:r>
+            <a:endParaRPr lang="en-NZ" dirty="0">
+              <a:latin typeface="Arial" panose="020B0604020202020204" pitchFamily="34" charset="0"/>
+              <a:cs typeface="Arial" panose="020B0604020202020204" pitchFamily="34" charset="0"/>
+            </a:endParaRPr>
+          </a:p>
+        </p:txBody>
+      </p:sp>
+      <p:sp>
+        <p:nvSpPr>
+          <p:cNvPr id="3" name="Content Placeholder 2">
+            <a:extLst>
+              <a:ext uri="{FF2B5EF4-FFF2-40B4-BE49-F238E27FC236}">
+                <a16:creationId xmlns:a16="http://schemas.microsoft.com/office/drawing/2014/main" id="{D83AE20D-A460-CE31-6B4E-18E31E0B194C}"/>
+              </a:ext>
+            </a:extLst>
+          </p:cNvPr>
+          <p:cNvSpPr>
+            <a:spLocks noGrp="1"/>
+          </p:cNvSpPr>
+          <p:nvPr>
+            <p:ph idx="1"/>
+          </p:nvPr>
+        </p:nvSpPr>
+        <p:spPr/>
+        <p:txBody>
+          <a:bodyPr/>
+          <a:lstStyle/>
+          <a:p>
+            <a:r>
+              <a:rPr lang="pt-BR"/>
+              <a:t>Does a mechanistic model (based on island biogeography) compare to the global patterns of coarser, correlative models previously published?</a:t>
+            </a:r>
+            <a:endParaRPr lang="en-NZ" dirty="0"/>
+          </a:p>
+        </p:txBody>
+      </p:sp>
+      <p:pic>
+        <p:nvPicPr>
+          <p:cNvPr id="2050" name="Picture 2">
+            <a:extLst>
+              <a:ext uri="{FF2B5EF4-FFF2-40B4-BE49-F238E27FC236}">
+                <a16:creationId xmlns:a16="http://schemas.microsoft.com/office/drawing/2014/main" id="{0379D601-7371-4F0A-D78A-48DE0BC87055}"/>
+              </a:ext>
+            </a:extLst>
+          </p:cNvPr>
+          <p:cNvPicPr>
+            <a:picLocks noChangeAspect="1" noChangeArrowheads="1"/>
+          </p:cNvPicPr>
+          <p:nvPr/>
+        </p:nvPicPr>
+        <p:blipFill>
+          <a:blip r:embed="rId2">
+            <a:extLst>
+              <a:ext uri="{28A0092B-C50C-407E-A947-70E740481C1C}">
+                <a14:useLocalDpi xmlns:a14="http://schemas.microsoft.com/office/drawing/2010/main" val="0"/>
+              </a:ext>
+            </a:extLst>
+          </a:blip>
+          <a:srcRect/>
+          <a:stretch>
+            <a:fillRect/>
+          </a:stretch>
+        </p:blipFill>
+        <p:spPr bwMode="auto">
+          <a:xfrm>
+            <a:off x="3664269" y="3106754"/>
+            <a:ext cx="3945572" cy="3070209"/>
+          </a:xfrm>
+          <a:prstGeom prst="rect">
+            <a:avLst/>
+          </a:prstGeom>
+          <a:noFill/>
+          <a:extLst>
+            <a:ext uri="{909E8E84-426E-40DD-AFC4-6F175D3DCCD1}">
+              <a14:hiddenFill xmlns:a14="http://schemas.microsoft.com/office/drawing/2010/main">
+                <a:solidFill>
+                  <a:srgbClr val="FFFFFF"/>
+                </a:solidFill>
+              </a14:hiddenFill>
+            </a:ext>
+          </a:extLst>
+        </p:spPr>
+      </p:pic>
+    </p:spTree>
+    <p:extLst>
+      <p:ext uri="{BB962C8B-B14F-4D97-AF65-F5344CB8AC3E}">
+        <p14:creationId xmlns:p14="http://schemas.microsoft.com/office/powerpoint/2010/main" val="3242349104"/>
+      </p:ext>
+    </p:extLst>
+  </p:cSld>
+  <p:clrMapOvr>
+    <a:masterClrMapping/>
+  </p:clrMapOvr>
+</p:sld>
+</file>
+
+<file path=ppt/slides/slide11.xml><?xml version="1.0" encoding="utf-8"?>
+<p:sld xmlns:a="http://schemas.openxmlformats.org/drawingml/2006/main" xmlns:r="http://schemas.openxmlformats.org/officeDocument/2006/relationships" xmlns:p="http://schemas.openxmlformats.org/presentationml/2006/main">
+  <p:cSld>
+    <p:spTree>
+      <p:nvGrpSpPr>
+        <p:cNvPr id="1" name=""/>
+        <p:cNvGrpSpPr/>
+        <p:nvPr/>
+      </p:nvGrpSpPr>
+      <p:grpSpPr>
+        <a:xfrm>
+          <a:off x="0" y="0"/>
+          <a:ext cx="0" cy="0"/>
+          <a:chOff x="0" y="0"/>
+          <a:chExt cx="0" cy="0"/>
+        </a:xfrm>
+      </p:grpSpPr>
+      <p:sp>
+        <p:nvSpPr>
           <p:cNvPr id="9" name="Title 8">
             <a:extLst>
               <a:ext uri="{FF2B5EF4-FFF2-40B4-BE49-F238E27FC236}">
@@ -6482,7 +6624,7 @@
 </p:sld>
 </file>
 
-<file path=ppt/slides/slide11.xml><?xml version="1.0" encoding="utf-8"?>
+<file path=ppt/slides/slide12.xml><?xml version="1.0" encoding="utf-8"?>
 <p:sld xmlns:a="http://schemas.openxmlformats.org/drawingml/2006/main" xmlns:r="http://schemas.openxmlformats.org/officeDocument/2006/relationships" xmlns:p="http://schemas.openxmlformats.org/presentationml/2006/main">
   <p:cSld>
     <p:spTree>
@@ -6612,7 +6754,7 @@
 </p:sld>
 </file>
 
-<file path=ppt/slides/slide12.xml><?xml version="1.0" encoding="utf-8"?>
+<file path=ppt/slides/slide13.xml><?xml version="1.0" encoding="utf-8"?>
 <p:sld xmlns:a="http://schemas.openxmlformats.org/drawingml/2006/main" xmlns:r="http://schemas.openxmlformats.org/officeDocument/2006/relationships" xmlns:p="http://schemas.openxmlformats.org/presentationml/2006/main">
   <p:cSld>
     <p:spTree>
@@ -6763,7 +6905,7 @@
 </p:sld>
 </file>
 
-<file path=ppt/slides/slide13.xml><?xml version="1.0" encoding="utf-8"?>
+<file path=ppt/slides/slide14.xml><?xml version="1.0" encoding="utf-8"?>
 <p:sld xmlns:a="http://schemas.openxmlformats.org/drawingml/2006/main" xmlns:r="http://schemas.openxmlformats.org/officeDocument/2006/relationships" xmlns:p="http://schemas.openxmlformats.org/presentationml/2006/main">
   <p:cSld>
     <p:spTree>
@@ -10105,7 +10247,7 @@
         </p:blipFill>
         <p:spPr>
           <a:xfrm>
-            <a:off x="1360530" y="2110581"/>
+            <a:off x="1031017" y="2143533"/>
             <a:ext cx="7296150" cy="3781425"/>
           </a:xfrm>
           <a:prstGeom prst="rect">
@@ -10143,6 +10285,120 @@
           <a:chExt cx="0" cy="0"/>
         </a:xfrm>
       </p:grpSpPr>
+      <p:sp>
+        <p:nvSpPr>
+          <p:cNvPr id="2" name="Title 1">
+            <a:extLst>
+              <a:ext uri="{FF2B5EF4-FFF2-40B4-BE49-F238E27FC236}">
+                <a16:creationId xmlns:a16="http://schemas.microsoft.com/office/drawing/2014/main" id="{77258713-73F9-513E-3A1D-2C614A2C83A9}"/>
+              </a:ext>
+            </a:extLst>
+          </p:cNvPr>
+          <p:cNvSpPr>
+            <a:spLocks noGrp="1"/>
+          </p:cNvSpPr>
+          <p:nvPr>
+            <p:ph type="title"/>
+          </p:nvPr>
+        </p:nvSpPr>
+        <p:spPr/>
+        <p:txBody>
+          <a:bodyPr/>
+          <a:lstStyle/>
+          <a:p>
+            <a:r>
+              <a:rPr lang="pt-BR" dirty="0"/>
+              <a:t>Loops break location workflow</a:t>
+            </a:r>
+            <a:endParaRPr lang="en-NZ" dirty="0"/>
+          </a:p>
+        </p:txBody>
+      </p:sp>
+      <p:sp>
+        <p:nvSpPr>
+          <p:cNvPr id="3" name="Content Placeholder 2">
+            <a:extLst>
+              <a:ext uri="{FF2B5EF4-FFF2-40B4-BE49-F238E27FC236}">
+                <a16:creationId xmlns:a16="http://schemas.microsoft.com/office/drawing/2014/main" id="{F02B4468-4882-1F0C-1B23-57B52467216D}"/>
+              </a:ext>
+            </a:extLst>
+          </p:cNvPr>
+          <p:cNvSpPr>
+            <a:spLocks noGrp="1"/>
+          </p:cNvSpPr>
+          <p:nvPr>
+            <p:ph idx="1"/>
+          </p:nvPr>
+        </p:nvSpPr>
+        <p:spPr/>
+        <p:txBody>
+          <a:bodyPr/>
+          <a:lstStyle/>
+          <a:p>
+            <a:endParaRPr lang="en-NZ"/>
+          </a:p>
+        </p:txBody>
+      </p:sp>
+      <p:pic>
+        <p:nvPicPr>
+          <p:cNvPr id="5" name="Picture 4">
+            <a:extLst>
+              <a:ext uri="{FF2B5EF4-FFF2-40B4-BE49-F238E27FC236}">
+                <a16:creationId xmlns:a16="http://schemas.microsoft.com/office/drawing/2014/main" id="{F81277CB-FD55-DE5F-EED5-D51E91A0B53B}"/>
+              </a:ext>
+            </a:extLst>
+          </p:cNvPr>
+          <p:cNvPicPr>
+            <a:picLocks noChangeAspect="1"/>
+          </p:cNvPicPr>
+          <p:nvPr/>
+        </p:nvPicPr>
+        <p:blipFill>
+          <a:blip r:embed="rId2"/>
+          <a:stretch>
+            <a:fillRect/>
+          </a:stretch>
+        </p:blipFill>
+        <p:spPr>
+          <a:xfrm>
+            <a:off x="1589903" y="1757149"/>
+            <a:ext cx="8419069" cy="4735726"/>
+          </a:xfrm>
+          <a:prstGeom prst="rect">
+            <a:avLst/>
+          </a:prstGeom>
+        </p:spPr>
+      </p:pic>
+    </p:spTree>
+    <p:extLst>
+      <p:ext uri="{BB962C8B-B14F-4D97-AF65-F5344CB8AC3E}">
+        <p14:creationId xmlns:p14="http://schemas.microsoft.com/office/powerpoint/2010/main" val="1765336488"/>
+      </p:ext>
+    </p:extLst>
+  </p:cSld>
+  <p:clrMapOvr>
+    <a:masterClrMapping/>
+  </p:clrMapOvr>
+</p:sld>
+</file>
+
+<file path=ppt/slides/slide8.xml><?xml version="1.0" encoding="utf-8"?>
+<p:sld xmlns:a="http://schemas.openxmlformats.org/drawingml/2006/main" xmlns:r="http://schemas.openxmlformats.org/officeDocument/2006/relationships" xmlns:p="http://schemas.openxmlformats.org/presentationml/2006/main">
+  <p:cSld>
+    <p:spTree>
+      <p:nvGrpSpPr>
+        <p:cNvPr id="1" name=""/>
+        <p:cNvGrpSpPr/>
+        <p:nvPr/>
+      </p:nvGrpSpPr>
+      <p:grpSpPr>
+        <a:xfrm>
+          <a:off x="0" y="0"/>
+          <a:ext cx="0" cy="0"/>
+          <a:chOff x="0" y="0"/>
+          <a:chExt cx="0" cy="0"/>
+        </a:xfrm>
+      </p:grpSpPr>
       <p:pic>
         <p:nvPicPr>
           <p:cNvPr id="2" name="Picture 1">
@@ -10186,7 +10442,7 @@
 </p:sld>
 </file>
 
-<file path=ppt/slides/slide8.xml><?xml version="1.0" encoding="utf-8"?>
+<file path=ppt/slides/slide9.xml><?xml version="1.0" encoding="utf-8"?>
 <p:sld xmlns:a="http://schemas.openxmlformats.org/drawingml/2006/main" xmlns:r="http://schemas.openxmlformats.org/officeDocument/2006/relationships" xmlns:p="http://schemas.openxmlformats.org/presentationml/2006/main">
   <p:cSld>
     <p:spTree>
@@ -10236,147 +10492,6 @@
     <p:extLst>
       <p:ext uri="{BB962C8B-B14F-4D97-AF65-F5344CB8AC3E}">
         <p14:creationId xmlns:p14="http://schemas.microsoft.com/office/powerpoint/2010/main" val="4249826841"/>
-      </p:ext>
-    </p:extLst>
-  </p:cSld>
-  <p:clrMapOvr>
-    <a:masterClrMapping/>
-  </p:clrMapOvr>
-</p:sld>
-</file>
-
-<file path=ppt/slides/slide9.xml><?xml version="1.0" encoding="utf-8"?>
-<p:sld xmlns:a="http://schemas.openxmlformats.org/drawingml/2006/main" xmlns:r="http://schemas.openxmlformats.org/officeDocument/2006/relationships" xmlns:p="http://schemas.openxmlformats.org/presentationml/2006/main">
-  <p:cSld>
-    <p:spTree>
-      <p:nvGrpSpPr>
-        <p:cNvPr id="1" name=""/>
-        <p:cNvGrpSpPr/>
-        <p:nvPr/>
-      </p:nvGrpSpPr>
-      <p:grpSpPr>
-        <a:xfrm>
-          <a:off x="0" y="0"/>
-          <a:ext cx="0" cy="0"/>
-          <a:chOff x="0" y="0"/>
-          <a:chExt cx="0" cy="0"/>
-        </a:xfrm>
-      </p:grpSpPr>
-      <p:sp>
-        <p:nvSpPr>
-          <p:cNvPr id="2" name="Title 1">
-            <a:extLst>
-              <a:ext uri="{FF2B5EF4-FFF2-40B4-BE49-F238E27FC236}">
-                <a16:creationId xmlns:a16="http://schemas.microsoft.com/office/drawing/2014/main" id="{059FB3C3-F851-7B41-4621-C5D889ECD602}"/>
-              </a:ext>
-            </a:extLst>
-          </p:cNvPr>
-          <p:cNvSpPr>
-            <a:spLocks noGrp="1"/>
-          </p:cNvSpPr>
-          <p:nvPr>
-            <p:ph type="title"/>
-          </p:nvPr>
-        </p:nvSpPr>
-        <p:spPr/>
-        <p:txBody>
-          <a:bodyPr/>
-          <a:lstStyle/>
-          <a:p>
-            <a:r>
-              <a:rPr lang="pt-BR" dirty="0">
-                <a:latin typeface="Arial" panose="020B0604020202020204" pitchFamily="34" charset="0"/>
-                <a:cs typeface="Arial" panose="020B0604020202020204" pitchFamily="34" charset="0"/>
-              </a:rPr>
-              <a:t>Is a patch-based model globally relevant?</a:t>
-            </a:r>
-            <a:endParaRPr lang="en-NZ" dirty="0">
-              <a:latin typeface="Arial" panose="020B0604020202020204" pitchFamily="34" charset="0"/>
-              <a:cs typeface="Arial" panose="020B0604020202020204" pitchFamily="34" charset="0"/>
-            </a:endParaRPr>
-          </a:p>
-        </p:txBody>
-      </p:sp>
-      <p:sp>
-        <p:nvSpPr>
-          <p:cNvPr id="3" name="Content Placeholder 2">
-            <a:extLst>
-              <a:ext uri="{FF2B5EF4-FFF2-40B4-BE49-F238E27FC236}">
-                <a16:creationId xmlns:a16="http://schemas.microsoft.com/office/drawing/2014/main" id="{D83AE20D-A460-CE31-6B4E-18E31E0B194C}"/>
-              </a:ext>
-            </a:extLst>
-          </p:cNvPr>
-          <p:cNvSpPr>
-            <a:spLocks noGrp="1"/>
-          </p:cNvSpPr>
-          <p:nvPr>
-            <p:ph idx="1"/>
-          </p:nvPr>
-        </p:nvSpPr>
-        <p:spPr/>
-        <p:txBody>
-          <a:bodyPr/>
-          <a:lstStyle/>
-          <a:p>
-            <a:r>
-              <a:rPr lang="pt-BR"/>
-              <a:t>Does a mechanistic model (based on island biogeography) compare to the global patterns of coarser, correlative models previously published?</a:t>
-            </a:r>
-            <a:endParaRPr lang="en-NZ" dirty="0"/>
-          </a:p>
-        </p:txBody>
-      </p:sp>
-      <p:pic>
-        <p:nvPicPr>
-          <p:cNvPr id="2050" name="Picture 2">
-            <a:extLst>
-              <a:ext uri="{FF2B5EF4-FFF2-40B4-BE49-F238E27FC236}">
-                <a16:creationId xmlns:a16="http://schemas.microsoft.com/office/drawing/2014/main" id="{0379D601-7371-4F0A-D78A-48DE0BC87055}"/>
-              </a:ext>
-            </a:extLst>
-          </p:cNvPr>
-          <p:cNvPicPr>
-            <a:picLocks noChangeAspect="1" noChangeArrowheads="1"/>
-          </p:cNvPicPr>
-          <p:nvPr/>
-        </p:nvPicPr>
-        <p:blipFill>
-          <a:blip r:embed="rId2">
-            <a:extLst>
-              <a:ext uri="{28A0092B-C50C-407E-A947-70E740481C1C}">
-                <a14:useLocalDpi xmlns:a14="http://schemas.microsoft.com/office/drawing/2010/main" val="0"/>
-              </a:ext>
-            </a:extLst>
-          </a:blip>
-          <a:srcRect/>
-          <a:stretch>
-            <a:fillRect/>
-          </a:stretch>
-        </p:blipFill>
-        <p:spPr bwMode="auto">
-          <a:xfrm>
-            <a:off x="3664269" y="3106754"/>
-            <a:ext cx="3945572" cy="3070209"/>
-          </a:xfrm>
-          <a:prstGeom prst="rect">
-            <a:avLst/>
-          </a:prstGeom>
-          <a:noFill/>
-          <a:extLst>
-            <a:ext uri="{909E8E84-426E-40DD-AFC4-6F175D3DCCD1}">
-              <a14:hiddenFill xmlns:a14="http://schemas.microsoft.com/office/drawing/2010/main">
-                <a:solidFill>
-                  <a:srgbClr val="FFFFFF"/>
-                </a:solidFill>
-              </a14:hiddenFill>
-            </a:ext>
-          </a:extLst>
-        </p:spPr>
-      </p:pic>
-    </p:spTree>
-    <p:extLst>
-      <p:ext uri="{BB962C8B-B14F-4D97-AF65-F5344CB8AC3E}">
-        <p14:creationId xmlns:p14="http://schemas.microsoft.com/office/powerpoint/2010/main" val="3242349104"/>
       </p:ext>
     </p:extLst>
   </p:cSld>
